--- a/Slides/Fig10.pptx
+++ b/Slides/Fig10.pptx
@@ -259,7 +259,7 @@
           <a:p>
             <a:fld id="{88C687E7-504C-463E-A938-E97E3F497B8F}" type="datetimeFigureOut">
               <a:rPr lang="it-IT" smtClean="0"/>
-              <a:t>08/02/2023</a:t>
+              <a:t>21/02/2023</a:t>
             </a:fld>
             <a:endParaRPr lang="it-IT"/>
           </a:p>
@@ -457,7 +457,7 @@
           <a:p>
             <a:fld id="{88C687E7-504C-463E-A938-E97E3F497B8F}" type="datetimeFigureOut">
               <a:rPr lang="it-IT" smtClean="0"/>
-              <a:t>08/02/2023</a:t>
+              <a:t>21/02/2023</a:t>
             </a:fld>
             <a:endParaRPr lang="it-IT"/>
           </a:p>
@@ -665,7 +665,7 @@
           <a:p>
             <a:fld id="{88C687E7-504C-463E-A938-E97E3F497B8F}" type="datetimeFigureOut">
               <a:rPr lang="it-IT" smtClean="0"/>
-              <a:t>08/02/2023</a:t>
+              <a:t>21/02/2023</a:t>
             </a:fld>
             <a:endParaRPr lang="it-IT"/>
           </a:p>
@@ -863,7 +863,7 @@
           <a:p>
             <a:fld id="{88C687E7-504C-463E-A938-E97E3F497B8F}" type="datetimeFigureOut">
               <a:rPr lang="it-IT" smtClean="0"/>
-              <a:t>08/02/2023</a:t>
+              <a:t>21/02/2023</a:t>
             </a:fld>
             <a:endParaRPr lang="it-IT"/>
           </a:p>
@@ -1138,7 +1138,7 @@
           <a:p>
             <a:fld id="{88C687E7-504C-463E-A938-E97E3F497B8F}" type="datetimeFigureOut">
               <a:rPr lang="it-IT" smtClean="0"/>
-              <a:t>08/02/2023</a:t>
+              <a:t>21/02/2023</a:t>
             </a:fld>
             <a:endParaRPr lang="it-IT"/>
           </a:p>
@@ -1403,7 +1403,7 @@
           <a:p>
             <a:fld id="{88C687E7-504C-463E-A938-E97E3F497B8F}" type="datetimeFigureOut">
               <a:rPr lang="it-IT" smtClean="0"/>
-              <a:t>08/02/2023</a:t>
+              <a:t>21/02/2023</a:t>
             </a:fld>
             <a:endParaRPr lang="it-IT"/>
           </a:p>
@@ -1815,7 +1815,7 @@
           <a:p>
             <a:fld id="{88C687E7-504C-463E-A938-E97E3F497B8F}" type="datetimeFigureOut">
               <a:rPr lang="it-IT" smtClean="0"/>
-              <a:t>08/02/2023</a:t>
+              <a:t>21/02/2023</a:t>
             </a:fld>
             <a:endParaRPr lang="it-IT"/>
           </a:p>
@@ -1956,7 +1956,7 @@
           <a:p>
             <a:fld id="{88C687E7-504C-463E-A938-E97E3F497B8F}" type="datetimeFigureOut">
               <a:rPr lang="it-IT" smtClean="0"/>
-              <a:t>08/02/2023</a:t>
+              <a:t>21/02/2023</a:t>
             </a:fld>
             <a:endParaRPr lang="it-IT"/>
           </a:p>
@@ -2069,7 +2069,7 @@
           <a:p>
             <a:fld id="{88C687E7-504C-463E-A938-E97E3F497B8F}" type="datetimeFigureOut">
               <a:rPr lang="it-IT" smtClean="0"/>
-              <a:t>08/02/2023</a:t>
+              <a:t>21/02/2023</a:t>
             </a:fld>
             <a:endParaRPr lang="it-IT"/>
           </a:p>
@@ -2380,7 +2380,7 @@
           <a:p>
             <a:fld id="{88C687E7-504C-463E-A938-E97E3F497B8F}" type="datetimeFigureOut">
               <a:rPr lang="it-IT" smtClean="0"/>
-              <a:t>08/02/2023</a:t>
+              <a:t>21/02/2023</a:t>
             </a:fld>
             <a:endParaRPr lang="it-IT"/>
           </a:p>
@@ -2668,7 +2668,7 @@
           <a:p>
             <a:fld id="{88C687E7-504C-463E-A938-E97E3F497B8F}" type="datetimeFigureOut">
               <a:rPr lang="it-IT" smtClean="0"/>
-              <a:t>08/02/2023</a:t>
+              <a:t>21/02/2023</a:t>
             </a:fld>
             <a:endParaRPr lang="it-IT"/>
           </a:p>
@@ -2912,7 +2912,7 @@
           <a:p>
             <a:fld id="{88C687E7-504C-463E-A938-E97E3F497B8F}" type="datetimeFigureOut">
               <a:rPr lang="it-IT" smtClean="0"/>
-              <a:t>08/02/2023</a:t>
+              <a:t>21/02/2023</a:t>
             </a:fld>
             <a:endParaRPr lang="it-IT"/>
           </a:p>
@@ -3329,47 +3329,101 @@
           <a:chExt cx="0" cy="0"/>
         </a:xfrm>
       </p:grpSpPr>
-      <p:sp>
-        <p:nvSpPr>
-          <p:cNvPr id="25" name="Rectangle 24">
-            <a:extLst>
-              <a:ext uri="{FF2B5EF4-FFF2-40B4-BE49-F238E27FC236}">
-                <a16:creationId xmlns:a16="http://schemas.microsoft.com/office/drawing/2014/main" id="{9527FCEA-6143-4C5E-8C45-8AC9237ADE89}"/>
-              </a:ext>
-              <a:ext uri="{C183D7F6-B498-43B3-948B-1728B52AA6E4}">
-                <adec:decorative xmlns:adec="http://schemas.microsoft.com/office/drawing/2017/decorative" val="1"/>
-              </a:ext>
-            </a:extLst>
-          </p:cNvPr>
-          <p:cNvSpPr>
-            <a:spLocks noGrp="1" noRot="1" noChangeAspect="1" noMove="1" noResize="1" noEditPoints="1" noAdjustHandles="1" noChangeArrowheads="1" noChangeShapeType="1" noTextEdit="1"/>
-          </p:cNvSpPr>
-          <p:nvPr>
-            <p:extLst>
-              <p:ext uri="{386F3935-93C4-4BCD-93E2-E3B085C9AB24}">
-                <p16:designElem xmlns:p16="http://schemas.microsoft.com/office/powerpoint/2015/main" val="1"/>
-              </p:ext>
-            </p:extLst>
-          </p:nvPr>
-        </p:nvSpPr>
+      <p:pic>
+        <p:nvPicPr>
+          <p:cNvPr id="9" name="Immagine 8">
+            <a:extLst>
+              <a:ext uri="{FF2B5EF4-FFF2-40B4-BE49-F238E27FC236}">
+                <a16:creationId xmlns:a16="http://schemas.microsoft.com/office/drawing/2014/main" id="{8E8BE686-0E79-14FD-AEFC-ACF36FB6C347}"/>
+              </a:ext>
+            </a:extLst>
+          </p:cNvPr>
+          <p:cNvPicPr>
+            <a:picLocks noChangeAspect="1"/>
+          </p:cNvPicPr>
+          <p:nvPr/>
+        </p:nvPicPr>
+        <p:blipFill rotWithShape="1">
+          <a:blip r:embed="rId2"/>
+          <a:srcRect l="25583" t="21037" r="41000" b="6815"/>
+          <a:stretch/>
+        </p:blipFill>
         <p:spPr>
           <a:xfrm>
-            <a:off x="0" y="0"/>
-            <a:ext cx="12192000" cy="6858000"/>
+            <a:off x="574897" y="487477"/>
+            <a:ext cx="4844150" cy="5883045"/>
           </a:xfrm>
           <a:prstGeom prst="rect">
             <a:avLst/>
           </a:prstGeom>
+        </p:spPr>
+      </p:pic>
+      <p:pic>
+        <p:nvPicPr>
+          <p:cNvPr id="12" name="Immagine 11">
+            <a:extLst>
+              <a:ext uri="{FF2B5EF4-FFF2-40B4-BE49-F238E27FC236}">
+                <a16:creationId xmlns:a16="http://schemas.microsoft.com/office/drawing/2014/main" id="{AC43D727-2204-FFCE-C264-F01BC13A147B}"/>
+              </a:ext>
+            </a:extLst>
+          </p:cNvPr>
+          <p:cNvPicPr>
+            <a:picLocks noChangeAspect="1"/>
+          </p:cNvPicPr>
+          <p:nvPr/>
+        </p:nvPicPr>
+        <p:blipFill rotWithShape="1">
+          <a:blip r:embed="rId3"/>
+          <a:srcRect l="26166" t="21630" r="39917" b="7259"/>
+          <a:stretch/>
+        </p:blipFill>
+        <p:spPr>
+          <a:xfrm>
+            <a:off x="6628771" y="487476"/>
+            <a:ext cx="4988332" cy="5883045"/>
+          </a:xfrm>
+          <a:prstGeom prst="rect">
+            <a:avLst/>
+          </a:prstGeom>
+        </p:spPr>
+      </p:pic>
+      <p:sp>
+        <p:nvSpPr>
+          <p:cNvPr id="14" name="Freccia in giù 13">
+            <a:extLst>
+              <a:ext uri="{FF2B5EF4-FFF2-40B4-BE49-F238E27FC236}">
+                <a16:creationId xmlns:a16="http://schemas.microsoft.com/office/drawing/2014/main" id="{168508C1-16C8-27C9-D166-F028C3F6D133}"/>
+              </a:ext>
+            </a:extLst>
+          </p:cNvPr>
+          <p:cNvSpPr/>
+          <p:nvPr/>
+        </p:nvSpPr>
+        <p:spPr>
+          <a:xfrm rot="16200000">
+            <a:off x="5652881" y="2824136"/>
+            <a:ext cx="742056" cy="1209724"/>
+          </a:xfrm>
+          <a:prstGeom prst="downArrow">
+            <a:avLst/>
+          </a:prstGeom>
           <a:solidFill>
-            <a:schemeClr val="tx1">
-              <a:lumMod val="50000"/>
-              <a:lumOff val="50000"/>
-              <a:alpha val="30000"/>
+            <a:schemeClr val="bg1">
+              <a:lumMod val="75000"/>
             </a:schemeClr>
           </a:solidFill>
           <a:ln>
-            <a:noFill/>
+            <a:solidFill>
+              <a:schemeClr val="tx1"/>
+            </a:solidFill>
           </a:ln>
+          <a:effectLst>
+            <a:innerShdw blurRad="63500" dist="50800" dir="18900000">
+              <a:prstClr val="black">
+                <a:alpha val="50000"/>
+              </a:prstClr>
+            </a:innerShdw>
+          </a:effectLst>
         </p:spPr>
         <p:style>
           <a:lnRef idx="2">
@@ -3392,51 +3446,36 @@
           <a:lstStyle/>
           <a:p>
             <a:pPr algn="ctr"/>
-            <a:endParaRPr lang="en-US"/>
-          </a:p>
-        </p:txBody>
-      </p:sp>
-      <p:sp>
-        <p:nvSpPr>
-          <p:cNvPr id="27" name="Rectangle 26">
-            <a:extLst>
-              <a:ext uri="{FF2B5EF4-FFF2-40B4-BE49-F238E27FC236}">
-                <a16:creationId xmlns:a16="http://schemas.microsoft.com/office/drawing/2014/main" id="{1A9F23AD-7A55-49F3-A3EC-743F47F36B0E}"/>
-              </a:ext>
-              <a:ext uri="{C183D7F6-B498-43B3-948B-1728B52AA6E4}">
-                <adec:decorative xmlns:adec="http://schemas.microsoft.com/office/drawing/2017/decorative" val="1"/>
-              </a:ext>
-            </a:extLst>
-          </p:cNvPr>
-          <p:cNvSpPr>
-            <a:spLocks noGrp="1" noRot="1" noChangeAspect="1" noMove="1" noResize="1" noEditPoints="1" noAdjustHandles="1" noChangeArrowheads="1" noChangeShapeType="1" noTextEdit="1"/>
-          </p:cNvSpPr>
-          <p:nvPr>
-            <p:extLst>
-              <p:ext uri="{386F3935-93C4-4BCD-93E2-E3B085C9AB24}">
-                <p16:designElem xmlns:p16="http://schemas.microsoft.com/office/powerpoint/2015/main" val="1"/>
-              </p:ext>
-            </p:extLst>
-          </p:nvPr>
+            <a:endParaRPr lang="it-IT"/>
+          </a:p>
+        </p:txBody>
+      </p:sp>
+      <p:sp>
+        <p:nvSpPr>
+          <p:cNvPr id="16" name="Rettangolo con angoli arrotondati 15">
+            <a:extLst>
+              <a:ext uri="{FF2B5EF4-FFF2-40B4-BE49-F238E27FC236}">
+                <a16:creationId xmlns:a16="http://schemas.microsoft.com/office/drawing/2014/main" id="{C08F38A3-06E2-1E7C-7629-6351A06B485B}"/>
+              </a:ext>
+            </a:extLst>
+          </p:cNvPr>
+          <p:cNvSpPr/>
+          <p:nvPr/>
         </p:nvSpPr>
         <p:spPr>
           <a:xfrm>
-            <a:off x="477012" y="487090"/>
-            <a:ext cx="6741849" cy="5897880"/>
+            <a:off x="719091" y="674703"/>
+            <a:ext cx="390618" cy="372862"/>
           </a:xfrm>
-          <a:prstGeom prst="rect">
+          <a:prstGeom prst="roundRect">
             <a:avLst/>
           </a:prstGeom>
           <a:solidFill>
-            <a:srgbClr val="FFFFFF"/>
+            <a:srgbClr val="FFC000"/>
           </a:solidFill>
-          <a:ln w="19050">
+          <a:ln>
             <a:solidFill>
-              <a:schemeClr val="tx1">
-                <a:lumMod val="50000"/>
-                <a:lumOff val="50000"/>
-                <a:alpha val="80000"/>
-              </a:schemeClr>
+              <a:schemeClr val="tx1"/>
             </a:solidFill>
           </a:ln>
         </p:spPr>
@@ -3461,51 +3500,43 @@
           <a:lstStyle/>
           <a:p>
             <a:pPr algn="ctr"/>
-            <a:endParaRPr lang="en-US"/>
-          </a:p>
-        </p:txBody>
-      </p:sp>
-      <p:sp>
-        <p:nvSpPr>
-          <p:cNvPr id="29" name="Rectangle 28">
-            <a:extLst>
-              <a:ext uri="{FF2B5EF4-FFF2-40B4-BE49-F238E27FC236}">
-                <a16:creationId xmlns:a16="http://schemas.microsoft.com/office/drawing/2014/main" id="{D7D9F91F-72C9-4DB9-ABD0-A8180D8262D5}"/>
-              </a:ext>
-              <a:ext uri="{C183D7F6-B498-43B3-948B-1728B52AA6E4}">
-                <adec:decorative xmlns:adec="http://schemas.microsoft.com/office/drawing/2017/decorative" val="1"/>
-              </a:ext>
-            </a:extLst>
-          </p:cNvPr>
-          <p:cNvSpPr>
-            <a:spLocks noGrp="1" noRot="1" noChangeAspect="1" noMove="1" noResize="1" noEditPoints="1" noAdjustHandles="1" noChangeArrowheads="1" noChangeShapeType="1" noTextEdit="1"/>
-          </p:cNvSpPr>
-          <p:nvPr>
-            <p:extLst>
-              <p:ext uri="{386F3935-93C4-4BCD-93E2-E3B085C9AB24}">
-                <p16:designElem xmlns:p16="http://schemas.microsoft.com/office/powerpoint/2015/main" val="1"/>
-              </p:ext>
-            </p:extLst>
-          </p:nvPr>
+            <a:r>
+              <a:rPr lang="it-IT" dirty="0">
+                <a:solidFill>
+                  <a:schemeClr val="tx1"/>
+                </a:solidFill>
+              </a:rPr>
+              <a:t>a</a:t>
+            </a:r>
+          </a:p>
+        </p:txBody>
+      </p:sp>
+      <p:sp>
+        <p:nvSpPr>
+          <p:cNvPr id="17" name="Rettangolo con angoli arrotondati 16">
+            <a:extLst>
+              <a:ext uri="{FF2B5EF4-FFF2-40B4-BE49-F238E27FC236}">
+                <a16:creationId xmlns:a16="http://schemas.microsoft.com/office/drawing/2014/main" id="{EA251D4C-0BCE-DFC8-8397-E973B483F725}"/>
+              </a:ext>
+            </a:extLst>
+          </p:cNvPr>
+          <p:cNvSpPr/>
+          <p:nvPr/>
         </p:nvSpPr>
         <p:spPr>
           <a:xfrm>
-            <a:off x="7534655" y="480060"/>
-            <a:ext cx="4180332" cy="2788074"/>
+            <a:off x="6911589" y="608915"/>
+            <a:ext cx="390618" cy="372862"/>
           </a:xfrm>
-          <a:prstGeom prst="rect">
+          <a:prstGeom prst="roundRect">
             <a:avLst/>
           </a:prstGeom>
           <a:solidFill>
-            <a:srgbClr val="FFFFFF"/>
+            <a:srgbClr val="FFC000"/>
           </a:solidFill>
-          <a:ln w="19050">
+          <a:ln>
             <a:solidFill>
-              <a:schemeClr val="tx1">
-                <a:lumMod val="50000"/>
-                <a:lumOff val="50000"/>
-                <a:alpha val="80000"/>
-              </a:schemeClr>
+              <a:schemeClr val="tx1"/>
             </a:solidFill>
           </a:ln>
         </p:spPr>
@@ -3530,341 +3561,17 @@
           <a:lstStyle/>
           <a:p>
             <a:pPr algn="ctr"/>
-            <a:endParaRPr lang="en-US"/>
-          </a:p>
-        </p:txBody>
-      </p:sp>
-      <p:sp>
-        <p:nvSpPr>
-          <p:cNvPr id="31" name="Rectangle 30">
-            <a:extLst>
-              <a:ext uri="{FF2B5EF4-FFF2-40B4-BE49-F238E27FC236}">
-                <a16:creationId xmlns:a16="http://schemas.microsoft.com/office/drawing/2014/main" id="{BE016956-CE9F-4946-8834-A8BC3529D0F6}"/>
-              </a:ext>
-              <a:ext uri="{C183D7F6-B498-43B3-948B-1728B52AA6E4}">
-                <adec:decorative xmlns:adec="http://schemas.microsoft.com/office/drawing/2017/decorative" val="1"/>
-              </a:ext>
-            </a:extLst>
-          </p:cNvPr>
-          <p:cNvSpPr>
-            <a:spLocks noGrp="1" noRot="1" noChangeAspect="1" noMove="1" noResize="1" noEditPoints="1" noAdjustHandles="1" noChangeArrowheads="1" noChangeShapeType="1" noTextEdit="1"/>
-          </p:cNvSpPr>
-          <p:nvPr>
-            <p:extLst>
-              <p:ext uri="{386F3935-93C4-4BCD-93E2-E3B085C9AB24}">
-                <p16:designElem xmlns:p16="http://schemas.microsoft.com/office/powerpoint/2015/main" val="1"/>
-              </p:ext>
-            </p:extLst>
-          </p:nvPr>
-        </p:nvSpPr>
-        <p:spPr>
-          <a:xfrm>
-            <a:off x="7534655" y="3603670"/>
-            <a:ext cx="4180332" cy="2788074"/>
-          </a:xfrm>
-          <a:prstGeom prst="rect">
-            <a:avLst/>
-          </a:prstGeom>
-          <a:solidFill>
-            <a:srgbClr val="FFFFFF"/>
-          </a:solidFill>
-          <a:ln w="19050">
-            <a:solidFill>
-              <a:schemeClr val="tx1">
-                <a:lumMod val="50000"/>
-                <a:lumOff val="50000"/>
-                <a:alpha val="80000"/>
-              </a:schemeClr>
-            </a:solidFill>
-          </a:ln>
-        </p:spPr>
-        <p:style>
-          <a:lnRef idx="2">
-            <a:schemeClr val="accent1">
-              <a:shade val="50000"/>
-            </a:schemeClr>
-          </a:lnRef>
-          <a:fillRef idx="1">
-            <a:schemeClr val="accent1"/>
-          </a:fillRef>
-          <a:effectRef idx="0">
-            <a:schemeClr val="accent1"/>
-          </a:effectRef>
-          <a:fontRef idx="minor">
-            <a:schemeClr val="lt1"/>
-          </a:fontRef>
-        </p:style>
-        <p:txBody>
-          <a:bodyPr rtlCol="0" anchor="ctr"/>
-          <a:lstStyle/>
-          <a:p>
-            <a:pPr algn="ctr"/>
-            <a:endParaRPr lang="en-US"/>
-          </a:p>
-        </p:txBody>
-      </p:sp>
-      <p:pic>
-        <p:nvPicPr>
-          <p:cNvPr id="5" name="Immagine 4">
-            <a:extLst>
-              <a:ext uri="{FF2B5EF4-FFF2-40B4-BE49-F238E27FC236}">
-                <a16:creationId xmlns:a16="http://schemas.microsoft.com/office/drawing/2014/main" id="{D75F15A2-B135-C21D-450B-1EFC394AF562}"/>
-              </a:ext>
-            </a:extLst>
-          </p:cNvPr>
-          <p:cNvPicPr>
-            <a:picLocks noChangeAspect="1"/>
-          </p:cNvPicPr>
-          <p:nvPr/>
-        </p:nvPicPr>
-        <p:blipFill>
-          <a:blip r:embed="rId2">
-            <a:extLst>
-              <a:ext uri="{28A0092B-C50C-407E-A947-70E740481C1C}">
-                <a14:useLocalDpi xmlns:a14="http://schemas.microsoft.com/office/drawing/2010/main" val="0"/>
-              </a:ext>
-            </a:extLst>
-          </a:blip>
-          <a:stretch>
-            <a:fillRect/>
-          </a:stretch>
-        </p:blipFill>
-        <p:spPr>
-          <a:xfrm>
-            <a:off x="7695873" y="4203383"/>
-            <a:ext cx="3854945" cy="1561252"/>
-          </a:xfrm>
-          <a:prstGeom prst="rect">
-            <a:avLst/>
-          </a:prstGeom>
-        </p:spPr>
-      </p:pic>
-      <p:pic>
-        <p:nvPicPr>
-          <p:cNvPr id="3" name="Immagine 2">
-            <a:extLst>
-              <a:ext uri="{FF2B5EF4-FFF2-40B4-BE49-F238E27FC236}">
-                <a16:creationId xmlns:a16="http://schemas.microsoft.com/office/drawing/2014/main" id="{988E7A77-CE77-76F3-A4EF-1648FBE9B9F6}"/>
-              </a:ext>
-            </a:extLst>
-          </p:cNvPr>
-          <p:cNvPicPr>
-            <a:picLocks noChangeAspect="1"/>
-          </p:cNvPicPr>
-          <p:nvPr/>
-        </p:nvPicPr>
-        <p:blipFill rotWithShape="1">
-          <a:blip r:embed="rId3">
-            <a:extLst>
-              <a:ext uri="{28A0092B-C50C-407E-A947-70E740481C1C}">
-                <a14:useLocalDpi xmlns:a14="http://schemas.microsoft.com/office/drawing/2010/main" val="0"/>
-              </a:ext>
-            </a:extLst>
-          </a:blip>
-          <a:srcRect t="9600"/>
-          <a:stretch/>
-        </p:blipFill>
-        <p:spPr>
-          <a:xfrm>
-            <a:off x="8382001" y="542529"/>
-            <a:ext cx="2587458" cy="2673220"/>
-          </a:xfrm>
-          <a:prstGeom prst="rect">
-            <a:avLst/>
-          </a:prstGeom>
-        </p:spPr>
-      </p:pic>
-      <p:sp>
-        <p:nvSpPr>
-          <p:cNvPr id="6" name="Rettangolo con angoli arrotondati 5">
-            <a:extLst>
-              <a:ext uri="{FF2B5EF4-FFF2-40B4-BE49-F238E27FC236}">
-                <a16:creationId xmlns:a16="http://schemas.microsoft.com/office/drawing/2014/main" id="{7A8B2E49-BB6C-2128-0461-2BF7E3E45699}"/>
-              </a:ext>
-            </a:extLst>
-          </p:cNvPr>
-          <p:cNvSpPr/>
-          <p:nvPr/>
-        </p:nvSpPr>
-        <p:spPr>
-          <a:xfrm>
-            <a:off x="485324" y="494120"/>
-            <a:ext cx="420550" cy="371311"/>
-          </a:xfrm>
-          <a:prstGeom prst="roundRect">
-            <a:avLst/>
-          </a:prstGeom>
-          <a:ln>
-            <a:solidFill>
-              <a:schemeClr val="tx1"/>
-            </a:solidFill>
-          </a:ln>
-        </p:spPr>
-        <p:style>
-          <a:lnRef idx="1">
-            <a:schemeClr val="accent4"/>
-          </a:lnRef>
-          <a:fillRef idx="2">
-            <a:schemeClr val="accent4"/>
-          </a:fillRef>
-          <a:effectRef idx="1">
-            <a:schemeClr val="accent4"/>
-          </a:effectRef>
-          <a:fontRef idx="minor">
-            <a:schemeClr val="dk1"/>
-          </a:fontRef>
-        </p:style>
-        <p:txBody>
-          <a:bodyPr rtlCol="0" anchor="ctr"/>
-          <a:lstStyle/>
-          <a:p>
-            <a:pPr algn="ctr"/>
-            <a:r>
-              <a:rPr lang="it-IT" dirty="0"/>
-              <a:t>a</a:t>
-            </a:r>
-          </a:p>
-        </p:txBody>
-      </p:sp>
-      <p:sp>
-        <p:nvSpPr>
-          <p:cNvPr id="7" name="Rettangolo con angoli arrotondati 6">
-            <a:extLst>
-              <a:ext uri="{FF2B5EF4-FFF2-40B4-BE49-F238E27FC236}">
-                <a16:creationId xmlns:a16="http://schemas.microsoft.com/office/drawing/2014/main" id="{2077CEFA-AD82-1D0C-9B7C-6E0D549ABECF}"/>
-              </a:ext>
-            </a:extLst>
-          </p:cNvPr>
-          <p:cNvSpPr/>
-          <p:nvPr/>
-        </p:nvSpPr>
-        <p:spPr>
-          <a:xfrm>
-            <a:off x="7537778" y="466256"/>
-            <a:ext cx="420550" cy="371311"/>
-          </a:xfrm>
-          <a:prstGeom prst="roundRect">
-            <a:avLst/>
-          </a:prstGeom>
-          <a:ln>
-            <a:solidFill>
-              <a:schemeClr val="tx1"/>
-            </a:solidFill>
-          </a:ln>
-        </p:spPr>
-        <p:style>
-          <a:lnRef idx="1">
-            <a:schemeClr val="accent4"/>
-          </a:lnRef>
-          <a:fillRef idx="2">
-            <a:schemeClr val="accent4"/>
-          </a:fillRef>
-          <a:effectRef idx="1">
-            <a:schemeClr val="accent4"/>
-          </a:effectRef>
-          <a:fontRef idx="minor">
-            <a:schemeClr val="dk1"/>
-          </a:fontRef>
-        </p:style>
-        <p:txBody>
-          <a:bodyPr rtlCol="0" anchor="ctr"/>
-          <a:lstStyle/>
-          <a:p>
-            <a:pPr algn="ctr"/>
-            <a:r>
-              <a:rPr lang="it-IT" dirty="0"/>
+            <a:r>
+              <a:rPr lang="it-IT" dirty="0">
+                <a:solidFill>
+                  <a:schemeClr val="tx1"/>
+                </a:solidFill>
+              </a:rPr>
               <a:t>b</a:t>
             </a:r>
           </a:p>
         </p:txBody>
       </p:sp>
-      <p:sp>
-        <p:nvSpPr>
-          <p:cNvPr id="8" name="Rettangolo con angoli arrotondati 7">
-            <a:extLst>
-              <a:ext uri="{FF2B5EF4-FFF2-40B4-BE49-F238E27FC236}">
-                <a16:creationId xmlns:a16="http://schemas.microsoft.com/office/drawing/2014/main" id="{1337B56A-6654-2A6E-7B5F-00C08EFDE58A}"/>
-              </a:ext>
-            </a:extLst>
-          </p:cNvPr>
-          <p:cNvSpPr/>
-          <p:nvPr/>
-        </p:nvSpPr>
-        <p:spPr>
-          <a:xfrm>
-            <a:off x="7537778" y="3603670"/>
-            <a:ext cx="420550" cy="371311"/>
-          </a:xfrm>
-          <a:prstGeom prst="roundRect">
-            <a:avLst/>
-          </a:prstGeom>
-          <a:ln>
-            <a:solidFill>
-              <a:schemeClr val="tx1"/>
-            </a:solidFill>
-          </a:ln>
-        </p:spPr>
-        <p:style>
-          <a:lnRef idx="1">
-            <a:schemeClr val="accent4"/>
-          </a:lnRef>
-          <a:fillRef idx="2">
-            <a:schemeClr val="accent4"/>
-          </a:fillRef>
-          <a:effectRef idx="1">
-            <a:schemeClr val="accent4"/>
-          </a:effectRef>
-          <a:fontRef idx="minor">
-            <a:schemeClr val="dk1"/>
-          </a:fontRef>
-        </p:style>
-        <p:txBody>
-          <a:bodyPr rtlCol="0" anchor="ctr"/>
-          <a:lstStyle/>
-          <a:p>
-            <a:pPr algn="ctr"/>
-            <a:r>
-              <a:rPr lang="it-IT" dirty="0"/>
-              <a:t>c</a:t>
-            </a:r>
-          </a:p>
-        </p:txBody>
-      </p:sp>
-      <p:pic>
-        <p:nvPicPr>
-          <p:cNvPr id="4" name="Immagine 3">
-            <a:extLst>
-              <a:ext uri="{FF2B5EF4-FFF2-40B4-BE49-F238E27FC236}">
-                <a16:creationId xmlns:a16="http://schemas.microsoft.com/office/drawing/2014/main" id="{8F85C897-D59B-91FF-CDEC-20C046AE14AA}"/>
-              </a:ext>
-            </a:extLst>
-          </p:cNvPr>
-          <p:cNvPicPr>
-            <a:picLocks noChangeAspect="1"/>
-          </p:cNvPicPr>
-          <p:nvPr/>
-        </p:nvPicPr>
-        <p:blipFill rotWithShape="1">
-          <a:blip r:embed="rId4">
-            <a:extLst>
-              <a:ext uri="{28A0092B-C50C-407E-A947-70E740481C1C}">
-                <a14:useLocalDpi xmlns:a14="http://schemas.microsoft.com/office/drawing/2010/main" val="0"/>
-              </a:ext>
-            </a:extLst>
-          </a:blip>
-          <a:srcRect t="12619"/>
-          <a:stretch/>
-        </p:blipFill>
-        <p:spPr>
-          <a:xfrm>
-            <a:off x="914186" y="865431"/>
-            <a:ext cx="6044471" cy="5281702"/>
-          </a:xfrm>
-          <a:prstGeom prst="rect">
-            <a:avLst/>
-          </a:prstGeom>
-        </p:spPr>
-      </p:pic>
     </p:spTree>
     <p:extLst>
       <p:ext uri="{BB962C8B-B14F-4D97-AF65-F5344CB8AC3E}">
@@ -4174,12 +3881,9 @@
 </file>
 
 <file path=customXml/item1.xml><?xml version="1.0" encoding="utf-8"?>
-<?mso-contentType ?>
-<FormTemplates xmlns="http://schemas.microsoft.com/sharepoint/v3/contenttype/forms">
-  <Display>DocumentLibraryForm</Display>
-  <Edit>DocumentLibraryForm</Edit>
-  <New>DocumentLibraryForm</New>
-</FormTemplates>
+<p:properties xmlns:p="http://schemas.microsoft.com/office/2006/metadata/properties" xmlns:xsi="http://www.w3.org/2001/XMLSchema-instance" xmlns:pc="http://schemas.microsoft.com/office/infopath/2007/PartnerControls">
+  <documentManagement/>
+</p:properties>
 </file>
 
 <file path=customXml/item2.xml><?xml version="1.0" encoding="utf-8"?>
@@ -4315,15 +4019,26 @@
 </file>
 
 <file path=customXml/item3.xml><?xml version="1.0" encoding="utf-8"?>
-<p:properties xmlns:p="http://schemas.microsoft.com/office/2006/metadata/properties" xmlns:xsi="http://www.w3.org/2001/XMLSchema-instance" xmlns:pc="http://schemas.microsoft.com/office/infopath/2007/PartnerControls">
-  <documentManagement/>
-</p:properties>
+<?mso-contentType ?>
+<FormTemplates xmlns="http://schemas.microsoft.com/sharepoint/v3/contenttype/forms">
+  <Display>DocumentLibraryForm</Display>
+  <Edit>DocumentLibraryForm</Edit>
+  <New>DocumentLibraryForm</New>
+</FormTemplates>
 </file>
 
 <file path=customXml/itemProps1.xml><?xml version="1.0" encoding="utf-8"?>
-<ds:datastoreItem xmlns:ds="http://schemas.openxmlformats.org/officeDocument/2006/customXml" ds:itemID="{B007C3B4-20E1-428E-B941-3F9834419A21}">
+<ds:datastoreItem xmlns:ds="http://schemas.openxmlformats.org/officeDocument/2006/customXml" ds:itemID="{DBF836A3-1458-4151-8D24-93F6E9BE5EBA}">
   <ds:schemaRefs>
-    <ds:schemaRef ds:uri="http://schemas.microsoft.com/sharepoint/v3/contenttype/forms"/>
+    <ds:schemaRef ds:uri="http://purl.org/dc/elements/1.1/"/>
+    <ds:schemaRef ds:uri="http://purl.org/dc/terms/"/>
+    <ds:schemaRef ds:uri="http://schemas.microsoft.com/office/2006/metadata/properties"/>
+    <ds:schemaRef ds:uri="http://schemas.microsoft.com/office/infopath/2007/PartnerControls"/>
+    <ds:schemaRef ds:uri="http://www.w3.org/XML/1998/namespace"/>
+    <ds:schemaRef ds:uri="http://schemas.microsoft.com/office/2006/documentManagement/types"/>
+    <ds:schemaRef ds:uri="http://schemas.openxmlformats.org/package/2006/metadata/core-properties"/>
+    <ds:schemaRef ds:uri="edfce47a-b68d-423b-b051-eec80be2c8f5"/>
+    <ds:schemaRef ds:uri="http://purl.org/dc/dcmitype/"/>
   </ds:schemaRefs>
 </ds:datastoreItem>
 </file>
@@ -4347,17 +4062,9 @@
 </file>
 
 <file path=customXml/itemProps3.xml><?xml version="1.0" encoding="utf-8"?>
-<ds:datastoreItem xmlns:ds="http://schemas.openxmlformats.org/officeDocument/2006/customXml" ds:itemID="{DBF836A3-1458-4151-8D24-93F6E9BE5EBA}">
+<ds:datastoreItem xmlns:ds="http://schemas.openxmlformats.org/officeDocument/2006/customXml" ds:itemID="{B007C3B4-20E1-428E-B941-3F9834419A21}">
   <ds:schemaRefs>
-    <ds:schemaRef ds:uri="http://purl.org/dc/elements/1.1/"/>
-    <ds:schemaRef ds:uri="http://purl.org/dc/terms/"/>
-    <ds:schemaRef ds:uri="http://schemas.microsoft.com/office/2006/metadata/properties"/>
-    <ds:schemaRef ds:uri="http://schemas.microsoft.com/office/infopath/2007/PartnerControls"/>
-    <ds:schemaRef ds:uri="http://www.w3.org/XML/1998/namespace"/>
-    <ds:schemaRef ds:uri="http://schemas.microsoft.com/office/2006/documentManagement/types"/>
-    <ds:schemaRef ds:uri="http://schemas.openxmlformats.org/package/2006/metadata/core-properties"/>
-    <ds:schemaRef ds:uri="edfce47a-b68d-423b-b051-eec80be2c8f5"/>
-    <ds:schemaRef ds:uri="http://purl.org/dc/dcmitype/"/>
+    <ds:schemaRef ds:uri="http://schemas.microsoft.com/sharepoint/v3/contenttype/forms"/>
   </ds:schemaRefs>
 </ds:datastoreItem>
 </file>
--- a/Slides/Fig10.pptx
+++ b/Slides/Fig10.pptx
@@ -2,18 +2,18 @@
 <file path=ppt/presentation.xml><?xml version="1.0" encoding="utf-8"?>
 <p:presentation xmlns:a="http://schemas.openxmlformats.org/drawingml/2006/main" xmlns:r="http://schemas.openxmlformats.org/officeDocument/2006/relationships" xmlns:p="http://schemas.openxmlformats.org/presentationml/2006/main" saveSubsetFonts="1">
   <p:sldMasterIdLst>
-    <p:sldMasterId id="2147483648" r:id="rId4"/>
+    <p:sldMasterId id="2147483744" r:id="rId1"/>
   </p:sldMasterIdLst>
   <p:sldIdLst>
-    <p:sldId id="256" r:id="rId5"/>
+    <p:sldId id="256" r:id="rId2"/>
   </p:sldIdLst>
-  <p:sldSz cx="12192000" cy="6858000"/>
+  <p:sldSz cx="7199313" cy="12601575"/>
   <p:notesSz cx="6858000" cy="9144000"/>
   <p:defaultTextStyle>
     <a:defPPr>
-      <a:defRPr lang="it-IT"/>
+      <a:defRPr lang="en-US"/>
     </a:defPPr>
-    <a:lvl1pPr marL="0" algn="l" defTabSz="914400" rtl="0" eaLnBrk="1" latinLnBrk="0" hangingPunct="1">
+    <a:lvl1pPr marL="0" algn="l" defTabSz="457200" rtl="0" eaLnBrk="1" latinLnBrk="0" hangingPunct="1">
       <a:defRPr sz="1800" kern="1200">
         <a:solidFill>
           <a:schemeClr val="tx1"/>
@@ -23,7 +23,7 @@
         <a:cs typeface="+mn-cs"/>
       </a:defRPr>
     </a:lvl1pPr>
-    <a:lvl2pPr marL="457200" algn="l" defTabSz="914400" rtl="0" eaLnBrk="1" latinLnBrk="0" hangingPunct="1">
+    <a:lvl2pPr marL="457200" algn="l" defTabSz="457200" rtl="0" eaLnBrk="1" latinLnBrk="0" hangingPunct="1">
       <a:defRPr sz="1800" kern="1200">
         <a:solidFill>
           <a:schemeClr val="tx1"/>
@@ -33,7 +33,7 @@
         <a:cs typeface="+mn-cs"/>
       </a:defRPr>
     </a:lvl2pPr>
-    <a:lvl3pPr marL="914400" algn="l" defTabSz="914400" rtl="0" eaLnBrk="1" latinLnBrk="0" hangingPunct="1">
+    <a:lvl3pPr marL="914400" algn="l" defTabSz="457200" rtl="0" eaLnBrk="1" latinLnBrk="0" hangingPunct="1">
       <a:defRPr sz="1800" kern="1200">
         <a:solidFill>
           <a:schemeClr val="tx1"/>
@@ -43,7 +43,7 @@
         <a:cs typeface="+mn-cs"/>
       </a:defRPr>
     </a:lvl3pPr>
-    <a:lvl4pPr marL="1371600" algn="l" defTabSz="914400" rtl="0" eaLnBrk="1" latinLnBrk="0" hangingPunct="1">
+    <a:lvl4pPr marL="1371600" algn="l" defTabSz="457200" rtl="0" eaLnBrk="1" latinLnBrk="0" hangingPunct="1">
       <a:defRPr sz="1800" kern="1200">
         <a:solidFill>
           <a:schemeClr val="tx1"/>
@@ -53,7 +53,7 @@
         <a:cs typeface="+mn-cs"/>
       </a:defRPr>
     </a:lvl4pPr>
-    <a:lvl5pPr marL="1828800" algn="l" defTabSz="914400" rtl="0" eaLnBrk="1" latinLnBrk="0" hangingPunct="1">
+    <a:lvl5pPr marL="1828800" algn="l" defTabSz="457200" rtl="0" eaLnBrk="1" latinLnBrk="0" hangingPunct="1">
       <a:defRPr sz="1800" kern="1200">
         <a:solidFill>
           <a:schemeClr val="tx1"/>
@@ -63,7 +63,7 @@
         <a:cs typeface="+mn-cs"/>
       </a:defRPr>
     </a:lvl5pPr>
-    <a:lvl6pPr marL="2286000" algn="l" defTabSz="914400" rtl="0" eaLnBrk="1" latinLnBrk="0" hangingPunct="1">
+    <a:lvl6pPr marL="2286000" algn="l" defTabSz="457200" rtl="0" eaLnBrk="1" latinLnBrk="0" hangingPunct="1">
       <a:defRPr sz="1800" kern="1200">
         <a:solidFill>
           <a:schemeClr val="tx1"/>
@@ -73,7 +73,7 @@
         <a:cs typeface="+mn-cs"/>
       </a:defRPr>
     </a:lvl6pPr>
-    <a:lvl7pPr marL="2743200" algn="l" defTabSz="914400" rtl="0" eaLnBrk="1" latinLnBrk="0" hangingPunct="1">
+    <a:lvl7pPr marL="2743200" algn="l" defTabSz="457200" rtl="0" eaLnBrk="1" latinLnBrk="0" hangingPunct="1">
       <a:defRPr sz="1800" kern="1200">
         <a:solidFill>
           <a:schemeClr val="tx1"/>
@@ -83,7 +83,7 @@
         <a:cs typeface="+mn-cs"/>
       </a:defRPr>
     </a:lvl7pPr>
-    <a:lvl8pPr marL="3200400" algn="l" defTabSz="914400" rtl="0" eaLnBrk="1" latinLnBrk="0" hangingPunct="1">
+    <a:lvl8pPr marL="3200400" algn="l" defTabSz="457200" rtl="0" eaLnBrk="1" latinLnBrk="0" hangingPunct="1">
       <a:defRPr sz="1800" kern="1200">
         <a:solidFill>
           <a:schemeClr val="tx1"/>
@@ -93,7 +93,7 @@
         <a:cs typeface="+mn-cs"/>
       </a:defRPr>
     </a:lvl8pPr>
-    <a:lvl9pPr marL="3657600" algn="l" defTabSz="914400" rtl="0" eaLnBrk="1" latinLnBrk="0" hangingPunct="1">
+    <a:lvl9pPr marL="3657600" algn="l" defTabSz="457200" rtl="0" eaLnBrk="1" latinLnBrk="0" hangingPunct="1">
       <a:defRPr sz="1800" kern="1200">
         <a:solidFill>
           <a:schemeClr val="tx1"/>
@@ -131,13 +131,7 @@
       </p:grpSpPr>
       <p:sp>
         <p:nvSpPr>
-          <p:cNvPr id="2" name="Titolo 1">
-            <a:extLst>
-              <a:ext uri="{FF2B5EF4-FFF2-40B4-BE49-F238E27FC236}">
-                <a16:creationId xmlns:a16="http://schemas.microsoft.com/office/drawing/2014/main" id="{CB566ECC-1E8D-AD5B-D6A8-EC64805E60B0}"/>
-              </a:ext>
-            </a:extLst>
-          </p:cNvPr>
+          <p:cNvPr id="2" name="Title 1"/>
           <p:cNvSpPr>
             <a:spLocks noGrp="1"/>
           </p:cNvSpPr>
@@ -147,15 +141,15 @@
         </p:nvSpPr>
         <p:spPr>
           <a:xfrm>
-            <a:off x="1524000" y="1122363"/>
-            <a:ext cx="9144000" cy="2387600"/>
+            <a:off x="539949" y="2062342"/>
+            <a:ext cx="6119416" cy="4387215"/>
           </a:xfrm>
         </p:spPr>
         <p:txBody>
           <a:bodyPr anchor="b"/>
           <a:lstStyle>
             <a:lvl1pPr algn="ctr">
-              <a:defRPr sz="6000"/>
+              <a:defRPr sz="4724"/>
             </a:lvl1pPr>
           </a:lstStyle>
           <a:p>
@@ -163,18 +157,13 @@
               <a:rPr lang="it-IT"/>
               <a:t>Fare clic per modificare lo stile del titolo dello schema</a:t>
             </a:r>
-          </a:p>
-        </p:txBody>
-      </p:sp>
-      <p:sp>
-        <p:nvSpPr>
-          <p:cNvPr id="3" name="Sottotitolo 2">
-            <a:extLst>
-              <a:ext uri="{FF2B5EF4-FFF2-40B4-BE49-F238E27FC236}">
-                <a16:creationId xmlns:a16="http://schemas.microsoft.com/office/drawing/2014/main" id="{320A797D-005E-3676-3DE1-D93AD505EF65}"/>
-              </a:ext>
-            </a:extLst>
-          </p:cNvPr>
+            <a:endParaRPr lang="en-US" dirty="0"/>
+          </a:p>
+        </p:txBody>
+      </p:sp>
+      <p:sp>
+        <p:nvSpPr>
+          <p:cNvPr id="3" name="Subtitle 2"/>
           <p:cNvSpPr>
             <a:spLocks noGrp="1"/>
           </p:cNvSpPr>
@@ -184,8 +173,8 @@
         </p:nvSpPr>
         <p:spPr>
           <a:xfrm>
-            <a:off x="1524000" y="3602038"/>
-            <a:ext cx="9144000" cy="1655762"/>
+            <a:off x="899914" y="6618745"/>
+            <a:ext cx="5399485" cy="3042463"/>
           </a:xfrm>
         </p:spPr>
         <p:txBody>
@@ -193,39 +182,39 @@
           <a:lstStyle>
             <a:lvl1pPr marL="0" indent="0" algn="ctr">
               <a:buNone/>
-              <a:defRPr sz="2400"/>
+              <a:defRPr sz="1890"/>
             </a:lvl1pPr>
-            <a:lvl2pPr marL="457200" indent="0" algn="ctr">
-              <a:buNone/>
-              <a:defRPr sz="2000"/>
+            <a:lvl2pPr marL="359954" indent="0" algn="ctr">
+              <a:buNone/>
+              <a:defRPr sz="1575"/>
             </a:lvl2pPr>
-            <a:lvl3pPr marL="914400" indent="0" algn="ctr">
-              <a:buNone/>
-              <a:defRPr sz="1800"/>
+            <a:lvl3pPr marL="719907" indent="0" algn="ctr">
+              <a:buNone/>
+              <a:defRPr sz="1417"/>
             </a:lvl3pPr>
-            <a:lvl4pPr marL="1371600" indent="0" algn="ctr">
-              <a:buNone/>
-              <a:defRPr sz="1600"/>
+            <a:lvl4pPr marL="1079861" indent="0" algn="ctr">
+              <a:buNone/>
+              <a:defRPr sz="1260"/>
             </a:lvl4pPr>
-            <a:lvl5pPr marL="1828800" indent="0" algn="ctr">
-              <a:buNone/>
-              <a:defRPr sz="1600"/>
+            <a:lvl5pPr marL="1439814" indent="0" algn="ctr">
+              <a:buNone/>
+              <a:defRPr sz="1260"/>
             </a:lvl5pPr>
-            <a:lvl6pPr marL="2286000" indent="0" algn="ctr">
-              <a:buNone/>
-              <a:defRPr sz="1600"/>
+            <a:lvl6pPr marL="1799768" indent="0" algn="ctr">
+              <a:buNone/>
+              <a:defRPr sz="1260"/>
             </a:lvl6pPr>
-            <a:lvl7pPr marL="2743200" indent="0" algn="ctr">
-              <a:buNone/>
-              <a:defRPr sz="1600"/>
+            <a:lvl7pPr marL="2159721" indent="0" algn="ctr">
+              <a:buNone/>
+              <a:defRPr sz="1260"/>
             </a:lvl7pPr>
-            <a:lvl8pPr marL="3200400" indent="0" algn="ctr">
-              <a:buNone/>
-              <a:defRPr sz="1600"/>
+            <a:lvl8pPr marL="2519675" indent="0" algn="ctr">
+              <a:buNone/>
+              <a:defRPr sz="1260"/>
             </a:lvl8pPr>
-            <a:lvl9pPr marL="3657600" indent="0" algn="ctr">
-              <a:buNone/>
-              <a:defRPr sz="1600"/>
+            <a:lvl9pPr marL="2879628" indent="0" algn="ctr">
+              <a:buNone/>
+              <a:defRPr sz="1260"/>
             </a:lvl9pPr>
           </a:lstStyle>
           <a:p>
@@ -233,18 +222,13 @@
               <a:rPr lang="it-IT"/>
               <a:t>Fare clic per modificare lo stile del sottotitolo dello schema</a:t>
             </a:r>
-          </a:p>
-        </p:txBody>
-      </p:sp>
-      <p:sp>
-        <p:nvSpPr>
-          <p:cNvPr id="4" name="Segnaposto data 3">
-            <a:extLst>
-              <a:ext uri="{FF2B5EF4-FFF2-40B4-BE49-F238E27FC236}">
-                <a16:creationId xmlns:a16="http://schemas.microsoft.com/office/drawing/2014/main" id="{545CAF74-5F20-72A6-ABCA-3DD980399FD7}"/>
-              </a:ext>
-            </a:extLst>
-          </p:cNvPr>
+            <a:endParaRPr lang="en-US" dirty="0"/>
+          </a:p>
+        </p:txBody>
+      </p:sp>
+      <p:sp>
+        <p:nvSpPr>
+          <p:cNvPr id="4" name="Date Placeholder 3"/>
           <p:cNvSpPr>
             <a:spLocks noGrp="1"/>
           </p:cNvSpPr>
@@ -257,9 +241,9 @@
           <a:bodyPr/>
           <a:lstStyle/>
           <a:p>
-            <a:fld id="{88C687E7-504C-463E-A938-E97E3F497B8F}" type="datetimeFigureOut">
+            <a:fld id="{A4CA3AA4-6A25-4603-AA85-46878A907124}" type="datetimeFigureOut">
               <a:rPr lang="it-IT" smtClean="0"/>
-              <a:t>21/02/2023</a:t>
+              <a:t>26/05/2023</a:t>
             </a:fld>
             <a:endParaRPr lang="it-IT"/>
           </a:p>
@@ -267,13 +251,7 @@
       </p:sp>
       <p:sp>
         <p:nvSpPr>
-          <p:cNvPr id="5" name="Segnaposto piè di pagina 4">
-            <a:extLst>
-              <a:ext uri="{FF2B5EF4-FFF2-40B4-BE49-F238E27FC236}">
-                <a16:creationId xmlns:a16="http://schemas.microsoft.com/office/drawing/2014/main" id="{948907A7-5D77-8D22-098D-8042FC17774F}"/>
-              </a:ext>
-            </a:extLst>
-          </p:cNvPr>
+          <p:cNvPr id="5" name="Footer Placeholder 4"/>
           <p:cNvSpPr>
             <a:spLocks noGrp="1"/>
           </p:cNvSpPr>
@@ -292,13 +270,7 @@
       </p:sp>
       <p:sp>
         <p:nvSpPr>
-          <p:cNvPr id="6" name="Segnaposto numero diapositiva 5">
-            <a:extLst>
-              <a:ext uri="{FF2B5EF4-FFF2-40B4-BE49-F238E27FC236}">
-                <a16:creationId xmlns:a16="http://schemas.microsoft.com/office/drawing/2014/main" id="{694937E2-17A8-8058-06BD-0642C8B6804B}"/>
-              </a:ext>
-            </a:extLst>
-          </p:cNvPr>
+          <p:cNvPr id="6" name="Slide Number Placeholder 5"/>
           <p:cNvSpPr>
             <a:spLocks noGrp="1"/>
           </p:cNvSpPr>
@@ -311,7 +283,7 @@
           <a:bodyPr/>
           <a:lstStyle/>
           <a:p>
-            <a:fld id="{D5960013-E842-424F-A943-58D928E9A684}" type="slidenum">
+            <a:fld id="{5BFBA4A6-120E-4EF9-8F46-201EB0EB50B8}" type="slidenum">
               <a:rPr lang="it-IT" smtClean="0"/>
               <a:t>‹N›</a:t>
             </a:fld>
@@ -322,7 +294,7 @@
     </p:spTree>
     <p:extLst>
       <p:ext uri="{BB962C8B-B14F-4D97-AF65-F5344CB8AC3E}">
-        <p14:creationId xmlns:p14="http://schemas.microsoft.com/office/powerpoint/2010/main" val="657477560"/>
+        <p14:creationId xmlns:p14="http://schemas.microsoft.com/office/powerpoint/2010/main" val="1089727926"/>
       </p:ext>
     </p:extLst>
   </p:cSld>
@@ -351,13 +323,7 @@
       </p:grpSpPr>
       <p:sp>
         <p:nvSpPr>
-          <p:cNvPr id="2" name="Titolo 1">
-            <a:extLst>
-              <a:ext uri="{FF2B5EF4-FFF2-40B4-BE49-F238E27FC236}">
-                <a16:creationId xmlns:a16="http://schemas.microsoft.com/office/drawing/2014/main" id="{4EE9E035-56BA-7CA7-3DE9-490D1B8C3F77}"/>
-              </a:ext>
-            </a:extLst>
-          </p:cNvPr>
+          <p:cNvPr id="2" name="Title 1"/>
           <p:cNvSpPr>
             <a:spLocks noGrp="1"/>
           </p:cNvSpPr>
@@ -374,18 +340,13 @@
               <a:rPr lang="it-IT"/>
               <a:t>Fare clic per modificare lo stile del titolo dello schema</a:t>
             </a:r>
-          </a:p>
-        </p:txBody>
-      </p:sp>
-      <p:sp>
-        <p:nvSpPr>
-          <p:cNvPr id="3" name="Segnaposto testo verticale 2">
-            <a:extLst>
-              <a:ext uri="{FF2B5EF4-FFF2-40B4-BE49-F238E27FC236}">
-                <a16:creationId xmlns:a16="http://schemas.microsoft.com/office/drawing/2014/main" id="{0074CAA9-A371-81C0-C9AB-A9FE801EC7AF}"/>
-              </a:ext>
-            </a:extLst>
-          </p:cNvPr>
+            <a:endParaRPr lang="en-US" dirty="0"/>
+          </a:p>
+        </p:txBody>
+      </p:sp>
+      <p:sp>
+        <p:nvSpPr>
+          <p:cNvPr id="3" name="Vertical Text Placeholder 2"/>
           <p:cNvSpPr>
             <a:spLocks noGrp="1"/>
           </p:cNvSpPr>
@@ -431,18 +392,13 @@
               <a:rPr lang="it-IT"/>
               <a:t>Quinto livello</a:t>
             </a:r>
-          </a:p>
-        </p:txBody>
-      </p:sp>
-      <p:sp>
-        <p:nvSpPr>
-          <p:cNvPr id="4" name="Segnaposto data 3">
-            <a:extLst>
-              <a:ext uri="{FF2B5EF4-FFF2-40B4-BE49-F238E27FC236}">
-                <a16:creationId xmlns:a16="http://schemas.microsoft.com/office/drawing/2014/main" id="{50C13F48-E4AE-0069-4AA0-9C8704EF40DE}"/>
-              </a:ext>
-            </a:extLst>
-          </p:cNvPr>
+            <a:endParaRPr lang="en-US" dirty="0"/>
+          </a:p>
+        </p:txBody>
+      </p:sp>
+      <p:sp>
+        <p:nvSpPr>
+          <p:cNvPr id="4" name="Date Placeholder 3"/>
           <p:cNvSpPr>
             <a:spLocks noGrp="1"/>
           </p:cNvSpPr>
@@ -455,9 +411,9 @@
           <a:bodyPr/>
           <a:lstStyle/>
           <a:p>
-            <a:fld id="{88C687E7-504C-463E-A938-E97E3F497B8F}" type="datetimeFigureOut">
+            <a:fld id="{A4CA3AA4-6A25-4603-AA85-46878A907124}" type="datetimeFigureOut">
               <a:rPr lang="it-IT" smtClean="0"/>
-              <a:t>21/02/2023</a:t>
+              <a:t>26/05/2023</a:t>
             </a:fld>
             <a:endParaRPr lang="it-IT"/>
           </a:p>
@@ -465,13 +421,7 @@
       </p:sp>
       <p:sp>
         <p:nvSpPr>
-          <p:cNvPr id="5" name="Segnaposto piè di pagina 4">
-            <a:extLst>
-              <a:ext uri="{FF2B5EF4-FFF2-40B4-BE49-F238E27FC236}">
-                <a16:creationId xmlns:a16="http://schemas.microsoft.com/office/drawing/2014/main" id="{DF3F025F-D6A5-FFAE-AF94-C9EBD4123B9C}"/>
-              </a:ext>
-            </a:extLst>
-          </p:cNvPr>
+          <p:cNvPr id="5" name="Footer Placeholder 4"/>
           <p:cNvSpPr>
             <a:spLocks noGrp="1"/>
           </p:cNvSpPr>
@@ -490,13 +440,7 @@
       </p:sp>
       <p:sp>
         <p:nvSpPr>
-          <p:cNvPr id="6" name="Segnaposto numero diapositiva 5">
-            <a:extLst>
-              <a:ext uri="{FF2B5EF4-FFF2-40B4-BE49-F238E27FC236}">
-                <a16:creationId xmlns:a16="http://schemas.microsoft.com/office/drawing/2014/main" id="{175BAD6F-6FF5-FF11-7840-6807BB9008B1}"/>
-              </a:ext>
-            </a:extLst>
-          </p:cNvPr>
+          <p:cNvPr id="6" name="Slide Number Placeholder 5"/>
           <p:cNvSpPr>
             <a:spLocks noGrp="1"/>
           </p:cNvSpPr>
@@ -509,7 +453,7 @@
           <a:bodyPr/>
           <a:lstStyle/>
           <a:p>
-            <a:fld id="{D5960013-E842-424F-A943-58D928E9A684}" type="slidenum">
+            <a:fld id="{5BFBA4A6-120E-4EF9-8F46-201EB0EB50B8}" type="slidenum">
               <a:rPr lang="it-IT" smtClean="0"/>
               <a:t>‹N›</a:t>
             </a:fld>
@@ -520,7 +464,7 @@
     </p:spTree>
     <p:extLst>
       <p:ext uri="{BB962C8B-B14F-4D97-AF65-F5344CB8AC3E}">
-        <p14:creationId xmlns:p14="http://schemas.microsoft.com/office/powerpoint/2010/main" val="2185490242"/>
+        <p14:creationId xmlns:p14="http://schemas.microsoft.com/office/powerpoint/2010/main" val="878844687"/>
       </p:ext>
     </p:extLst>
   </p:cSld>
@@ -549,13 +493,7 @@
       </p:grpSpPr>
       <p:sp>
         <p:nvSpPr>
-          <p:cNvPr id="2" name="Titolo verticale 1">
-            <a:extLst>
-              <a:ext uri="{FF2B5EF4-FFF2-40B4-BE49-F238E27FC236}">
-                <a16:creationId xmlns:a16="http://schemas.microsoft.com/office/drawing/2014/main" id="{54B2B287-AED8-43E1-B795-6708AE0C6E17}"/>
-              </a:ext>
-            </a:extLst>
-          </p:cNvPr>
+          <p:cNvPr id="2" name="Vertical Title 1"/>
           <p:cNvSpPr>
             <a:spLocks noGrp="1"/>
           </p:cNvSpPr>
@@ -565,8 +503,8 @@
         </p:nvSpPr>
         <p:spPr>
           <a:xfrm>
-            <a:off x="8724900" y="365125"/>
-            <a:ext cx="2628900" cy="5811838"/>
+            <a:off x="5152009" y="670917"/>
+            <a:ext cx="1552352" cy="10679252"/>
           </a:xfrm>
         </p:spPr>
         <p:txBody>
@@ -577,18 +515,13 @@
               <a:rPr lang="it-IT"/>
               <a:t>Fare clic per modificare lo stile del titolo dello schema</a:t>
             </a:r>
-          </a:p>
-        </p:txBody>
-      </p:sp>
-      <p:sp>
-        <p:nvSpPr>
-          <p:cNvPr id="3" name="Segnaposto testo verticale 2">
-            <a:extLst>
-              <a:ext uri="{FF2B5EF4-FFF2-40B4-BE49-F238E27FC236}">
-                <a16:creationId xmlns:a16="http://schemas.microsoft.com/office/drawing/2014/main" id="{95E7303B-1844-4273-0A94-29466BF7C141}"/>
-              </a:ext>
-            </a:extLst>
-          </p:cNvPr>
+            <a:endParaRPr lang="en-US" dirty="0"/>
+          </a:p>
+        </p:txBody>
+      </p:sp>
+      <p:sp>
+        <p:nvSpPr>
+          <p:cNvPr id="3" name="Vertical Text Placeholder 2"/>
           <p:cNvSpPr>
             <a:spLocks noGrp="1"/>
           </p:cNvSpPr>
@@ -598,8 +531,8 @@
         </p:nvSpPr>
         <p:spPr>
           <a:xfrm>
-            <a:off x="838200" y="365125"/>
-            <a:ext cx="7734300" cy="5811838"/>
+            <a:off x="494953" y="670917"/>
+            <a:ext cx="4567064" cy="10679252"/>
           </a:xfrm>
         </p:spPr>
         <p:txBody>
@@ -639,18 +572,13 @@
               <a:rPr lang="it-IT"/>
               <a:t>Quinto livello</a:t>
             </a:r>
-          </a:p>
-        </p:txBody>
-      </p:sp>
-      <p:sp>
-        <p:nvSpPr>
-          <p:cNvPr id="4" name="Segnaposto data 3">
-            <a:extLst>
-              <a:ext uri="{FF2B5EF4-FFF2-40B4-BE49-F238E27FC236}">
-                <a16:creationId xmlns:a16="http://schemas.microsoft.com/office/drawing/2014/main" id="{F2C768E5-E63F-73C5-9E0E-D95A8D4AA023}"/>
-              </a:ext>
-            </a:extLst>
-          </p:cNvPr>
+            <a:endParaRPr lang="en-US" dirty="0"/>
+          </a:p>
+        </p:txBody>
+      </p:sp>
+      <p:sp>
+        <p:nvSpPr>
+          <p:cNvPr id="4" name="Date Placeholder 3"/>
           <p:cNvSpPr>
             <a:spLocks noGrp="1"/>
           </p:cNvSpPr>
@@ -663,9 +591,9 @@
           <a:bodyPr/>
           <a:lstStyle/>
           <a:p>
-            <a:fld id="{88C687E7-504C-463E-A938-E97E3F497B8F}" type="datetimeFigureOut">
+            <a:fld id="{A4CA3AA4-6A25-4603-AA85-46878A907124}" type="datetimeFigureOut">
               <a:rPr lang="it-IT" smtClean="0"/>
-              <a:t>21/02/2023</a:t>
+              <a:t>26/05/2023</a:t>
             </a:fld>
             <a:endParaRPr lang="it-IT"/>
           </a:p>
@@ -673,13 +601,7 @@
       </p:sp>
       <p:sp>
         <p:nvSpPr>
-          <p:cNvPr id="5" name="Segnaposto piè di pagina 4">
-            <a:extLst>
-              <a:ext uri="{FF2B5EF4-FFF2-40B4-BE49-F238E27FC236}">
-                <a16:creationId xmlns:a16="http://schemas.microsoft.com/office/drawing/2014/main" id="{C03F501D-B2CA-608F-A833-A42035DB7A13}"/>
-              </a:ext>
-            </a:extLst>
-          </p:cNvPr>
+          <p:cNvPr id="5" name="Footer Placeholder 4"/>
           <p:cNvSpPr>
             <a:spLocks noGrp="1"/>
           </p:cNvSpPr>
@@ -698,13 +620,7 @@
       </p:sp>
       <p:sp>
         <p:nvSpPr>
-          <p:cNvPr id="6" name="Segnaposto numero diapositiva 5">
-            <a:extLst>
-              <a:ext uri="{FF2B5EF4-FFF2-40B4-BE49-F238E27FC236}">
-                <a16:creationId xmlns:a16="http://schemas.microsoft.com/office/drawing/2014/main" id="{66CD1C91-0C32-79DD-CAA3-BCFF9E2C00CF}"/>
-              </a:ext>
-            </a:extLst>
-          </p:cNvPr>
+          <p:cNvPr id="6" name="Slide Number Placeholder 5"/>
           <p:cNvSpPr>
             <a:spLocks noGrp="1"/>
           </p:cNvSpPr>
@@ -717,7 +633,7 @@
           <a:bodyPr/>
           <a:lstStyle/>
           <a:p>
-            <a:fld id="{D5960013-E842-424F-A943-58D928E9A684}" type="slidenum">
+            <a:fld id="{5BFBA4A6-120E-4EF9-8F46-201EB0EB50B8}" type="slidenum">
               <a:rPr lang="it-IT" smtClean="0"/>
               <a:t>‹N›</a:t>
             </a:fld>
@@ -728,7 +644,7 @@
     </p:spTree>
     <p:extLst>
       <p:ext uri="{BB962C8B-B14F-4D97-AF65-F5344CB8AC3E}">
-        <p14:creationId xmlns:p14="http://schemas.microsoft.com/office/powerpoint/2010/main" val="2724315271"/>
+        <p14:creationId xmlns:p14="http://schemas.microsoft.com/office/powerpoint/2010/main" val="292168495"/>
       </p:ext>
     </p:extLst>
   </p:cSld>
@@ -757,13 +673,7 @@
       </p:grpSpPr>
       <p:sp>
         <p:nvSpPr>
-          <p:cNvPr id="2" name="Titolo 1">
-            <a:extLst>
-              <a:ext uri="{FF2B5EF4-FFF2-40B4-BE49-F238E27FC236}">
-                <a16:creationId xmlns:a16="http://schemas.microsoft.com/office/drawing/2014/main" id="{2DD0B33B-4CE5-2D7D-98E6-C6CC56CE23BD}"/>
-              </a:ext>
-            </a:extLst>
-          </p:cNvPr>
+          <p:cNvPr id="2" name="Title 1"/>
           <p:cNvSpPr>
             <a:spLocks noGrp="1"/>
           </p:cNvSpPr>
@@ -780,18 +690,13 @@
               <a:rPr lang="it-IT"/>
               <a:t>Fare clic per modificare lo stile del titolo dello schema</a:t>
             </a:r>
-          </a:p>
-        </p:txBody>
-      </p:sp>
-      <p:sp>
-        <p:nvSpPr>
-          <p:cNvPr id="3" name="Segnaposto contenuto 2">
-            <a:extLst>
-              <a:ext uri="{FF2B5EF4-FFF2-40B4-BE49-F238E27FC236}">
-                <a16:creationId xmlns:a16="http://schemas.microsoft.com/office/drawing/2014/main" id="{48907168-B751-D269-CC85-9D736E552ED9}"/>
-              </a:ext>
-            </a:extLst>
-          </p:cNvPr>
+            <a:endParaRPr lang="en-US" dirty="0"/>
+          </a:p>
+        </p:txBody>
+      </p:sp>
+      <p:sp>
+        <p:nvSpPr>
+          <p:cNvPr id="3" name="Content Placeholder 2"/>
           <p:cNvSpPr>
             <a:spLocks noGrp="1"/>
           </p:cNvSpPr>
@@ -837,18 +742,13 @@
               <a:rPr lang="it-IT"/>
               <a:t>Quinto livello</a:t>
             </a:r>
-          </a:p>
-        </p:txBody>
-      </p:sp>
-      <p:sp>
-        <p:nvSpPr>
-          <p:cNvPr id="4" name="Segnaposto data 3">
-            <a:extLst>
-              <a:ext uri="{FF2B5EF4-FFF2-40B4-BE49-F238E27FC236}">
-                <a16:creationId xmlns:a16="http://schemas.microsoft.com/office/drawing/2014/main" id="{1E9EE2CD-23E8-624A-06AB-5578DD9B1411}"/>
-              </a:ext>
-            </a:extLst>
-          </p:cNvPr>
+            <a:endParaRPr lang="en-US" dirty="0"/>
+          </a:p>
+        </p:txBody>
+      </p:sp>
+      <p:sp>
+        <p:nvSpPr>
+          <p:cNvPr id="4" name="Date Placeholder 3"/>
           <p:cNvSpPr>
             <a:spLocks noGrp="1"/>
           </p:cNvSpPr>
@@ -861,9 +761,9 @@
           <a:bodyPr/>
           <a:lstStyle/>
           <a:p>
-            <a:fld id="{88C687E7-504C-463E-A938-E97E3F497B8F}" type="datetimeFigureOut">
+            <a:fld id="{A4CA3AA4-6A25-4603-AA85-46878A907124}" type="datetimeFigureOut">
               <a:rPr lang="it-IT" smtClean="0"/>
-              <a:t>21/02/2023</a:t>
+              <a:t>26/05/2023</a:t>
             </a:fld>
             <a:endParaRPr lang="it-IT"/>
           </a:p>
@@ -871,13 +771,7 @@
       </p:sp>
       <p:sp>
         <p:nvSpPr>
-          <p:cNvPr id="5" name="Segnaposto piè di pagina 4">
-            <a:extLst>
-              <a:ext uri="{FF2B5EF4-FFF2-40B4-BE49-F238E27FC236}">
-                <a16:creationId xmlns:a16="http://schemas.microsoft.com/office/drawing/2014/main" id="{CBA56B92-F1D6-930E-F789-CBB592E3D7DD}"/>
-              </a:ext>
-            </a:extLst>
-          </p:cNvPr>
+          <p:cNvPr id="5" name="Footer Placeholder 4"/>
           <p:cNvSpPr>
             <a:spLocks noGrp="1"/>
           </p:cNvSpPr>
@@ -896,13 +790,7 @@
       </p:sp>
       <p:sp>
         <p:nvSpPr>
-          <p:cNvPr id="6" name="Segnaposto numero diapositiva 5">
-            <a:extLst>
-              <a:ext uri="{FF2B5EF4-FFF2-40B4-BE49-F238E27FC236}">
-                <a16:creationId xmlns:a16="http://schemas.microsoft.com/office/drawing/2014/main" id="{CF3D79DD-8B4C-C784-19CE-A6406436FD9D}"/>
-              </a:ext>
-            </a:extLst>
-          </p:cNvPr>
+          <p:cNvPr id="6" name="Slide Number Placeholder 5"/>
           <p:cNvSpPr>
             <a:spLocks noGrp="1"/>
           </p:cNvSpPr>
@@ -915,7 +803,7 @@
           <a:bodyPr/>
           <a:lstStyle/>
           <a:p>
-            <a:fld id="{D5960013-E842-424F-A943-58D928E9A684}" type="slidenum">
+            <a:fld id="{5BFBA4A6-120E-4EF9-8F46-201EB0EB50B8}" type="slidenum">
               <a:rPr lang="it-IT" smtClean="0"/>
               <a:t>‹N›</a:t>
             </a:fld>
@@ -926,7 +814,7 @@
     </p:spTree>
     <p:extLst>
       <p:ext uri="{BB962C8B-B14F-4D97-AF65-F5344CB8AC3E}">
-        <p14:creationId xmlns:p14="http://schemas.microsoft.com/office/powerpoint/2010/main" val="3354254199"/>
+        <p14:creationId xmlns:p14="http://schemas.microsoft.com/office/powerpoint/2010/main" val="1979239919"/>
       </p:ext>
     </p:extLst>
   </p:cSld>
@@ -955,13 +843,7 @@
       </p:grpSpPr>
       <p:sp>
         <p:nvSpPr>
-          <p:cNvPr id="2" name="Titolo 1">
-            <a:extLst>
-              <a:ext uri="{FF2B5EF4-FFF2-40B4-BE49-F238E27FC236}">
-                <a16:creationId xmlns:a16="http://schemas.microsoft.com/office/drawing/2014/main" id="{D6D48AF0-CB9D-A698-4532-79714A0A3B97}"/>
-              </a:ext>
-            </a:extLst>
-          </p:cNvPr>
+          <p:cNvPr id="2" name="Title 1"/>
           <p:cNvSpPr>
             <a:spLocks noGrp="1"/>
           </p:cNvSpPr>
@@ -971,15 +853,15 @@
         </p:nvSpPr>
         <p:spPr>
           <a:xfrm>
-            <a:off x="831850" y="1709738"/>
-            <a:ext cx="10515600" cy="2852737"/>
+            <a:off x="491204" y="3141646"/>
+            <a:ext cx="6209407" cy="5241904"/>
           </a:xfrm>
         </p:spPr>
         <p:txBody>
           <a:bodyPr anchor="b"/>
           <a:lstStyle>
             <a:lvl1pPr>
-              <a:defRPr sz="6000"/>
+              <a:defRPr sz="4724"/>
             </a:lvl1pPr>
           </a:lstStyle>
           <a:p>
@@ -987,18 +869,13 @@
               <a:rPr lang="it-IT"/>
               <a:t>Fare clic per modificare lo stile del titolo dello schema</a:t>
             </a:r>
-          </a:p>
-        </p:txBody>
-      </p:sp>
-      <p:sp>
-        <p:nvSpPr>
-          <p:cNvPr id="3" name="Segnaposto testo 2">
-            <a:extLst>
-              <a:ext uri="{FF2B5EF4-FFF2-40B4-BE49-F238E27FC236}">
-                <a16:creationId xmlns:a16="http://schemas.microsoft.com/office/drawing/2014/main" id="{30930710-D143-AF62-7C8A-BD8079A0E663}"/>
-              </a:ext>
-            </a:extLst>
-          </p:cNvPr>
+            <a:endParaRPr lang="en-US" dirty="0"/>
+          </a:p>
+        </p:txBody>
+      </p:sp>
+      <p:sp>
+        <p:nvSpPr>
+          <p:cNvPr id="3" name="Text Placeholder 2"/>
           <p:cNvSpPr>
             <a:spLocks noGrp="1"/>
           </p:cNvSpPr>
@@ -1008,8 +885,8 @@
         </p:nvSpPr>
         <p:spPr>
           <a:xfrm>
-            <a:off x="831850" y="4589463"/>
-            <a:ext cx="10515600" cy="1500187"/>
+            <a:off x="491204" y="8433141"/>
+            <a:ext cx="6209407" cy="2756594"/>
           </a:xfrm>
         </p:spPr>
         <p:txBody>
@@ -1017,17 +894,15 @@
           <a:lstStyle>
             <a:lvl1pPr marL="0" indent="0">
               <a:buNone/>
-              <a:defRPr sz="2400">
+              <a:defRPr sz="1890">
                 <a:solidFill>
-                  <a:schemeClr val="tx1">
-                    <a:tint val="75000"/>
-                  </a:schemeClr>
+                  <a:schemeClr val="tx1"/>
                 </a:solidFill>
               </a:defRPr>
             </a:lvl1pPr>
-            <a:lvl2pPr marL="457200" indent="0">
-              <a:buNone/>
-              <a:defRPr sz="2000">
+            <a:lvl2pPr marL="359954" indent="0">
+              <a:buNone/>
+              <a:defRPr sz="1575">
                 <a:solidFill>
                   <a:schemeClr val="tx1">
                     <a:tint val="75000"/>
@@ -1035,9 +910,9 @@
                 </a:solidFill>
               </a:defRPr>
             </a:lvl2pPr>
-            <a:lvl3pPr marL="914400" indent="0">
-              <a:buNone/>
-              <a:defRPr sz="1800">
+            <a:lvl3pPr marL="719907" indent="0">
+              <a:buNone/>
+              <a:defRPr sz="1417">
                 <a:solidFill>
                   <a:schemeClr val="tx1">
                     <a:tint val="75000"/>
@@ -1045,9 +920,9 @@
                 </a:solidFill>
               </a:defRPr>
             </a:lvl3pPr>
-            <a:lvl4pPr marL="1371600" indent="0">
-              <a:buNone/>
-              <a:defRPr sz="1600">
+            <a:lvl4pPr marL="1079861" indent="0">
+              <a:buNone/>
+              <a:defRPr sz="1260">
                 <a:solidFill>
                   <a:schemeClr val="tx1">
                     <a:tint val="75000"/>
@@ -1055,9 +930,9 @@
                 </a:solidFill>
               </a:defRPr>
             </a:lvl4pPr>
-            <a:lvl5pPr marL="1828800" indent="0">
-              <a:buNone/>
-              <a:defRPr sz="1600">
+            <a:lvl5pPr marL="1439814" indent="0">
+              <a:buNone/>
+              <a:defRPr sz="1260">
                 <a:solidFill>
                   <a:schemeClr val="tx1">
                     <a:tint val="75000"/>
@@ -1065,9 +940,9 @@
                 </a:solidFill>
               </a:defRPr>
             </a:lvl5pPr>
-            <a:lvl6pPr marL="2286000" indent="0">
-              <a:buNone/>
-              <a:defRPr sz="1600">
+            <a:lvl6pPr marL="1799768" indent="0">
+              <a:buNone/>
+              <a:defRPr sz="1260">
                 <a:solidFill>
                   <a:schemeClr val="tx1">
                     <a:tint val="75000"/>
@@ -1075,9 +950,9 @@
                 </a:solidFill>
               </a:defRPr>
             </a:lvl6pPr>
-            <a:lvl7pPr marL="2743200" indent="0">
-              <a:buNone/>
-              <a:defRPr sz="1600">
+            <a:lvl7pPr marL="2159721" indent="0">
+              <a:buNone/>
+              <a:defRPr sz="1260">
                 <a:solidFill>
                   <a:schemeClr val="tx1">
                     <a:tint val="75000"/>
@@ -1085,9 +960,9 @@
                 </a:solidFill>
               </a:defRPr>
             </a:lvl7pPr>
-            <a:lvl8pPr marL="3200400" indent="0">
-              <a:buNone/>
-              <a:defRPr sz="1600">
+            <a:lvl8pPr marL="2519675" indent="0">
+              <a:buNone/>
+              <a:defRPr sz="1260">
                 <a:solidFill>
                   <a:schemeClr val="tx1">
                     <a:tint val="75000"/>
@@ -1095,9 +970,9 @@
                 </a:solidFill>
               </a:defRPr>
             </a:lvl8pPr>
-            <a:lvl9pPr marL="3657600" indent="0">
-              <a:buNone/>
-              <a:defRPr sz="1600">
+            <a:lvl9pPr marL="2879628" indent="0">
+              <a:buNone/>
+              <a:defRPr sz="1260">
                 <a:solidFill>
                   <a:schemeClr val="tx1">
                     <a:tint val="75000"/>
@@ -1117,13 +992,7 @@
       </p:sp>
       <p:sp>
         <p:nvSpPr>
-          <p:cNvPr id="4" name="Segnaposto data 3">
-            <a:extLst>
-              <a:ext uri="{FF2B5EF4-FFF2-40B4-BE49-F238E27FC236}">
-                <a16:creationId xmlns:a16="http://schemas.microsoft.com/office/drawing/2014/main" id="{9C3525DB-5C17-DCC7-A7EC-934DDB440E3F}"/>
-              </a:ext>
-            </a:extLst>
-          </p:cNvPr>
+          <p:cNvPr id="4" name="Date Placeholder 3"/>
           <p:cNvSpPr>
             <a:spLocks noGrp="1"/>
           </p:cNvSpPr>
@@ -1136,9 +1005,9 @@
           <a:bodyPr/>
           <a:lstStyle/>
           <a:p>
-            <a:fld id="{88C687E7-504C-463E-A938-E97E3F497B8F}" type="datetimeFigureOut">
+            <a:fld id="{A4CA3AA4-6A25-4603-AA85-46878A907124}" type="datetimeFigureOut">
               <a:rPr lang="it-IT" smtClean="0"/>
-              <a:t>21/02/2023</a:t>
+              <a:t>26/05/2023</a:t>
             </a:fld>
             <a:endParaRPr lang="it-IT"/>
           </a:p>
@@ -1146,13 +1015,7 @@
       </p:sp>
       <p:sp>
         <p:nvSpPr>
-          <p:cNvPr id="5" name="Segnaposto piè di pagina 4">
-            <a:extLst>
-              <a:ext uri="{FF2B5EF4-FFF2-40B4-BE49-F238E27FC236}">
-                <a16:creationId xmlns:a16="http://schemas.microsoft.com/office/drawing/2014/main" id="{EADDD3A5-2DA3-04AE-5B22-FD97C96D837A}"/>
-              </a:ext>
-            </a:extLst>
-          </p:cNvPr>
+          <p:cNvPr id="5" name="Footer Placeholder 4"/>
           <p:cNvSpPr>
             <a:spLocks noGrp="1"/>
           </p:cNvSpPr>
@@ -1171,13 +1034,7 @@
       </p:sp>
       <p:sp>
         <p:nvSpPr>
-          <p:cNvPr id="6" name="Segnaposto numero diapositiva 5">
-            <a:extLst>
-              <a:ext uri="{FF2B5EF4-FFF2-40B4-BE49-F238E27FC236}">
-                <a16:creationId xmlns:a16="http://schemas.microsoft.com/office/drawing/2014/main" id="{2F111B5A-B5D3-350C-FBC3-D87D4736269C}"/>
-              </a:ext>
-            </a:extLst>
-          </p:cNvPr>
+          <p:cNvPr id="6" name="Slide Number Placeholder 5"/>
           <p:cNvSpPr>
             <a:spLocks noGrp="1"/>
           </p:cNvSpPr>
@@ -1190,7 +1047,7 @@
           <a:bodyPr/>
           <a:lstStyle/>
           <a:p>
-            <a:fld id="{D5960013-E842-424F-A943-58D928E9A684}" type="slidenum">
+            <a:fld id="{5BFBA4A6-120E-4EF9-8F46-201EB0EB50B8}" type="slidenum">
               <a:rPr lang="it-IT" smtClean="0"/>
               <a:t>‹N›</a:t>
             </a:fld>
@@ -1201,7 +1058,7 @@
     </p:spTree>
     <p:extLst>
       <p:ext uri="{BB962C8B-B14F-4D97-AF65-F5344CB8AC3E}">
-        <p14:creationId xmlns:p14="http://schemas.microsoft.com/office/powerpoint/2010/main" val="1840017564"/>
+        <p14:creationId xmlns:p14="http://schemas.microsoft.com/office/powerpoint/2010/main" val="2552653315"/>
       </p:ext>
     </p:extLst>
   </p:cSld>
@@ -1230,13 +1087,7 @@
       </p:grpSpPr>
       <p:sp>
         <p:nvSpPr>
-          <p:cNvPr id="2" name="Titolo 1">
-            <a:extLst>
-              <a:ext uri="{FF2B5EF4-FFF2-40B4-BE49-F238E27FC236}">
-                <a16:creationId xmlns:a16="http://schemas.microsoft.com/office/drawing/2014/main" id="{90B4B608-8111-E14F-21B4-C391C104E9C4}"/>
-              </a:ext>
-            </a:extLst>
-          </p:cNvPr>
+          <p:cNvPr id="2" name="Title 1"/>
           <p:cNvSpPr>
             <a:spLocks noGrp="1"/>
           </p:cNvSpPr>
@@ -1253,18 +1104,13 @@
               <a:rPr lang="it-IT"/>
               <a:t>Fare clic per modificare lo stile del titolo dello schema</a:t>
             </a:r>
-          </a:p>
-        </p:txBody>
-      </p:sp>
-      <p:sp>
-        <p:nvSpPr>
-          <p:cNvPr id="3" name="Segnaposto contenuto 2">
-            <a:extLst>
-              <a:ext uri="{FF2B5EF4-FFF2-40B4-BE49-F238E27FC236}">
-                <a16:creationId xmlns:a16="http://schemas.microsoft.com/office/drawing/2014/main" id="{DEDE8848-3EA3-60AD-B822-B643ACF71359}"/>
-              </a:ext>
-            </a:extLst>
-          </p:cNvPr>
+            <a:endParaRPr lang="en-US" dirty="0"/>
+          </a:p>
+        </p:txBody>
+      </p:sp>
+      <p:sp>
+        <p:nvSpPr>
+          <p:cNvPr id="3" name="Content Placeholder 2"/>
           <p:cNvSpPr>
             <a:spLocks noGrp="1"/>
           </p:cNvSpPr>
@@ -1274,8 +1120,8 @@
         </p:nvSpPr>
         <p:spPr>
           <a:xfrm>
-            <a:off x="838200" y="1825625"/>
-            <a:ext cx="5181600" cy="4351338"/>
+            <a:off x="494953" y="3354586"/>
+            <a:ext cx="3059708" cy="7995584"/>
           </a:xfrm>
         </p:spPr>
         <p:txBody>
@@ -1315,18 +1161,13 @@
               <a:rPr lang="it-IT"/>
               <a:t>Quinto livello</a:t>
             </a:r>
-          </a:p>
-        </p:txBody>
-      </p:sp>
-      <p:sp>
-        <p:nvSpPr>
-          <p:cNvPr id="4" name="Segnaposto contenuto 3">
-            <a:extLst>
-              <a:ext uri="{FF2B5EF4-FFF2-40B4-BE49-F238E27FC236}">
-                <a16:creationId xmlns:a16="http://schemas.microsoft.com/office/drawing/2014/main" id="{9FBB2713-EF9C-533C-F8A6-CE1CC19604CC}"/>
-              </a:ext>
-            </a:extLst>
-          </p:cNvPr>
+            <a:endParaRPr lang="en-US" dirty="0"/>
+          </a:p>
+        </p:txBody>
+      </p:sp>
+      <p:sp>
+        <p:nvSpPr>
+          <p:cNvPr id="4" name="Content Placeholder 3"/>
           <p:cNvSpPr>
             <a:spLocks noGrp="1"/>
           </p:cNvSpPr>
@@ -1336,8 +1177,8 @@
         </p:nvSpPr>
         <p:spPr>
           <a:xfrm>
-            <a:off x="6172200" y="1825625"/>
-            <a:ext cx="5181600" cy="4351338"/>
+            <a:off x="3644652" y="3354586"/>
+            <a:ext cx="3059708" cy="7995584"/>
           </a:xfrm>
         </p:spPr>
         <p:txBody>
@@ -1377,18 +1218,13 @@
               <a:rPr lang="it-IT"/>
               <a:t>Quinto livello</a:t>
             </a:r>
-          </a:p>
-        </p:txBody>
-      </p:sp>
-      <p:sp>
-        <p:nvSpPr>
-          <p:cNvPr id="5" name="Segnaposto data 4">
-            <a:extLst>
-              <a:ext uri="{FF2B5EF4-FFF2-40B4-BE49-F238E27FC236}">
-                <a16:creationId xmlns:a16="http://schemas.microsoft.com/office/drawing/2014/main" id="{FEA6D9E8-60CE-0543-89E9-C84855B5E6D1}"/>
-              </a:ext>
-            </a:extLst>
-          </p:cNvPr>
+            <a:endParaRPr lang="en-US" dirty="0"/>
+          </a:p>
+        </p:txBody>
+      </p:sp>
+      <p:sp>
+        <p:nvSpPr>
+          <p:cNvPr id="5" name="Date Placeholder 4"/>
           <p:cNvSpPr>
             <a:spLocks noGrp="1"/>
           </p:cNvSpPr>
@@ -1401,9 +1237,9 @@
           <a:bodyPr/>
           <a:lstStyle/>
           <a:p>
-            <a:fld id="{88C687E7-504C-463E-A938-E97E3F497B8F}" type="datetimeFigureOut">
+            <a:fld id="{A4CA3AA4-6A25-4603-AA85-46878A907124}" type="datetimeFigureOut">
               <a:rPr lang="it-IT" smtClean="0"/>
-              <a:t>21/02/2023</a:t>
+              <a:t>26/05/2023</a:t>
             </a:fld>
             <a:endParaRPr lang="it-IT"/>
           </a:p>
@@ -1411,13 +1247,7 @@
       </p:sp>
       <p:sp>
         <p:nvSpPr>
-          <p:cNvPr id="6" name="Segnaposto piè di pagina 5">
-            <a:extLst>
-              <a:ext uri="{FF2B5EF4-FFF2-40B4-BE49-F238E27FC236}">
-                <a16:creationId xmlns:a16="http://schemas.microsoft.com/office/drawing/2014/main" id="{58238142-7FE2-A424-10E9-F82D3EA793D5}"/>
-              </a:ext>
-            </a:extLst>
-          </p:cNvPr>
+          <p:cNvPr id="6" name="Footer Placeholder 5"/>
           <p:cNvSpPr>
             <a:spLocks noGrp="1"/>
           </p:cNvSpPr>
@@ -1436,13 +1266,7 @@
       </p:sp>
       <p:sp>
         <p:nvSpPr>
-          <p:cNvPr id="7" name="Segnaposto numero diapositiva 6">
-            <a:extLst>
-              <a:ext uri="{FF2B5EF4-FFF2-40B4-BE49-F238E27FC236}">
-                <a16:creationId xmlns:a16="http://schemas.microsoft.com/office/drawing/2014/main" id="{5867BC7D-4002-6EF5-6B40-B47A13C81B74}"/>
-              </a:ext>
-            </a:extLst>
-          </p:cNvPr>
+          <p:cNvPr id="7" name="Slide Number Placeholder 6"/>
           <p:cNvSpPr>
             <a:spLocks noGrp="1"/>
           </p:cNvSpPr>
@@ -1455,7 +1279,7 @@
           <a:bodyPr/>
           <a:lstStyle/>
           <a:p>
-            <a:fld id="{D5960013-E842-424F-A943-58D928E9A684}" type="slidenum">
+            <a:fld id="{5BFBA4A6-120E-4EF9-8F46-201EB0EB50B8}" type="slidenum">
               <a:rPr lang="it-IT" smtClean="0"/>
               <a:t>‹N›</a:t>
             </a:fld>
@@ -1466,7 +1290,7 @@
     </p:spTree>
     <p:extLst>
       <p:ext uri="{BB962C8B-B14F-4D97-AF65-F5344CB8AC3E}">
-        <p14:creationId xmlns:p14="http://schemas.microsoft.com/office/powerpoint/2010/main" val="2690311549"/>
+        <p14:creationId xmlns:p14="http://schemas.microsoft.com/office/powerpoint/2010/main" val="1985449495"/>
       </p:ext>
     </p:extLst>
   </p:cSld>
@@ -1495,13 +1319,7 @@
       </p:grpSpPr>
       <p:sp>
         <p:nvSpPr>
-          <p:cNvPr id="2" name="Titolo 1">
-            <a:extLst>
-              <a:ext uri="{FF2B5EF4-FFF2-40B4-BE49-F238E27FC236}">
-                <a16:creationId xmlns:a16="http://schemas.microsoft.com/office/drawing/2014/main" id="{8D56D012-C97D-CAE1-C49D-4B0E89BD808D}"/>
-              </a:ext>
-            </a:extLst>
-          </p:cNvPr>
+          <p:cNvPr id="2" name="Title 1"/>
           <p:cNvSpPr>
             <a:spLocks noGrp="1"/>
           </p:cNvSpPr>
@@ -1511,8 +1329,8 @@
         </p:nvSpPr>
         <p:spPr>
           <a:xfrm>
-            <a:off x="839788" y="365125"/>
-            <a:ext cx="10515600" cy="1325563"/>
+            <a:off x="495891" y="670920"/>
+            <a:ext cx="6209407" cy="2435722"/>
           </a:xfrm>
         </p:spPr>
         <p:txBody>
@@ -1523,18 +1341,13 @@
               <a:rPr lang="it-IT"/>
               <a:t>Fare clic per modificare lo stile del titolo dello schema</a:t>
             </a:r>
-          </a:p>
-        </p:txBody>
-      </p:sp>
-      <p:sp>
-        <p:nvSpPr>
-          <p:cNvPr id="3" name="Segnaposto testo 2">
-            <a:extLst>
-              <a:ext uri="{FF2B5EF4-FFF2-40B4-BE49-F238E27FC236}">
-                <a16:creationId xmlns:a16="http://schemas.microsoft.com/office/drawing/2014/main" id="{B960C50F-B57D-088F-2242-54C35E82D37A}"/>
-              </a:ext>
-            </a:extLst>
-          </p:cNvPr>
+            <a:endParaRPr lang="en-US" dirty="0"/>
+          </a:p>
+        </p:txBody>
+      </p:sp>
+      <p:sp>
+        <p:nvSpPr>
+          <p:cNvPr id="3" name="Text Placeholder 2"/>
           <p:cNvSpPr>
             <a:spLocks noGrp="1"/>
           </p:cNvSpPr>
@@ -1544,8 +1357,8 @@
         </p:nvSpPr>
         <p:spPr>
           <a:xfrm>
-            <a:off x="839788" y="1681163"/>
-            <a:ext cx="5157787" cy="823912"/>
+            <a:off x="495891" y="3089137"/>
+            <a:ext cx="3045646" cy="1513938"/>
           </a:xfrm>
         </p:spPr>
         <p:txBody>
@@ -1553,39 +1366,39 @@
           <a:lstStyle>
             <a:lvl1pPr marL="0" indent="0">
               <a:buNone/>
-              <a:defRPr sz="2400" b="1"/>
+              <a:defRPr sz="1890" b="1"/>
             </a:lvl1pPr>
-            <a:lvl2pPr marL="457200" indent="0">
-              <a:buNone/>
-              <a:defRPr sz="2000" b="1"/>
+            <a:lvl2pPr marL="359954" indent="0">
+              <a:buNone/>
+              <a:defRPr sz="1575" b="1"/>
             </a:lvl2pPr>
-            <a:lvl3pPr marL="914400" indent="0">
-              <a:buNone/>
-              <a:defRPr sz="1800" b="1"/>
+            <a:lvl3pPr marL="719907" indent="0">
+              <a:buNone/>
+              <a:defRPr sz="1417" b="1"/>
             </a:lvl3pPr>
-            <a:lvl4pPr marL="1371600" indent="0">
-              <a:buNone/>
-              <a:defRPr sz="1600" b="1"/>
+            <a:lvl4pPr marL="1079861" indent="0">
+              <a:buNone/>
+              <a:defRPr sz="1260" b="1"/>
             </a:lvl4pPr>
-            <a:lvl5pPr marL="1828800" indent="0">
-              <a:buNone/>
-              <a:defRPr sz="1600" b="1"/>
+            <a:lvl5pPr marL="1439814" indent="0">
+              <a:buNone/>
+              <a:defRPr sz="1260" b="1"/>
             </a:lvl5pPr>
-            <a:lvl6pPr marL="2286000" indent="0">
-              <a:buNone/>
-              <a:defRPr sz="1600" b="1"/>
+            <a:lvl6pPr marL="1799768" indent="0">
+              <a:buNone/>
+              <a:defRPr sz="1260" b="1"/>
             </a:lvl6pPr>
-            <a:lvl7pPr marL="2743200" indent="0">
-              <a:buNone/>
-              <a:defRPr sz="1600" b="1"/>
+            <a:lvl7pPr marL="2159721" indent="0">
+              <a:buNone/>
+              <a:defRPr sz="1260" b="1"/>
             </a:lvl7pPr>
-            <a:lvl8pPr marL="3200400" indent="0">
-              <a:buNone/>
-              <a:defRPr sz="1600" b="1"/>
+            <a:lvl8pPr marL="2519675" indent="0">
+              <a:buNone/>
+              <a:defRPr sz="1260" b="1"/>
             </a:lvl8pPr>
-            <a:lvl9pPr marL="3657600" indent="0">
-              <a:buNone/>
-              <a:defRPr sz="1600" b="1"/>
+            <a:lvl9pPr marL="2879628" indent="0">
+              <a:buNone/>
+              <a:defRPr sz="1260" b="1"/>
             </a:lvl9pPr>
           </a:lstStyle>
           <a:p>
@@ -1599,13 +1412,7 @@
       </p:sp>
       <p:sp>
         <p:nvSpPr>
-          <p:cNvPr id="4" name="Segnaposto contenuto 3">
-            <a:extLst>
-              <a:ext uri="{FF2B5EF4-FFF2-40B4-BE49-F238E27FC236}">
-                <a16:creationId xmlns:a16="http://schemas.microsoft.com/office/drawing/2014/main" id="{74F15D8A-842E-992B-3FAC-CFB7E3F8B1CA}"/>
-              </a:ext>
-            </a:extLst>
-          </p:cNvPr>
+          <p:cNvPr id="4" name="Content Placeholder 3"/>
           <p:cNvSpPr>
             <a:spLocks noGrp="1"/>
           </p:cNvSpPr>
@@ -1615,8 +1422,8 @@
         </p:nvSpPr>
         <p:spPr>
           <a:xfrm>
-            <a:off x="839788" y="2505075"/>
-            <a:ext cx="5157787" cy="3684588"/>
+            <a:off x="495891" y="4603076"/>
+            <a:ext cx="3045646" cy="6770430"/>
           </a:xfrm>
         </p:spPr>
         <p:txBody>
@@ -1656,18 +1463,13 @@
               <a:rPr lang="it-IT"/>
               <a:t>Quinto livello</a:t>
             </a:r>
-          </a:p>
-        </p:txBody>
-      </p:sp>
-      <p:sp>
-        <p:nvSpPr>
-          <p:cNvPr id="5" name="Segnaposto testo 4">
-            <a:extLst>
-              <a:ext uri="{FF2B5EF4-FFF2-40B4-BE49-F238E27FC236}">
-                <a16:creationId xmlns:a16="http://schemas.microsoft.com/office/drawing/2014/main" id="{E529D56D-F8AD-81AD-FE49-104FD851E37D}"/>
-              </a:ext>
-            </a:extLst>
-          </p:cNvPr>
+            <a:endParaRPr lang="en-US" dirty="0"/>
+          </a:p>
+        </p:txBody>
+      </p:sp>
+      <p:sp>
+        <p:nvSpPr>
+          <p:cNvPr id="5" name="Text Placeholder 4"/>
           <p:cNvSpPr>
             <a:spLocks noGrp="1"/>
           </p:cNvSpPr>
@@ -1677,8 +1479,8 @@
         </p:nvSpPr>
         <p:spPr>
           <a:xfrm>
-            <a:off x="6172200" y="1681163"/>
-            <a:ext cx="5183188" cy="823912"/>
+            <a:off x="3644652" y="3089137"/>
+            <a:ext cx="3060646" cy="1513938"/>
           </a:xfrm>
         </p:spPr>
         <p:txBody>
@@ -1686,39 +1488,39 @@
           <a:lstStyle>
             <a:lvl1pPr marL="0" indent="0">
               <a:buNone/>
-              <a:defRPr sz="2400" b="1"/>
+              <a:defRPr sz="1890" b="1"/>
             </a:lvl1pPr>
-            <a:lvl2pPr marL="457200" indent="0">
-              <a:buNone/>
-              <a:defRPr sz="2000" b="1"/>
+            <a:lvl2pPr marL="359954" indent="0">
+              <a:buNone/>
+              <a:defRPr sz="1575" b="1"/>
             </a:lvl2pPr>
-            <a:lvl3pPr marL="914400" indent="0">
-              <a:buNone/>
-              <a:defRPr sz="1800" b="1"/>
+            <a:lvl3pPr marL="719907" indent="0">
+              <a:buNone/>
+              <a:defRPr sz="1417" b="1"/>
             </a:lvl3pPr>
-            <a:lvl4pPr marL="1371600" indent="0">
-              <a:buNone/>
-              <a:defRPr sz="1600" b="1"/>
+            <a:lvl4pPr marL="1079861" indent="0">
+              <a:buNone/>
+              <a:defRPr sz="1260" b="1"/>
             </a:lvl4pPr>
-            <a:lvl5pPr marL="1828800" indent="0">
-              <a:buNone/>
-              <a:defRPr sz="1600" b="1"/>
+            <a:lvl5pPr marL="1439814" indent="0">
+              <a:buNone/>
+              <a:defRPr sz="1260" b="1"/>
             </a:lvl5pPr>
-            <a:lvl6pPr marL="2286000" indent="0">
-              <a:buNone/>
-              <a:defRPr sz="1600" b="1"/>
+            <a:lvl6pPr marL="1799768" indent="0">
+              <a:buNone/>
+              <a:defRPr sz="1260" b="1"/>
             </a:lvl6pPr>
-            <a:lvl7pPr marL="2743200" indent="0">
-              <a:buNone/>
-              <a:defRPr sz="1600" b="1"/>
+            <a:lvl7pPr marL="2159721" indent="0">
+              <a:buNone/>
+              <a:defRPr sz="1260" b="1"/>
             </a:lvl7pPr>
-            <a:lvl8pPr marL="3200400" indent="0">
-              <a:buNone/>
-              <a:defRPr sz="1600" b="1"/>
+            <a:lvl8pPr marL="2519675" indent="0">
+              <a:buNone/>
+              <a:defRPr sz="1260" b="1"/>
             </a:lvl8pPr>
-            <a:lvl9pPr marL="3657600" indent="0">
-              <a:buNone/>
-              <a:defRPr sz="1600" b="1"/>
+            <a:lvl9pPr marL="2879628" indent="0">
+              <a:buNone/>
+              <a:defRPr sz="1260" b="1"/>
             </a:lvl9pPr>
           </a:lstStyle>
           <a:p>
@@ -1732,13 +1534,7 @@
       </p:sp>
       <p:sp>
         <p:nvSpPr>
-          <p:cNvPr id="6" name="Segnaposto contenuto 5">
-            <a:extLst>
-              <a:ext uri="{FF2B5EF4-FFF2-40B4-BE49-F238E27FC236}">
-                <a16:creationId xmlns:a16="http://schemas.microsoft.com/office/drawing/2014/main" id="{8AC6E5EB-5CE6-B028-7825-12238C897905}"/>
-              </a:ext>
-            </a:extLst>
-          </p:cNvPr>
+          <p:cNvPr id="6" name="Content Placeholder 5"/>
           <p:cNvSpPr>
             <a:spLocks noGrp="1"/>
           </p:cNvSpPr>
@@ -1748,8 +1544,8 @@
         </p:nvSpPr>
         <p:spPr>
           <a:xfrm>
-            <a:off x="6172200" y="2505075"/>
-            <a:ext cx="5183188" cy="3684588"/>
+            <a:off x="3644652" y="4603076"/>
+            <a:ext cx="3060646" cy="6770430"/>
           </a:xfrm>
         </p:spPr>
         <p:txBody>
@@ -1789,18 +1585,13 @@
               <a:rPr lang="it-IT"/>
               <a:t>Quinto livello</a:t>
             </a:r>
-          </a:p>
-        </p:txBody>
-      </p:sp>
-      <p:sp>
-        <p:nvSpPr>
-          <p:cNvPr id="7" name="Segnaposto data 6">
-            <a:extLst>
-              <a:ext uri="{FF2B5EF4-FFF2-40B4-BE49-F238E27FC236}">
-                <a16:creationId xmlns:a16="http://schemas.microsoft.com/office/drawing/2014/main" id="{64678E66-79ED-2C0A-76E6-A226295C2A80}"/>
-              </a:ext>
-            </a:extLst>
-          </p:cNvPr>
+            <a:endParaRPr lang="en-US" dirty="0"/>
+          </a:p>
+        </p:txBody>
+      </p:sp>
+      <p:sp>
+        <p:nvSpPr>
+          <p:cNvPr id="7" name="Date Placeholder 6"/>
           <p:cNvSpPr>
             <a:spLocks noGrp="1"/>
           </p:cNvSpPr>
@@ -1813,9 +1604,9 @@
           <a:bodyPr/>
           <a:lstStyle/>
           <a:p>
-            <a:fld id="{88C687E7-504C-463E-A938-E97E3F497B8F}" type="datetimeFigureOut">
+            <a:fld id="{A4CA3AA4-6A25-4603-AA85-46878A907124}" type="datetimeFigureOut">
               <a:rPr lang="it-IT" smtClean="0"/>
-              <a:t>21/02/2023</a:t>
+              <a:t>26/05/2023</a:t>
             </a:fld>
             <a:endParaRPr lang="it-IT"/>
           </a:p>
@@ -1823,13 +1614,7 @@
       </p:sp>
       <p:sp>
         <p:nvSpPr>
-          <p:cNvPr id="8" name="Segnaposto piè di pagina 7">
-            <a:extLst>
-              <a:ext uri="{FF2B5EF4-FFF2-40B4-BE49-F238E27FC236}">
-                <a16:creationId xmlns:a16="http://schemas.microsoft.com/office/drawing/2014/main" id="{603BF1BA-CAEC-DC3F-8198-826AA147E9E3}"/>
-              </a:ext>
-            </a:extLst>
-          </p:cNvPr>
+          <p:cNvPr id="8" name="Footer Placeholder 7"/>
           <p:cNvSpPr>
             <a:spLocks noGrp="1"/>
           </p:cNvSpPr>
@@ -1848,13 +1633,7 @@
       </p:sp>
       <p:sp>
         <p:nvSpPr>
-          <p:cNvPr id="9" name="Segnaposto numero diapositiva 8">
-            <a:extLst>
-              <a:ext uri="{FF2B5EF4-FFF2-40B4-BE49-F238E27FC236}">
-                <a16:creationId xmlns:a16="http://schemas.microsoft.com/office/drawing/2014/main" id="{A9F78105-EF70-0C03-D68E-FBDCE2CEA0CF}"/>
-              </a:ext>
-            </a:extLst>
-          </p:cNvPr>
+          <p:cNvPr id="9" name="Slide Number Placeholder 8"/>
           <p:cNvSpPr>
             <a:spLocks noGrp="1"/>
           </p:cNvSpPr>
@@ -1867,7 +1646,7 @@
           <a:bodyPr/>
           <a:lstStyle/>
           <a:p>
-            <a:fld id="{D5960013-E842-424F-A943-58D928E9A684}" type="slidenum">
+            <a:fld id="{5BFBA4A6-120E-4EF9-8F46-201EB0EB50B8}" type="slidenum">
               <a:rPr lang="it-IT" smtClean="0"/>
               <a:t>‹N›</a:t>
             </a:fld>
@@ -1878,7 +1657,7 @@
     </p:spTree>
     <p:extLst>
       <p:ext uri="{BB962C8B-B14F-4D97-AF65-F5344CB8AC3E}">
-        <p14:creationId xmlns:p14="http://schemas.microsoft.com/office/powerpoint/2010/main" val="2555083494"/>
+        <p14:creationId xmlns:p14="http://schemas.microsoft.com/office/powerpoint/2010/main" val="1453308962"/>
       </p:ext>
     </p:extLst>
   </p:cSld>
@@ -1907,13 +1686,7 @@
       </p:grpSpPr>
       <p:sp>
         <p:nvSpPr>
-          <p:cNvPr id="2" name="Titolo 1">
-            <a:extLst>
-              <a:ext uri="{FF2B5EF4-FFF2-40B4-BE49-F238E27FC236}">
-                <a16:creationId xmlns:a16="http://schemas.microsoft.com/office/drawing/2014/main" id="{F2EC435C-AF7B-E365-4171-0AC311E60498}"/>
-              </a:ext>
-            </a:extLst>
-          </p:cNvPr>
+          <p:cNvPr id="2" name="Title 1"/>
           <p:cNvSpPr>
             <a:spLocks noGrp="1"/>
           </p:cNvSpPr>
@@ -1930,18 +1703,13 @@
               <a:rPr lang="it-IT"/>
               <a:t>Fare clic per modificare lo stile del titolo dello schema</a:t>
             </a:r>
-          </a:p>
-        </p:txBody>
-      </p:sp>
-      <p:sp>
-        <p:nvSpPr>
-          <p:cNvPr id="3" name="Segnaposto data 2">
-            <a:extLst>
-              <a:ext uri="{FF2B5EF4-FFF2-40B4-BE49-F238E27FC236}">
-                <a16:creationId xmlns:a16="http://schemas.microsoft.com/office/drawing/2014/main" id="{1F569130-5B37-529E-770A-A825CF515CA8}"/>
-              </a:ext>
-            </a:extLst>
-          </p:cNvPr>
+            <a:endParaRPr lang="en-US" dirty="0"/>
+          </a:p>
+        </p:txBody>
+      </p:sp>
+      <p:sp>
+        <p:nvSpPr>
+          <p:cNvPr id="3" name="Date Placeholder 2"/>
           <p:cNvSpPr>
             <a:spLocks noGrp="1"/>
           </p:cNvSpPr>
@@ -1954,9 +1722,9 @@
           <a:bodyPr/>
           <a:lstStyle/>
           <a:p>
-            <a:fld id="{88C687E7-504C-463E-A938-E97E3F497B8F}" type="datetimeFigureOut">
+            <a:fld id="{A4CA3AA4-6A25-4603-AA85-46878A907124}" type="datetimeFigureOut">
               <a:rPr lang="it-IT" smtClean="0"/>
-              <a:t>21/02/2023</a:t>
+              <a:t>26/05/2023</a:t>
             </a:fld>
             <a:endParaRPr lang="it-IT"/>
           </a:p>
@@ -1964,13 +1732,7 @@
       </p:sp>
       <p:sp>
         <p:nvSpPr>
-          <p:cNvPr id="4" name="Segnaposto piè di pagina 3">
-            <a:extLst>
-              <a:ext uri="{FF2B5EF4-FFF2-40B4-BE49-F238E27FC236}">
-                <a16:creationId xmlns:a16="http://schemas.microsoft.com/office/drawing/2014/main" id="{1D6BF4EC-EAC8-D831-5600-A459B44132AF}"/>
-              </a:ext>
-            </a:extLst>
-          </p:cNvPr>
+          <p:cNvPr id="4" name="Footer Placeholder 3"/>
           <p:cNvSpPr>
             <a:spLocks noGrp="1"/>
           </p:cNvSpPr>
@@ -1989,13 +1751,7 @@
       </p:sp>
       <p:sp>
         <p:nvSpPr>
-          <p:cNvPr id="5" name="Segnaposto numero diapositiva 4">
-            <a:extLst>
-              <a:ext uri="{FF2B5EF4-FFF2-40B4-BE49-F238E27FC236}">
-                <a16:creationId xmlns:a16="http://schemas.microsoft.com/office/drawing/2014/main" id="{C76377D5-90BF-83DA-5F2E-A1D6143F5D44}"/>
-              </a:ext>
-            </a:extLst>
-          </p:cNvPr>
+          <p:cNvPr id="5" name="Slide Number Placeholder 4"/>
           <p:cNvSpPr>
             <a:spLocks noGrp="1"/>
           </p:cNvSpPr>
@@ -2008,7 +1764,7 @@
           <a:bodyPr/>
           <a:lstStyle/>
           <a:p>
-            <a:fld id="{D5960013-E842-424F-A943-58D928E9A684}" type="slidenum">
+            <a:fld id="{5BFBA4A6-120E-4EF9-8F46-201EB0EB50B8}" type="slidenum">
               <a:rPr lang="it-IT" smtClean="0"/>
               <a:t>‹N›</a:t>
             </a:fld>
@@ -2019,7 +1775,7 @@
     </p:spTree>
     <p:extLst>
       <p:ext uri="{BB962C8B-B14F-4D97-AF65-F5344CB8AC3E}">
-        <p14:creationId xmlns:p14="http://schemas.microsoft.com/office/powerpoint/2010/main" val="1364251033"/>
+        <p14:creationId xmlns:p14="http://schemas.microsoft.com/office/powerpoint/2010/main" val="3120971030"/>
       </p:ext>
     </p:extLst>
   </p:cSld>
@@ -2048,13 +1804,7 @@
       </p:grpSpPr>
       <p:sp>
         <p:nvSpPr>
-          <p:cNvPr id="2" name="Segnaposto data 1">
-            <a:extLst>
-              <a:ext uri="{FF2B5EF4-FFF2-40B4-BE49-F238E27FC236}">
-                <a16:creationId xmlns:a16="http://schemas.microsoft.com/office/drawing/2014/main" id="{03CF5C23-1B24-53DE-8D83-3C413C7E1913}"/>
-              </a:ext>
-            </a:extLst>
-          </p:cNvPr>
+          <p:cNvPr id="2" name="Date Placeholder 1"/>
           <p:cNvSpPr>
             <a:spLocks noGrp="1"/>
           </p:cNvSpPr>
@@ -2067,9 +1817,9 @@
           <a:bodyPr/>
           <a:lstStyle/>
           <a:p>
-            <a:fld id="{88C687E7-504C-463E-A938-E97E3F497B8F}" type="datetimeFigureOut">
+            <a:fld id="{A4CA3AA4-6A25-4603-AA85-46878A907124}" type="datetimeFigureOut">
               <a:rPr lang="it-IT" smtClean="0"/>
-              <a:t>21/02/2023</a:t>
+              <a:t>26/05/2023</a:t>
             </a:fld>
             <a:endParaRPr lang="it-IT"/>
           </a:p>
@@ -2077,13 +1827,7 @@
       </p:sp>
       <p:sp>
         <p:nvSpPr>
-          <p:cNvPr id="3" name="Segnaposto piè di pagina 2">
-            <a:extLst>
-              <a:ext uri="{FF2B5EF4-FFF2-40B4-BE49-F238E27FC236}">
-                <a16:creationId xmlns:a16="http://schemas.microsoft.com/office/drawing/2014/main" id="{2D881BEE-AFB8-66D0-D9EF-7477EB53ECD3}"/>
-              </a:ext>
-            </a:extLst>
-          </p:cNvPr>
+          <p:cNvPr id="3" name="Footer Placeholder 2"/>
           <p:cNvSpPr>
             <a:spLocks noGrp="1"/>
           </p:cNvSpPr>
@@ -2102,13 +1846,7 @@
       </p:sp>
       <p:sp>
         <p:nvSpPr>
-          <p:cNvPr id="4" name="Segnaposto numero diapositiva 3">
-            <a:extLst>
-              <a:ext uri="{FF2B5EF4-FFF2-40B4-BE49-F238E27FC236}">
-                <a16:creationId xmlns:a16="http://schemas.microsoft.com/office/drawing/2014/main" id="{6C8B9029-52C4-64C1-6605-8F2807037517}"/>
-              </a:ext>
-            </a:extLst>
-          </p:cNvPr>
+          <p:cNvPr id="4" name="Slide Number Placeholder 3"/>
           <p:cNvSpPr>
             <a:spLocks noGrp="1"/>
           </p:cNvSpPr>
@@ -2121,7 +1859,7 @@
           <a:bodyPr/>
           <a:lstStyle/>
           <a:p>
-            <a:fld id="{D5960013-E842-424F-A943-58D928E9A684}" type="slidenum">
+            <a:fld id="{5BFBA4A6-120E-4EF9-8F46-201EB0EB50B8}" type="slidenum">
               <a:rPr lang="it-IT" smtClean="0"/>
               <a:t>‹N›</a:t>
             </a:fld>
@@ -2132,7 +1870,7 @@
     </p:spTree>
     <p:extLst>
       <p:ext uri="{BB962C8B-B14F-4D97-AF65-F5344CB8AC3E}">
-        <p14:creationId xmlns:p14="http://schemas.microsoft.com/office/powerpoint/2010/main" val="2591301381"/>
+        <p14:creationId xmlns:p14="http://schemas.microsoft.com/office/powerpoint/2010/main" val="249666343"/>
       </p:ext>
     </p:extLst>
   </p:cSld>
@@ -2161,13 +1899,7 @@
       </p:grpSpPr>
       <p:sp>
         <p:nvSpPr>
-          <p:cNvPr id="2" name="Titolo 1">
-            <a:extLst>
-              <a:ext uri="{FF2B5EF4-FFF2-40B4-BE49-F238E27FC236}">
-                <a16:creationId xmlns:a16="http://schemas.microsoft.com/office/drawing/2014/main" id="{EF64EA2C-4AF9-0D34-5E1D-1B09FC779C5E}"/>
-              </a:ext>
-            </a:extLst>
-          </p:cNvPr>
+          <p:cNvPr id="2" name="Title 1"/>
           <p:cNvSpPr>
             <a:spLocks noGrp="1"/>
           </p:cNvSpPr>
@@ -2177,15 +1909,15 @@
         </p:nvSpPr>
         <p:spPr>
           <a:xfrm>
-            <a:off x="839788" y="457200"/>
-            <a:ext cx="3932237" cy="1600200"/>
+            <a:off x="495890" y="840105"/>
+            <a:ext cx="2321966" cy="2940368"/>
           </a:xfrm>
         </p:spPr>
         <p:txBody>
           <a:bodyPr anchor="b"/>
           <a:lstStyle>
             <a:lvl1pPr>
-              <a:defRPr sz="3200"/>
+              <a:defRPr sz="2519"/>
             </a:lvl1pPr>
           </a:lstStyle>
           <a:p>
@@ -2193,18 +1925,13 @@
               <a:rPr lang="it-IT"/>
               <a:t>Fare clic per modificare lo stile del titolo dello schema</a:t>
             </a:r>
-          </a:p>
-        </p:txBody>
-      </p:sp>
-      <p:sp>
-        <p:nvSpPr>
-          <p:cNvPr id="3" name="Segnaposto contenuto 2">
-            <a:extLst>
-              <a:ext uri="{FF2B5EF4-FFF2-40B4-BE49-F238E27FC236}">
-                <a16:creationId xmlns:a16="http://schemas.microsoft.com/office/drawing/2014/main" id="{CD5CD247-BCE4-FBC9-0ADD-08A060777FD6}"/>
-              </a:ext>
-            </a:extLst>
-          </p:cNvPr>
+            <a:endParaRPr lang="en-US" dirty="0"/>
+          </a:p>
+        </p:txBody>
+      </p:sp>
+      <p:sp>
+        <p:nvSpPr>
+          <p:cNvPr id="3" name="Content Placeholder 2"/>
           <p:cNvSpPr>
             <a:spLocks noGrp="1"/>
           </p:cNvSpPr>
@@ -2214,39 +1941,39 @@
         </p:nvSpPr>
         <p:spPr>
           <a:xfrm>
-            <a:off x="5183188" y="987425"/>
-            <a:ext cx="6172200" cy="4873625"/>
+            <a:off x="3060646" y="1814396"/>
+            <a:ext cx="3644652" cy="8955286"/>
           </a:xfrm>
         </p:spPr>
         <p:txBody>
           <a:bodyPr/>
           <a:lstStyle>
             <a:lvl1pPr>
-              <a:defRPr sz="3200"/>
+              <a:defRPr sz="2519"/>
             </a:lvl1pPr>
             <a:lvl2pPr>
-              <a:defRPr sz="2800"/>
+              <a:defRPr sz="2204"/>
             </a:lvl2pPr>
             <a:lvl3pPr>
-              <a:defRPr sz="2400"/>
+              <a:defRPr sz="1890"/>
             </a:lvl3pPr>
             <a:lvl4pPr>
-              <a:defRPr sz="2000"/>
+              <a:defRPr sz="1575"/>
             </a:lvl4pPr>
             <a:lvl5pPr>
-              <a:defRPr sz="2000"/>
+              <a:defRPr sz="1575"/>
             </a:lvl5pPr>
             <a:lvl6pPr>
-              <a:defRPr sz="2000"/>
+              <a:defRPr sz="1575"/>
             </a:lvl6pPr>
             <a:lvl7pPr>
-              <a:defRPr sz="2000"/>
+              <a:defRPr sz="1575"/>
             </a:lvl7pPr>
             <a:lvl8pPr>
-              <a:defRPr sz="2000"/>
+              <a:defRPr sz="1575"/>
             </a:lvl8pPr>
             <a:lvl9pPr>
-              <a:defRPr sz="2000"/>
+              <a:defRPr sz="1575"/>
             </a:lvl9pPr>
           </a:lstStyle>
           <a:p>
@@ -2283,18 +2010,13 @@
               <a:rPr lang="it-IT"/>
               <a:t>Quinto livello</a:t>
             </a:r>
-          </a:p>
-        </p:txBody>
-      </p:sp>
-      <p:sp>
-        <p:nvSpPr>
-          <p:cNvPr id="4" name="Segnaposto testo 3">
-            <a:extLst>
-              <a:ext uri="{FF2B5EF4-FFF2-40B4-BE49-F238E27FC236}">
-                <a16:creationId xmlns:a16="http://schemas.microsoft.com/office/drawing/2014/main" id="{F2924DF1-C2C8-A640-EC08-240C285D9BA5}"/>
-              </a:ext>
-            </a:extLst>
-          </p:cNvPr>
+            <a:endParaRPr lang="en-US" dirty="0"/>
+          </a:p>
+        </p:txBody>
+      </p:sp>
+      <p:sp>
+        <p:nvSpPr>
+          <p:cNvPr id="4" name="Text Placeholder 3"/>
           <p:cNvSpPr>
             <a:spLocks noGrp="1"/>
           </p:cNvSpPr>
@@ -2304,8 +2026,8 @@
         </p:nvSpPr>
         <p:spPr>
           <a:xfrm>
-            <a:off x="839788" y="2057400"/>
-            <a:ext cx="3932237" cy="3811588"/>
+            <a:off x="495890" y="3780472"/>
+            <a:ext cx="2321966" cy="7003793"/>
           </a:xfrm>
         </p:spPr>
         <p:txBody>
@@ -2313,39 +2035,39 @@
           <a:lstStyle>
             <a:lvl1pPr marL="0" indent="0">
               <a:buNone/>
-              <a:defRPr sz="1600"/>
+              <a:defRPr sz="1260"/>
             </a:lvl1pPr>
-            <a:lvl2pPr marL="457200" indent="0">
-              <a:buNone/>
-              <a:defRPr sz="1400"/>
+            <a:lvl2pPr marL="359954" indent="0">
+              <a:buNone/>
+              <a:defRPr sz="1102"/>
             </a:lvl2pPr>
-            <a:lvl3pPr marL="914400" indent="0">
-              <a:buNone/>
-              <a:defRPr sz="1200"/>
+            <a:lvl3pPr marL="719907" indent="0">
+              <a:buNone/>
+              <a:defRPr sz="945"/>
             </a:lvl3pPr>
-            <a:lvl4pPr marL="1371600" indent="0">
-              <a:buNone/>
-              <a:defRPr sz="1000"/>
+            <a:lvl4pPr marL="1079861" indent="0">
+              <a:buNone/>
+              <a:defRPr sz="787"/>
             </a:lvl4pPr>
-            <a:lvl5pPr marL="1828800" indent="0">
-              <a:buNone/>
-              <a:defRPr sz="1000"/>
+            <a:lvl5pPr marL="1439814" indent="0">
+              <a:buNone/>
+              <a:defRPr sz="787"/>
             </a:lvl5pPr>
-            <a:lvl6pPr marL="2286000" indent="0">
-              <a:buNone/>
-              <a:defRPr sz="1000"/>
+            <a:lvl6pPr marL="1799768" indent="0">
+              <a:buNone/>
+              <a:defRPr sz="787"/>
             </a:lvl6pPr>
-            <a:lvl7pPr marL="2743200" indent="0">
-              <a:buNone/>
-              <a:defRPr sz="1000"/>
+            <a:lvl7pPr marL="2159721" indent="0">
+              <a:buNone/>
+              <a:defRPr sz="787"/>
             </a:lvl7pPr>
-            <a:lvl8pPr marL="3200400" indent="0">
-              <a:buNone/>
-              <a:defRPr sz="1000"/>
+            <a:lvl8pPr marL="2519675" indent="0">
+              <a:buNone/>
+              <a:defRPr sz="787"/>
             </a:lvl8pPr>
-            <a:lvl9pPr marL="3657600" indent="0">
-              <a:buNone/>
-              <a:defRPr sz="1000"/>
+            <a:lvl9pPr marL="2879628" indent="0">
+              <a:buNone/>
+              <a:defRPr sz="787"/>
             </a:lvl9pPr>
           </a:lstStyle>
           <a:p>
@@ -2359,13 +2081,7 @@
       </p:sp>
       <p:sp>
         <p:nvSpPr>
-          <p:cNvPr id="5" name="Segnaposto data 4">
-            <a:extLst>
-              <a:ext uri="{FF2B5EF4-FFF2-40B4-BE49-F238E27FC236}">
-                <a16:creationId xmlns:a16="http://schemas.microsoft.com/office/drawing/2014/main" id="{11E6EC91-D206-30E9-38FD-B373DC02E898}"/>
-              </a:ext>
-            </a:extLst>
-          </p:cNvPr>
+          <p:cNvPr id="5" name="Date Placeholder 4"/>
           <p:cNvSpPr>
             <a:spLocks noGrp="1"/>
           </p:cNvSpPr>
@@ -2378,9 +2094,9 @@
           <a:bodyPr/>
           <a:lstStyle/>
           <a:p>
-            <a:fld id="{88C687E7-504C-463E-A938-E97E3F497B8F}" type="datetimeFigureOut">
+            <a:fld id="{A4CA3AA4-6A25-4603-AA85-46878A907124}" type="datetimeFigureOut">
               <a:rPr lang="it-IT" smtClean="0"/>
-              <a:t>21/02/2023</a:t>
+              <a:t>26/05/2023</a:t>
             </a:fld>
             <a:endParaRPr lang="it-IT"/>
           </a:p>
@@ -2388,13 +2104,7 @@
       </p:sp>
       <p:sp>
         <p:nvSpPr>
-          <p:cNvPr id="6" name="Segnaposto piè di pagina 5">
-            <a:extLst>
-              <a:ext uri="{FF2B5EF4-FFF2-40B4-BE49-F238E27FC236}">
-                <a16:creationId xmlns:a16="http://schemas.microsoft.com/office/drawing/2014/main" id="{ED43BA33-AFA0-D05C-8F87-0155CA220243}"/>
-              </a:ext>
-            </a:extLst>
-          </p:cNvPr>
+          <p:cNvPr id="6" name="Footer Placeholder 5"/>
           <p:cNvSpPr>
             <a:spLocks noGrp="1"/>
           </p:cNvSpPr>
@@ -2413,13 +2123,7 @@
       </p:sp>
       <p:sp>
         <p:nvSpPr>
-          <p:cNvPr id="7" name="Segnaposto numero diapositiva 6">
-            <a:extLst>
-              <a:ext uri="{FF2B5EF4-FFF2-40B4-BE49-F238E27FC236}">
-                <a16:creationId xmlns:a16="http://schemas.microsoft.com/office/drawing/2014/main" id="{B02F3653-99E7-E177-B107-BCD80E7434D9}"/>
-              </a:ext>
-            </a:extLst>
-          </p:cNvPr>
+          <p:cNvPr id="7" name="Slide Number Placeholder 6"/>
           <p:cNvSpPr>
             <a:spLocks noGrp="1"/>
           </p:cNvSpPr>
@@ -2432,7 +2136,7 @@
           <a:bodyPr/>
           <a:lstStyle/>
           <a:p>
-            <a:fld id="{D5960013-E842-424F-A943-58D928E9A684}" type="slidenum">
+            <a:fld id="{5BFBA4A6-120E-4EF9-8F46-201EB0EB50B8}" type="slidenum">
               <a:rPr lang="it-IT" smtClean="0"/>
               <a:t>‹N›</a:t>
             </a:fld>
@@ -2443,7 +2147,7 @@
     </p:spTree>
     <p:extLst>
       <p:ext uri="{BB962C8B-B14F-4D97-AF65-F5344CB8AC3E}">
-        <p14:creationId xmlns:p14="http://schemas.microsoft.com/office/powerpoint/2010/main" val="243128166"/>
+        <p14:creationId xmlns:p14="http://schemas.microsoft.com/office/powerpoint/2010/main" val="2224988129"/>
       </p:ext>
     </p:extLst>
   </p:cSld>
@@ -2472,13 +2176,7 @@
       </p:grpSpPr>
       <p:sp>
         <p:nvSpPr>
-          <p:cNvPr id="2" name="Titolo 1">
-            <a:extLst>
-              <a:ext uri="{FF2B5EF4-FFF2-40B4-BE49-F238E27FC236}">
-                <a16:creationId xmlns:a16="http://schemas.microsoft.com/office/drawing/2014/main" id="{7D64BA21-0A26-9B65-03C8-E49362B3D8C8}"/>
-              </a:ext>
-            </a:extLst>
-          </p:cNvPr>
+          <p:cNvPr id="2" name="Title 1"/>
           <p:cNvSpPr>
             <a:spLocks noGrp="1"/>
           </p:cNvSpPr>
@@ -2488,15 +2186,15 @@
         </p:nvSpPr>
         <p:spPr>
           <a:xfrm>
-            <a:off x="839788" y="457200"/>
-            <a:ext cx="3932237" cy="1600200"/>
+            <a:off x="495890" y="840105"/>
+            <a:ext cx="2321966" cy="2940368"/>
           </a:xfrm>
         </p:spPr>
         <p:txBody>
           <a:bodyPr anchor="b"/>
           <a:lstStyle>
             <a:lvl1pPr>
-              <a:defRPr sz="3200"/>
+              <a:defRPr sz="2519"/>
             </a:lvl1pPr>
           </a:lstStyle>
           <a:p>
@@ -2504,20 +2202,15 @@
               <a:rPr lang="it-IT"/>
               <a:t>Fare clic per modificare lo stile del titolo dello schema</a:t>
             </a:r>
-          </a:p>
-        </p:txBody>
-      </p:sp>
-      <p:sp>
-        <p:nvSpPr>
-          <p:cNvPr id="3" name="Segnaposto immagine 2">
-            <a:extLst>
-              <a:ext uri="{FF2B5EF4-FFF2-40B4-BE49-F238E27FC236}">
-                <a16:creationId xmlns:a16="http://schemas.microsoft.com/office/drawing/2014/main" id="{48791FA8-CA7B-1B6A-033C-B6ECF8FFA804}"/>
-              </a:ext>
-            </a:extLst>
-          </p:cNvPr>
-          <p:cNvSpPr>
-            <a:spLocks noGrp="1"/>
+            <a:endParaRPr lang="en-US" dirty="0"/>
+          </a:p>
+        </p:txBody>
+      </p:sp>
+      <p:sp>
+        <p:nvSpPr>
+          <p:cNvPr id="3" name="Picture Placeholder 2"/>
+          <p:cNvSpPr>
+            <a:spLocks noGrp="1" noChangeAspect="1"/>
           </p:cNvSpPr>
           <p:nvPr>
             <p:ph type="pic" idx="1"/>
@@ -2525,64 +2218,62 @@
         </p:nvSpPr>
         <p:spPr>
           <a:xfrm>
-            <a:off x="5183188" y="987425"/>
-            <a:ext cx="6172200" cy="4873625"/>
+            <a:off x="3060646" y="1814396"/>
+            <a:ext cx="3644652" cy="8955286"/>
           </a:xfrm>
         </p:spPr>
         <p:txBody>
-          <a:bodyPr/>
+          <a:bodyPr anchor="t"/>
           <a:lstStyle>
             <a:lvl1pPr marL="0" indent="0">
               <a:buNone/>
-              <a:defRPr sz="3200"/>
+              <a:defRPr sz="2519"/>
             </a:lvl1pPr>
-            <a:lvl2pPr marL="457200" indent="0">
-              <a:buNone/>
-              <a:defRPr sz="2800"/>
+            <a:lvl2pPr marL="359954" indent="0">
+              <a:buNone/>
+              <a:defRPr sz="2204"/>
             </a:lvl2pPr>
-            <a:lvl3pPr marL="914400" indent="0">
-              <a:buNone/>
-              <a:defRPr sz="2400"/>
+            <a:lvl3pPr marL="719907" indent="0">
+              <a:buNone/>
+              <a:defRPr sz="1890"/>
             </a:lvl3pPr>
-            <a:lvl4pPr marL="1371600" indent="0">
-              <a:buNone/>
-              <a:defRPr sz="2000"/>
+            <a:lvl4pPr marL="1079861" indent="0">
+              <a:buNone/>
+              <a:defRPr sz="1575"/>
             </a:lvl4pPr>
-            <a:lvl5pPr marL="1828800" indent="0">
-              <a:buNone/>
-              <a:defRPr sz="2000"/>
+            <a:lvl5pPr marL="1439814" indent="0">
+              <a:buNone/>
+              <a:defRPr sz="1575"/>
             </a:lvl5pPr>
-            <a:lvl6pPr marL="2286000" indent="0">
-              <a:buNone/>
-              <a:defRPr sz="2000"/>
+            <a:lvl6pPr marL="1799768" indent="0">
+              <a:buNone/>
+              <a:defRPr sz="1575"/>
             </a:lvl6pPr>
-            <a:lvl7pPr marL="2743200" indent="0">
-              <a:buNone/>
-              <a:defRPr sz="2000"/>
+            <a:lvl7pPr marL="2159721" indent="0">
+              <a:buNone/>
+              <a:defRPr sz="1575"/>
             </a:lvl7pPr>
-            <a:lvl8pPr marL="3200400" indent="0">
-              <a:buNone/>
-              <a:defRPr sz="2000"/>
+            <a:lvl8pPr marL="2519675" indent="0">
+              <a:buNone/>
+              <a:defRPr sz="1575"/>
             </a:lvl8pPr>
-            <a:lvl9pPr marL="3657600" indent="0">
-              <a:buNone/>
-              <a:defRPr sz="2000"/>
+            <a:lvl9pPr marL="2879628" indent="0">
+              <a:buNone/>
+              <a:defRPr sz="1575"/>
             </a:lvl9pPr>
           </a:lstStyle>
           <a:p>
-            <a:endParaRPr lang="it-IT"/>
-          </a:p>
-        </p:txBody>
-      </p:sp>
-      <p:sp>
-        <p:nvSpPr>
-          <p:cNvPr id="4" name="Segnaposto testo 3">
-            <a:extLst>
-              <a:ext uri="{FF2B5EF4-FFF2-40B4-BE49-F238E27FC236}">
-                <a16:creationId xmlns:a16="http://schemas.microsoft.com/office/drawing/2014/main" id="{53DBD494-FA14-3552-75A8-A869352C4E89}"/>
-              </a:ext>
-            </a:extLst>
-          </p:cNvPr>
+            <a:r>
+              <a:rPr lang="it-IT"/>
+              <a:t>Fare clic sull'icona per inserire un'immagine</a:t>
+            </a:r>
+            <a:endParaRPr lang="en-US" dirty="0"/>
+          </a:p>
+        </p:txBody>
+      </p:sp>
+      <p:sp>
+        <p:nvSpPr>
+          <p:cNvPr id="4" name="Text Placeholder 3"/>
           <p:cNvSpPr>
             <a:spLocks noGrp="1"/>
           </p:cNvSpPr>
@@ -2592,8 +2283,8 @@
         </p:nvSpPr>
         <p:spPr>
           <a:xfrm>
-            <a:off x="839788" y="2057400"/>
-            <a:ext cx="3932237" cy="3811588"/>
+            <a:off x="495890" y="3780472"/>
+            <a:ext cx="2321966" cy="7003793"/>
           </a:xfrm>
         </p:spPr>
         <p:txBody>
@@ -2601,39 +2292,39 @@
           <a:lstStyle>
             <a:lvl1pPr marL="0" indent="0">
               <a:buNone/>
-              <a:defRPr sz="1600"/>
+              <a:defRPr sz="1260"/>
             </a:lvl1pPr>
-            <a:lvl2pPr marL="457200" indent="0">
-              <a:buNone/>
-              <a:defRPr sz="1400"/>
+            <a:lvl2pPr marL="359954" indent="0">
+              <a:buNone/>
+              <a:defRPr sz="1102"/>
             </a:lvl2pPr>
-            <a:lvl3pPr marL="914400" indent="0">
-              <a:buNone/>
-              <a:defRPr sz="1200"/>
+            <a:lvl3pPr marL="719907" indent="0">
+              <a:buNone/>
+              <a:defRPr sz="945"/>
             </a:lvl3pPr>
-            <a:lvl4pPr marL="1371600" indent="0">
-              <a:buNone/>
-              <a:defRPr sz="1000"/>
+            <a:lvl4pPr marL="1079861" indent="0">
+              <a:buNone/>
+              <a:defRPr sz="787"/>
             </a:lvl4pPr>
-            <a:lvl5pPr marL="1828800" indent="0">
-              <a:buNone/>
-              <a:defRPr sz="1000"/>
+            <a:lvl5pPr marL="1439814" indent="0">
+              <a:buNone/>
+              <a:defRPr sz="787"/>
             </a:lvl5pPr>
-            <a:lvl6pPr marL="2286000" indent="0">
-              <a:buNone/>
-              <a:defRPr sz="1000"/>
+            <a:lvl6pPr marL="1799768" indent="0">
+              <a:buNone/>
+              <a:defRPr sz="787"/>
             </a:lvl6pPr>
-            <a:lvl7pPr marL="2743200" indent="0">
-              <a:buNone/>
-              <a:defRPr sz="1000"/>
+            <a:lvl7pPr marL="2159721" indent="0">
+              <a:buNone/>
+              <a:defRPr sz="787"/>
             </a:lvl7pPr>
-            <a:lvl8pPr marL="3200400" indent="0">
-              <a:buNone/>
-              <a:defRPr sz="1000"/>
+            <a:lvl8pPr marL="2519675" indent="0">
+              <a:buNone/>
+              <a:defRPr sz="787"/>
             </a:lvl8pPr>
-            <a:lvl9pPr marL="3657600" indent="0">
-              <a:buNone/>
-              <a:defRPr sz="1000"/>
+            <a:lvl9pPr marL="2879628" indent="0">
+              <a:buNone/>
+              <a:defRPr sz="787"/>
             </a:lvl9pPr>
           </a:lstStyle>
           <a:p>
@@ -2647,13 +2338,7 @@
       </p:sp>
       <p:sp>
         <p:nvSpPr>
-          <p:cNvPr id="5" name="Segnaposto data 4">
-            <a:extLst>
-              <a:ext uri="{FF2B5EF4-FFF2-40B4-BE49-F238E27FC236}">
-                <a16:creationId xmlns:a16="http://schemas.microsoft.com/office/drawing/2014/main" id="{55175B07-E78C-C4BC-879E-151EE1AFD9F0}"/>
-              </a:ext>
-            </a:extLst>
-          </p:cNvPr>
+          <p:cNvPr id="5" name="Date Placeholder 4"/>
           <p:cNvSpPr>
             <a:spLocks noGrp="1"/>
           </p:cNvSpPr>
@@ -2666,9 +2351,9 @@
           <a:bodyPr/>
           <a:lstStyle/>
           <a:p>
-            <a:fld id="{88C687E7-504C-463E-A938-E97E3F497B8F}" type="datetimeFigureOut">
+            <a:fld id="{A4CA3AA4-6A25-4603-AA85-46878A907124}" type="datetimeFigureOut">
               <a:rPr lang="it-IT" smtClean="0"/>
-              <a:t>21/02/2023</a:t>
+              <a:t>26/05/2023</a:t>
             </a:fld>
             <a:endParaRPr lang="it-IT"/>
           </a:p>
@@ -2676,13 +2361,7 @@
       </p:sp>
       <p:sp>
         <p:nvSpPr>
-          <p:cNvPr id="6" name="Segnaposto piè di pagina 5">
-            <a:extLst>
-              <a:ext uri="{FF2B5EF4-FFF2-40B4-BE49-F238E27FC236}">
-                <a16:creationId xmlns:a16="http://schemas.microsoft.com/office/drawing/2014/main" id="{35344280-ED87-0D2A-D7D2-CB5E7DB0A5F4}"/>
-              </a:ext>
-            </a:extLst>
-          </p:cNvPr>
+          <p:cNvPr id="6" name="Footer Placeholder 5"/>
           <p:cNvSpPr>
             <a:spLocks noGrp="1"/>
           </p:cNvSpPr>
@@ -2701,13 +2380,7 @@
       </p:sp>
       <p:sp>
         <p:nvSpPr>
-          <p:cNvPr id="7" name="Segnaposto numero diapositiva 6">
-            <a:extLst>
-              <a:ext uri="{FF2B5EF4-FFF2-40B4-BE49-F238E27FC236}">
-                <a16:creationId xmlns:a16="http://schemas.microsoft.com/office/drawing/2014/main" id="{7E730B87-F211-2F16-6BD3-15360EA44201}"/>
-              </a:ext>
-            </a:extLst>
-          </p:cNvPr>
+          <p:cNvPr id="7" name="Slide Number Placeholder 6"/>
           <p:cNvSpPr>
             <a:spLocks noGrp="1"/>
           </p:cNvSpPr>
@@ -2720,7 +2393,7 @@
           <a:bodyPr/>
           <a:lstStyle/>
           <a:p>
-            <a:fld id="{D5960013-E842-424F-A943-58D928E9A684}" type="slidenum">
+            <a:fld id="{5BFBA4A6-120E-4EF9-8F46-201EB0EB50B8}" type="slidenum">
               <a:rPr lang="it-IT" smtClean="0"/>
               <a:t>‹N›</a:t>
             </a:fld>
@@ -2731,7 +2404,7 @@
     </p:spTree>
     <p:extLst>
       <p:ext uri="{BB962C8B-B14F-4D97-AF65-F5344CB8AC3E}">
-        <p14:creationId xmlns:p14="http://schemas.microsoft.com/office/powerpoint/2010/main" val="4181146833"/>
+        <p14:creationId xmlns:p14="http://schemas.microsoft.com/office/powerpoint/2010/main" val="3007961433"/>
       </p:ext>
     </p:extLst>
   </p:cSld>
@@ -2743,6 +2416,546 @@
 
 <file path=ppt/slideMasters/slideMaster1.xml><?xml version="1.0" encoding="utf-8"?>
 <p:sldMaster xmlns:a="http://schemas.openxmlformats.org/drawingml/2006/main" xmlns:r="http://schemas.openxmlformats.org/officeDocument/2006/relationships" xmlns:p="http://schemas.openxmlformats.org/presentationml/2006/main">
+  <p:cSld>
+    <p:bg>
+      <p:bgRef idx="1001">
+        <a:schemeClr val="bg1"/>
+      </p:bgRef>
+    </p:bg>
+    <p:spTree>
+      <p:nvGrpSpPr>
+        <p:cNvPr id="1" name=""/>
+        <p:cNvGrpSpPr/>
+        <p:nvPr/>
+      </p:nvGrpSpPr>
+      <p:grpSpPr>
+        <a:xfrm>
+          <a:off x="0" y="0"/>
+          <a:ext cx="0" cy="0"/>
+          <a:chOff x="0" y="0"/>
+          <a:chExt cx="0" cy="0"/>
+        </a:xfrm>
+      </p:grpSpPr>
+      <p:sp>
+        <p:nvSpPr>
+          <p:cNvPr id="2" name="Title Placeholder 1"/>
+          <p:cNvSpPr>
+            <a:spLocks noGrp="1"/>
+          </p:cNvSpPr>
+          <p:nvPr>
+            <p:ph type="title"/>
+          </p:nvPr>
+        </p:nvSpPr>
+        <p:spPr>
+          <a:xfrm>
+            <a:off x="494953" y="670920"/>
+            <a:ext cx="6209407" cy="2435722"/>
+          </a:xfrm>
+          <a:prstGeom prst="rect">
+            <a:avLst/>
+          </a:prstGeom>
+        </p:spPr>
+        <p:txBody>
+          <a:bodyPr vert="horz" lIns="91440" tIns="45720" rIns="91440" bIns="45720" rtlCol="0" anchor="ctr">
+            <a:normAutofit/>
+          </a:bodyPr>
+          <a:lstStyle/>
+          <a:p>
+            <a:r>
+              <a:rPr lang="it-IT"/>
+              <a:t>Fare clic per modificare lo stile del titolo dello schema</a:t>
+            </a:r>
+            <a:endParaRPr lang="en-US" dirty="0"/>
+          </a:p>
+        </p:txBody>
+      </p:sp>
+      <p:sp>
+        <p:nvSpPr>
+          <p:cNvPr id="3" name="Text Placeholder 2"/>
+          <p:cNvSpPr>
+            <a:spLocks noGrp="1"/>
+          </p:cNvSpPr>
+          <p:nvPr>
+            <p:ph type="body" idx="1"/>
+          </p:nvPr>
+        </p:nvSpPr>
+        <p:spPr>
+          <a:xfrm>
+            <a:off x="494953" y="3354586"/>
+            <a:ext cx="6209407" cy="7995584"/>
+          </a:xfrm>
+          <a:prstGeom prst="rect">
+            <a:avLst/>
+          </a:prstGeom>
+        </p:spPr>
+        <p:txBody>
+          <a:bodyPr vert="horz" lIns="91440" tIns="45720" rIns="91440" bIns="45720" rtlCol="0">
+            <a:normAutofit/>
+          </a:bodyPr>
+          <a:lstStyle/>
+          <a:p>
+            <a:pPr lvl="0"/>
+            <a:r>
+              <a:rPr lang="it-IT"/>
+              <a:t>Fare clic per modificare gli stili del testo dello schema</a:t>
+            </a:r>
+          </a:p>
+          <a:p>
+            <a:pPr lvl="1"/>
+            <a:r>
+              <a:rPr lang="it-IT"/>
+              <a:t>Secondo livello</a:t>
+            </a:r>
+          </a:p>
+          <a:p>
+            <a:pPr lvl="2"/>
+            <a:r>
+              <a:rPr lang="it-IT"/>
+              <a:t>Terzo livello</a:t>
+            </a:r>
+          </a:p>
+          <a:p>
+            <a:pPr lvl="3"/>
+            <a:r>
+              <a:rPr lang="it-IT"/>
+              <a:t>Quarto livello</a:t>
+            </a:r>
+          </a:p>
+          <a:p>
+            <a:pPr lvl="4"/>
+            <a:r>
+              <a:rPr lang="it-IT"/>
+              <a:t>Quinto livello</a:t>
+            </a:r>
+            <a:endParaRPr lang="en-US" dirty="0"/>
+          </a:p>
+        </p:txBody>
+      </p:sp>
+      <p:sp>
+        <p:nvSpPr>
+          <p:cNvPr id="4" name="Date Placeholder 3"/>
+          <p:cNvSpPr>
+            <a:spLocks noGrp="1"/>
+          </p:cNvSpPr>
+          <p:nvPr>
+            <p:ph type="dt" sz="half" idx="2"/>
+          </p:nvPr>
+        </p:nvSpPr>
+        <p:spPr>
+          <a:xfrm>
+            <a:off x="494953" y="11679796"/>
+            <a:ext cx="1619845" cy="670917"/>
+          </a:xfrm>
+          <a:prstGeom prst="rect">
+            <a:avLst/>
+          </a:prstGeom>
+        </p:spPr>
+        <p:txBody>
+          <a:bodyPr vert="horz" lIns="91440" tIns="45720" rIns="91440" bIns="45720" rtlCol="0" anchor="ctr"/>
+          <a:lstStyle>
+            <a:lvl1pPr algn="l">
+              <a:defRPr sz="945">
+                <a:solidFill>
+                  <a:schemeClr val="tx1">
+                    <a:tint val="75000"/>
+                  </a:schemeClr>
+                </a:solidFill>
+              </a:defRPr>
+            </a:lvl1pPr>
+          </a:lstStyle>
+          <a:p>
+            <a:fld id="{A4CA3AA4-6A25-4603-AA85-46878A907124}" type="datetimeFigureOut">
+              <a:rPr lang="it-IT" smtClean="0"/>
+              <a:t>26/05/2023</a:t>
+            </a:fld>
+            <a:endParaRPr lang="it-IT"/>
+          </a:p>
+        </p:txBody>
+      </p:sp>
+      <p:sp>
+        <p:nvSpPr>
+          <p:cNvPr id="5" name="Footer Placeholder 4"/>
+          <p:cNvSpPr>
+            <a:spLocks noGrp="1"/>
+          </p:cNvSpPr>
+          <p:nvPr>
+            <p:ph type="ftr" sz="quarter" idx="3"/>
+          </p:nvPr>
+        </p:nvSpPr>
+        <p:spPr>
+          <a:xfrm>
+            <a:off x="2384773" y="11679796"/>
+            <a:ext cx="2429768" cy="670917"/>
+          </a:xfrm>
+          <a:prstGeom prst="rect">
+            <a:avLst/>
+          </a:prstGeom>
+        </p:spPr>
+        <p:txBody>
+          <a:bodyPr vert="horz" lIns="91440" tIns="45720" rIns="91440" bIns="45720" rtlCol="0" anchor="ctr"/>
+          <a:lstStyle>
+            <a:lvl1pPr algn="ctr">
+              <a:defRPr sz="945">
+                <a:solidFill>
+                  <a:schemeClr val="tx1">
+                    <a:tint val="75000"/>
+                  </a:schemeClr>
+                </a:solidFill>
+              </a:defRPr>
+            </a:lvl1pPr>
+          </a:lstStyle>
+          <a:p>
+            <a:endParaRPr lang="it-IT"/>
+          </a:p>
+        </p:txBody>
+      </p:sp>
+      <p:sp>
+        <p:nvSpPr>
+          <p:cNvPr id="6" name="Slide Number Placeholder 5"/>
+          <p:cNvSpPr>
+            <a:spLocks noGrp="1"/>
+          </p:cNvSpPr>
+          <p:nvPr>
+            <p:ph type="sldNum" sz="quarter" idx="4"/>
+          </p:nvPr>
+        </p:nvSpPr>
+        <p:spPr>
+          <a:xfrm>
+            <a:off x="5084515" y="11679796"/>
+            <a:ext cx="1619845" cy="670917"/>
+          </a:xfrm>
+          <a:prstGeom prst="rect">
+            <a:avLst/>
+          </a:prstGeom>
+        </p:spPr>
+        <p:txBody>
+          <a:bodyPr vert="horz" lIns="91440" tIns="45720" rIns="91440" bIns="45720" rtlCol="0" anchor="ctr"/>
+          <a:lstStyle>
+            <a:lvl1pPr algn="r">
+              <a:defRPr sz="945">
+                <a:solidFill>
+                  <a:schemeClr val="tx1">
+                    <a:tint val="75000"/>
+                  </a:schemeClr>
+                </a:solidFill>
+              </a:defRPr>
+            </a:lvl1pPr>
+          </a:lstStyle>
+          <a:p>
+            <a:fld id="{5BFBA4A6-120E-4EF9-8F46-201EB0EB50B8}" type="slidenum">
+              <a:rPr lang="it-IT" smtClean="0"/>
+              <a:t>‹N›</a:t>
+            </a:fld>
+            <a:endParaRPr lang="it-IT"/>
+          </a:p>
+        </p:txBody>
+      </p:sp>
+    </p:spTree>
+    <p:extLst>
+      <p:ext uri="{BB962C8B-B14F-4D97-AF65-F5344CB8AC3E}">
+        <p14:creationId xmlns:p14="http://schemas.microsoft.com/office/powerpoint/2010/main" val="640692730"/>
+      </p:ext>
+    </p:extLst>
+  </p:cSld>
+  <p:clrMap bg1="lt1" tx1="dk1" bg2="lt2" tx2="dk2" accent1="accent1" accent2="accent2" accent3="accent3" accent4="accent4" accent5="accent5" accent6="accent6" hlink="hlink" folHlink="folHlink"/>
+  <p:sldLayoutIdLst>
+    <p:sldLayoutId id="2147483745" r:id="rId1"/>
+    <p:sldLayoutId id="2147483746" r:id="rId2"/>
+    <p:sldLayoutId id="2147483747" r:id="rId3"/>
+    <p:sldLayoutId id="2147483748" r:id="rId4"/>
+    <p:sldLayoutId id="2147483749" r:id="rId5"/>
+    <p:sldLayoutId id="2147483750" r:id="rId6"/>
+    <p:sldLayoutId id="2147483751" r:id="rId7"/>
+    <p:sldLayoutId id="2147483752" r:id="rId8"/>
+    <p:sldLayoutId id="2147483753" r:id="rId9"/>
+    <p:sldLayoutId id="2147483754" r:id="rId10"/>
+    <p:sldLayoutId id="2147483755" r:id="rId11"/>
+  </p:sldLayoutIdLst>
+  <p:txStyles>
+    <p:titleStyle>
+      <a:lvl1pPr algn="l" defTabSz="719907" rtl="0" eaLnBrk="1" latinLnBrk="0" hangingPunct="1">
+        <a:lnSpc>
+          <a:spcPct val="90000"/>
+        </a:lnSpc>
+        <a:spcBef>
+          <a:spcPct val="0"/>
+        </a:spcBef>
+        <a:buNone/>
+        <a:defRPr sz="3464" kern="1200">
+          <a:solidFill>
+            <a:schemeClr val="tx1"/>
+          </a:solidFill>
+          <a:latin typeface="+mj-lt"/>
+          <a:ea typeface="+mj-ea"/>
+          <a:cs typeface="+mj-cs"/>
+        </a:defRPr>
+      </a:lvl1pPr>
+    </p:titleStyle>
+    <p:bodyStyle>
+      <a:lvl1pPr marL="179977" indent="-179977" algn="l" defTabSz="719907" rtl="0" eaLnBrk="1" latinLnBrk="0" hangingPunct="1">
+        <a:lnSpc>
+          <a:spcPct val="90000"/>
+        </a:lnSpc>
+        <a:spcBef>
+          <a:spcPts val="787"/>
+        </a:spcBef>
+        <a:buFont typeface="Arial" panose="020B0604020202020204" pitchFamily="34" charset="0"/>
+        <a:buChar char="•"/>
+        <a:defRPr sz="2204" kern="1200">
+          <a:solidFill>
+            <a:schemeClr val="tx1"/>
+          </a:solidFill>
+          <a:latin typeface="+mn-lt"/>
+          <a:ea typeface="+mn-ea"/>
+          <a:cs typeface="+mn-cs"/>
+        </a:defRPr>
+      </a:lvl1pPr>
+      <a:lvl2pPr marL="539930" indent="-179977" algn="l" defTabSz="719907" rtl="0" eaLnBrk="1" latinLnBrk="0" hangingPunct="1">
+        <a:lnSpc>
+          <a:spcPct val="90000"/>
+        </a:lnSpc>
+        <a:spcBef>
+          <a:spcPts val="394"/>
+        </a:spcBef>
+        <a:buFont typeface="Arial" panose="020B0604020202020204" pitchFamily="34" charset="0"/>
+        <a:buChar char="•"/>
+        <a:defRPr sz="1890" kern="1200">
+          <a:solidFill>
+            <a:schemeClr val="tx1"/>
+          </a:solidFill>
+          <a:latin typeface="+mn-lt"/>
+          <a:ea typeface="+mn-ea"/>
+          <a:cs typeface="+mn-cs"/>
+        </a:defRPr>
+      </a:lvl2pPr>
+      <a:lvl3pPr marL="899884" indent="-179977" algn="l" defTabSz="719907" rtl="0" eaLnBrk="1" latinLnBrk="0" hangingPunct="1">
+        <a:lnSpc>
+          <a:spcPct val="90000"/>
+        </a:lnSpc>
+        <a:spcBef>
+          <a:spcPts val="394"/>
+        </a:spcBef>
+        <a:buFont typeface="Arial" panose="020B0604020202020204" pitchFamily="34" charset="0"/>
+        <a:buChar char="•"/>
+        <a:defRPr sz="1575" kern="1200">
+          <a:solidFill>
+            <a:schemeClr val="tx1"/>
+          </a:solidFill>
+          <a:latin typeface="+mn-lt"/>
+          <a:ea typeface="+mn-ea"/>
+          <a:cs typeface="+mn-cs"/>
+        </a:defRPr>
+      </a:lvl3pPr>
+      <a:lvl4pPr marL="1259837" indent="-179977" algn="l" defTabSz="719907" rtl="0" eaLnBrk="1" latinLnBrk="0" hangingPunct="1">
+        <a:lnSpc>
+          <a:spcPct val="90000"/>
+        </a:lnSpc>
+        <a:spcBef>
+          <a:spcPts val="394"/>
+        </a:spcBef>
+        <a:buFont typeface="Arial" panose="020B0604020202020204" pitchFamily="34" charset="0"/>
+        <a:buChar char="•"/>
+        <a:defRPr sz="1417" kern="1200">
+          <a:solidFill>
+            <a:schemeClr val="tx1"/>
+          </a:solidFill>
+          <a:latin typeface="+mn-lt"/>
+          <a:ea typeface="+mn-ea"/>
+          <a:cs typeface="+mn-cs"/>
+        </a:defRPr>
+      </a:lvl4pPr>
+      <a:lvl5pPr marL="1619791" indent="-179977" algn="l" defTabSz="719907" rtl="0" eaLnBrk="1" latinLnBrk="0" hangingPunct="1">
+        <a:lnSpc>
+          <a:spcPct val="90000"/>
+        </a:lnSpc>
+        <a:spcBef>
+          <a:spcPts val="394"/>
+        </a:spcBef>
+        <a:buFont typeface="Arial" panose="020B0604020202020204" pitchFamily="34" charset="0"/>
+        <a:buChar char="•"/>
+        <a:defRPr sz="1417" kern="1200">
+          <a:solidFill>
+            <a:schemeClr val="tx1"/>
+          </a:solidFill>
+          <a:latin typeface="+mn-lt"/>
+          <a:ea typeface="+mn-ea"/>
+          <a:cs typeface="+mn-cs"/>
+        </a:defRPr>
+      </a:lvl5pPr>
+      <a:lvl6pPr marL="1979745" indent="-179977" algn="l" defTabSz="719907" rtl="0" eaLnBrk="1" latinLnBrk="0" hangingPunct="1">
+        <a:lnSpc>
+          <a:spcPct val="90000"/>
+        </a:lnSpc>
+        <a:spcBef>
+          <a:spcPts val="394"/>
+        </a:spcBef>
+        <a:buFont typeface="Arial" panose="020B0604020202020204" pitchFamily="34" charset="0"/>
+        <a:buChar char="•"/>
+        <a:defRPr sz="1417" kern="1200">
+          <a:solidFill>
+            <a:schemeClr val="tx1"/>
+          </a:solidFill>
+          <a:latin typeface="+mn-lt"/>
+          <a:ea typeface="+mn-ea"/>
+          <a:cs typeface="+mn-cs"/>
+        </a:defRPr>
+      </a:lvl6pPr>
+      <a:lvl7pPr marL="2339698" indent="-179977" algn="l" defTabSz="719907" rtl="0" eaLnBrk="1" latinLnBrk="0" hangingPunct="1">
+        <a:lnSpc>
+          <a:spcPct val="90000"/>
+        </a:lnSpc>
+        <a:spcBef>
+          <a:spcPts val="394"/>
+        </a:spcBef>
+        <a:buFont typeface="Arial" panose="020B0604020202020204" pitchFamily="34" charset="0"/>
+        <a:buChar char="•"/>
+        <a:defRPr sz="1417" kern="1200">
+          <a:solidFill>
+            <a:schemeClr val="tx1"/>
+          </a:solidFill>
+          <a:latin typeface="+mn-lt"/>
+          <a:ea typeface="+mn-ea"/>
+          <a:cs typeface="+mn-cs"/>
+        </a:defRPr>
+      </a:lvl7pPr>
+      <a:lvl8pPr marL="2699652" indent="-179977" algn="l" defTabSz="719907" rtl="0" eaLnBrk="1" latinLnBrk="0" hangingPunct="1">
+        <a:lnSpc>
+          <a:spcPct val="90000"/>
+        </a:lnSpc>
+        <a:spcBef>
+          <a:spcPts val="394"/>
+        </a:spcBef>
+        <a:buFont typeface="Arial" panose="020B0604020202020204" pitchFamily="34" charset="0"/>
+        <a:buChar char="•"/>
+        <a:defRPr sz="1417" kern="1200">
+          <a:solidFill>
+            <a:schemeClr val="tx1"/>
+          </a:solidFill>
+          <a:latin typeface="+mn-lt"/>
+          <a:ea typeface="+mn-ea"/>
+          <a:cs typeface="+mn-cs"/>
+        </a:defRPr>
+      </a:lvl8pPr>
+      <a:lvl9pPr marL="3059605" indent="-179977" algn="l" defTabSz="719907" rtl="0" eaLnBrk="1" latinLnBrk="0" hangingPunct="1">
+        <a:lnSpc>
+          <a:spcPct val="90000"/>
+        </a:lnSpc>
+        <a:spcBef>
+          <a:spcPts val="394"/>
+        </a:spcBef>
+        <a:buFont typeface="Arial" panose="020B0604020202020204" pitchFamily="34" charset="0"/>
+        <a:buChar char="•"/>
+        <a:defRPr sz="1417" kern="1200">
+          <a:solidFill>
+            <a:schemeClr val="tx1"/>
+          </a:solidFill>
+          <a:latin typeface="+mn-lt"/>
+          <a:ea typeface="+mn-ea"/>
+          <a:cs typeface="+mn-cs"/>
+        </a:defRPr>
+      </a:lvl9pPr>
+    </p:bodyStyle>
+    <p:otherStyle>
+      <a:defPPr>
+        <a:defRPr lang="en-US"/>
+      </a:defPPr>
+      <a:lvl1pPr marL="0" algn="l" defTabSz="719907" rtl="0" eaLnBrk="1" latinLnBrk="0" hangingPunct="1">
+        <a:defRPr sz="1417" kern="1200">
+          <a:solidFill>
+            <a:schemeClr val="tx1"/>
+          </a:solidFill>
+          <a:latin typeface="+mn-lt"/>
+          <a:ea typeface="+mn-ea"/>
+          <a:cs typeface="+mn-cs"/>
+        </a:defRPr>
+      </a:lvl1pPr>
+      <a:lvl2pPr marL="359954" algn="l" defTabSz="719907" rtl="0" eaLnBrk="1" latinLnBrk="0" hangingPunct="1">
+        <a:defRPr sz="1417" kern="1200">
+          <a:solidFill>
+            <a:schemeClr val="tx1"/>
+          </a:solidFill>
+          <a:latin typeface="+mn-lt"/>
+          <a:ea typeface="+mn-ea"/>
+          <a:cs typeface="+mn-cs"/>
+        </a:defRPr>
+      </a:lvl2pPr>
+      <a:lvl3pPr marL="719907" algn="l" defTabSz="719907" rtl="0" eaLnBrk="1" latinLnBrk="0" hangingPunct="1">
+        <a:defRPr sz="1417" kern="1200">
+          <a:solidFill>
+            <a:schemeClr val="tx1"/>
+          </a:solidFill>
+          <a:latin typeface="+mn-lt"/>
+          <a:ea typeface="+mn-ea"/>
+          <a:cs typeface="+mn-cs"/>
+        </a:defRPr>
+      </a:lvl3pPr>
+      <a:lvl4pPr marL="1079861" algn="l" defTabSz="719907" rtl="0" eaLnBrk="1" latinLnBrk="0" hangingPunct="1">
+        <a:defRPr sz="1417" kern="1200">
+          <a:solidFill>
+            <a:schemeClr val="tx1"/>
+          </a:solidFill>
+          <a:latin typeface="+mn-lt"/>
+          <a:ea typeface="+mn-ea"/>
+          <a:cs typeface="+mn-cs"/>
+        </a:defRPr>
+      </a:lvl4pPr>
+      <a:lvl5pPr marL="1439814" algn="l" defTabSz="719907" rtl="0" eaLnBrk="1" latinLnBrk="0" hangingPunct="1">
+        <a:defRPr sz="1417" kern="1200">
+          <a:solidFill>
+            <a:schemeClr val="tx1"/>
+          </a:solidFill>
+          <a:latin typeface="+mn-lt"/>
+          <a:ea typeface="+mn-ea"/>
+          <a:cs typeface="+mn-cs"/>
+        </a:defRPr>
+      </a:lvl5pPr>
+      <a:lvl6pPr marL="1799768" algn="l" defTabSz="719907" rtl="0" eaLnBrk="1" latinLnBrk="0" hangingPunct="1">
+        <a:defRPr sz="1417" kern="1200">
+          <a:solidFill>
+            <a:schemeClr val="tx1"/>
+          </a:solidFill>
+          <a:latin typeface="+mn-lt"/>
+          <a:ea typeface="+mn-ea"/>
+          <a:cs typeface="+mn-cs"/>
+        </a:defRPr>
+      </a:lvl6pPr>
+      <a:lvl7pPr marL="2159721" algn="l" defTabSz="719907" rtl="0" eaLnBrk="1" latinLnBrk="0" hangingPunct="1">
+        <a:defRPr sz="1417" kern="1200">
+          <a:solidFill>
+            <a:schemeClr val="tx1"/>
+          </a:solidFill>
+          <a:latin typeface="+mn-lt"/>
+          <a:ea typeface="+mn-ea"/>
+          <a:cs typeface="+mn-cs"/>
+        </a:defRPr>
+      </a:lvl7pPr>
+      <a:lvl8pPr marL="2519675" algn="l" defTabSz="719907" rtl="0" eaLnBrk="1" latinLnBrk="0" hangingPunct="1">
+        <a:defRPr sz="1417" kern="1200">
+          <a:solidFill>
+            <a:schemeClr val="tx1"/>
+          </a:solidFill>
+          <a:latin typeface="+mn-lt"/>
+          <a:ea typeface="+mn-ea"/>
+          <a:cs typeface="+mn-cs"/>
+        </a:defRPr>
+      </a:lvl8pPr>
+      <a:lvl9pPr marL="2879628" algn="l" defTabSz="719907" rtl="0" eaLnBrk="1" latinLnBrk="0" hangingPunct="1">
+        <a:defRPr sz="1417" kern="1200">
+          <a:solidFill>
+            <a:schemeClr val="tx1"/>
+          </a:solidFill>
+          <a:latin typeface="+mn-lt"/>
+          <a:ea typeface="+mn-ea"/>
+          <a:cs typeface="+mn-cs"/>
+        </a:defRPr>
+      </a:lvl9pPr>
+    </p:otherStyle>
+  </p:txStyles>
+</p:sldMaster>
+</file>
+
+<file path=ppt/slides/slide1.xml><?xml version="1.0" encoding="utf-8"?>
+<p:sld xmlns:a="http://schemas.openxmlformats.org/drawingml/2006/main" xmlns:r="http://schemas.openxmlformats.org/officeDocument/2006/relationships" xmlns:p="http://schemas.openxmlformats.org/presentationml/2006/main">
   <p:cSld>
     <p:bg>
       <p:bgPr>
@@ -2766,575 +2979,12 @@
           <a:chExt cx="0" cy="0"/>
         </a:xfrm>
       </p:grpSpPr>
-      <p:sp>
-        <p:nvSpPr>
-          <p:cNvPr id="2" name="Segnaposto titolo 1">
+      <p:pic>
+        <p:nvPicPr>
+          <p:cNvPr id="5" name="Immagine 4" descr="Immagine che contiene testo, diagramma, linea, schermata&#10;&#10;Descrizione generata automaticamente">
             <a:extLst>
               <a:ext uri="{FF2B5EF4-FFF2-40B4-BE49-F238E27FC236}">
-                <a16:creationId xmlns:a16="http://schemas.microsoft.com/office/drawing/2014/main" id="{EEAAD47E-D725-9686-51AC-DB18B26D5C33}"/>
-              </a:ext>
-            </a:extLst>
-          </p:cNvPr>
-          <p:cNvSpPr>
-            <a:spLocks noGrp="1"/>
-          </p:cNvSpPr>
-          <p:nvPr>
-            <p:ph type="title"/>
-          </p:nvPr>
-        </p:nvSpPr>
-        <p:spPr>
-          <a:xfrm>
-            <a:off x="838200" y="365125"/>
-            <a:ext cx="10515600" cy="1325563"/>
-          </a:xfrm>
-          <a:prstGeom prst="rect">
-            <a:avLst/>
-          </a:prstGeom>
-        </p:spPr>
-        <p:txBody>
-          <a:bodyPr vert="horz" lIns="91440" tIns="45720" rIns="91440" bIns="45720" rtlCol="0" anchor="ctr">
-            <a:normAutofit/>
-          </a:bodyPr>
-          <a:lstStyle/>
-          <a:p>
-            <a:r>
-              <a:rPr lang="it-IT"/>
-              <a:t>Fare clic per modificare lo stile del titolo dello schema</a:t>
-            </a:r>
-          </a:p>
-        </p:txBody>
-      </p:sp>
-      <p:sp>
-        <p:nvSpPr>
-          <p:cNvPr id="3" name="Segnaposto testo 2">
-            <a:extLst>
-              <a:ext uri="{FF2B5EF4-FFF2-40B4-BE49-F238E27FC236}">
-                <a16:creationId xmlns:a16="http://schemas.microsoft.com/office/drawing/2014/main" id="{E0C54AB9-D341-9CFE-8C7A-7B602601347B}"/>
-              </a:ext>
-            </a:extLst>
-          </p:cNvPr>
-          <p:cNvSpPr>
-            <a:spLocks noGrp="1"/>
-          </p:cNvSpPr>
-          <p:nvPr>
-            <p:ph type="body" idx="1"/>
-          </p:nvPr>
-        </p:nvSpPr>
-        <p:spPr>
-          <a:xfrm>
-            <a:off x="838200" y="1825625"/>
-            <a:ext cx="10515600" cy="4351338"/>
-          </a:xfrm>
-          <a:prstGeom prst="rect">
-            <a:avLst/>
-          </a:prstGeom>
-        </p:spPr>
-        <p:txBody>
-          <a:bodyPr vert="horz" lIns="91440" tIns="45720" rIns="91440" bIns="45720" rtlCol="0">
-            <a:normAutofit/>
-          </a:bodyPr>
-          <a:lstStyle/>
-          <a:p>
-            <a:pPr lvl="0"/>
-            <a:r>
-              <a:rPr lang="it-IT"/>
-              <a:t>Fare clic per modificare gli stili del testo dello schema</a:t>
-            </a:r>
-          </a:p>
-          <a:p>
-            <a:pPr lvl="1"/>
-            <a:r>
-              <a:rPr lang="it-IT"/>
-              <a:t>Secondo livello</a:t>
-            </a:r>
-          </a:p>
-          <a:p>
-            <a:pPr lvl="2"/>
-            <a:r>
-              <a:rPr lang="it-IT"/>
-              <a:t>Terzo livello</a:t>
-            </a:r>
-          </a:p>
-          <a:p>
-            <a:pPr lvl="3"/>
-            <a:r>
-              <a:rPr lang="it-IT"/>
-              <a:t>Quarto livello</a:t>
-            </a:r>
-          </a:p>
-          <a:p>
-            <a:pPr lvl="4"/>
-            <a:r>
-              <a:rPr lang="it-IT"/>
-              <a:t>Quinto livello</a:t>
-            </a:r>
-          </a:p>
-        </p:txBody>
-      </p:sp>
-      <p:sp>
-        <p:nvSpPr>
-          <p:cNvPr id="4" name="Segnaposto data 3">
-            <a:extLst>
-              <a:ext uri="{FF2B5EF4-FFF2-40B4-BE49-F238E27FC236}">
-                <a16:creationId xmlns:a16="http://schemas.microsoft.com/office/drawing/2014/main" id="{21201E81-EABF-2A6D-FE34-279A40CC999E}"/>
-              </a:ext>
-            </a:extLst>
-          </p:cNvPr>
-          <p:cNvSpPr>
-            <a:spLocks noGrp="1"/>
-          </p:cNvSpPr>
-          <p:nvPr>
-            <p:ph type="dt" sz="half" idx="2"/>
-          </p:nvPr>
-        </p:nvSpPr>
-        <p:spPr>
-          <a:xfrm>
-            <a:off x="838200" y="6356350"/>
-            <a:ext cx="2743200" cy="365125"/>
-          </a:xfrm>
-          <a:prstGeom prst="rect">
-            <a:avLst/>
-          </a:prstGeom>
-        </p:spPr>
-        <p:txBody>
-          <a:bodyPr vert="horz" lIns="91440" tIns="45720" rIns="91440" bIns="45720" rtlCol="0" anchor="ctr"/>
-          <a:lstStyle>
-            <a:lvl1pPr algn="l">
-              <a:defRPr sz="1200">
-                <a:solidFill>
-                  <a:schemeClr val="tx1">
-                    <a:tint val="75000"/>
-                  </a:schemeClr>
-                </a:solidFill>
-              </a:defRPr>
-            </a:lvl1pPr>
-          </a:lstStyle>
-          <a:p>
-            <a:fld id="{88C687E7-504C-463E-A938-E97E3F497B8F}" type="datetimeFigureOut">
-              <a:rPr lang="it-IT" smtClean="0"/>
-              <a:t>21/02/2023</a:t>
-            </a:fld>
-            <a:endParaRPr lang="it-IT"/>
-          </a:p>
-        </p:txBody>
-      </p:sp>
-      <p:sp>
-        <p:nvSpPr>
-          <p:cNvPr id="5" name="Segnaposto piè di pagina 4">
-            <a:extLst>
-              <a:ext uri="{FF2B5EF4-FFF2-40B4-BE49-F238E27FC236}">
-                <a16:creationId xmlns:a16="http://schemas.microsoft.com/office/drawing/2014/main" id="{650C0C69-9C6D-DFEA-ABC2-875564381569}"/>
-              </a:ext>
-            </a:extLst>
-          </p:cNvPr>
-          <p:cNvSpPr>
-            <a:spLocks noGrp="1"/>
-          </p:cNvSpPr>
-          <p:nvPr>
-            <p:ph type="ftr" sz="quarter" idx="3"/>
-          </p:nvPr>
-        </p:nvSpPr>
-        <p:spPr>
-          <a:xfrm>
-            <a:off x="4038600" y="6356350"/>
-            <a:ext cx="4114800" cy="365125"/>
-          </a:xfrm>
-          <a:prstGeom prst="rect">
-            <a:avLst/>
-          </a:prstGeom>
-        </p:spPr>
-        <p:txBody>
-          <a:bodyPr vert="horz" lIns="91440" tIns="45720" rIns="91440" bIns="45720" rtlCol="0" anchor="ctr"/>
-          <a:lstStyle>
-            <a:lvl1pPr algn="ctr">
-              <a:defRPr sz="1200">
-                <a:solidFill>
-                  <a:schemeClr val="tx1">
-                    <a:tint val="75000"/>
-                  </a:schemeClr>
-                </a:solidFill>
-              </a:defRPr>
-            </a:lvl1pPr>
-          </a:lstStyle>
-          <a:p>
-            <a:endParaRPr lang="it-IT"/>
-          </a:p>
-        </p:txBody>
-      </p:sp>
-      <p:sp>
-        <p:nvSpPr>
-          <p:cNvPr id="6" name="Segnaposto numero diapositiva 5">
-            <a:extLst>
-              <a:ext uri="{FF2B5EF4-FFF2-40B4-BE49-F238E27FC236}">
-                <a16:creationId xmlns:a16="http://schemas.microsoft.com/office/drawing/2014/main" id="{E95F71F3-A2F2-14D4-0843-C13BA4BEB577}"/>
-              </a:ext>
-            </a:extLst>
-          </p:cNvPr>
-          <p:cNvSpPr>
-            <a:spLocks noGrp="1"/>
-          </p:cNvSpPr>
-          <p:nvPr>
-            <p:ph type="sldNum" sz="quarter" idx="4"/>
-          </p:nvPr>
-        </p:nvSpPr>
-        <p:spPr>
-          <a:xfrm>
-            <a:off x="8610600" y="6356350"/>
-            <a:ext cx="2743200" cy="365125"/>
-          </a:xfrm>
-          <a:prstGeom prst="rect">
-            <a:avLst/>
-          </a:prstGeom>
-        </p:spPr>
-        <p:txBody>
-          <a:bodyPr vert="horz" lIns="91440" tIns="45720" rIns="91440" bIns="45720" rtlCol="0" anchor="ctr"/>
-          <a:lstStyle>
-            <a:lvl1pPr algn="r">
-              <a:defRPr sz="1200">
-                <a:solidFill>
-                  <a:schemeClr val="tx1">
-                    <a:tint val="75000"/>
-                  </a:schemeClr>
-                </a:solidFill>
-              </a:defRPr>
-            </a:lvl1pPr>
-          </a:lstStyle>
-          <a:p>
-            <a:fld id="{D5960013-E842-424F-A943-58D928E9A684}" type="slidenum">
-              <a:rPr lang="it-IT" smtClean="0"/>
-              <a:t>‹N›</a:t>
-            </a:fld>
-            <a:endParaRPr lang="it-IT"/>
-          </a:p>
-        </p:txBody>
-      </p:sp>
-    </p:spTree>
-    <p:extLst>
-      <p:ext uri="{BB962C8B-B14F-4D97-AF65-F5344CB8AC3E}">
-        <p14:creationId xmlns:p14="http://schemas.microsoft.com/office/powerpoint/2010/main" val="479760808"/>
-      </p:ext>
-    </p:extLst>
-  </p:cSld>
-  <p:clrMap bg1="lt1" tx1="dk1" bg2="lt2" tx2="dk2" accent1="accent1" accent2="accent2" accent3="accent3" accent4="accent4" accent5="accent5" accent6="accent6" hlink="hlink" folHlink="folHlink"/>
-  <p:sldLayoutIdLst>
-    <p:sldLayoutId id="2147483649" r:id="rId1"/>
-    <p:sldLayoutId id="2147483650" r:id="rId2"/>
-    <p:sldLayoutId id="2147483651" r:id="rId3"/>
-    <p:sldLayoutId id="2147483652" r:id="rId4"/>
-    <p:sldLayoutId id="2147483653" r:id="rId5"/>
-    <p:sldLayoutId id="2147483654" r:id="rId6"/>
-    <p:sldLayoutId id="2147483655" r:id="rId7"/>
-    <p:sldLayoutId id="2147483656" r:id="rId8"/>
-    <p:sldLayoutId id="2147483657" r:id="rId9"/>
-    <p:sldLayoutId id="2147483658" r:id="rId10"/>
-    <p:sldLayoutId id="2147483659" r:id="rId11"/>
-  </p:sldLayoutIdLst>
-  <p:txStyles>
-    <p:titleStyle>
-      <a:lvl1pPr algn="l" defTabSz="914400" rtl="0" eaLnBrk="1" latinLnBrk="0" hangingPunct="1">
-        <a:lnSpc>
-          <a:spcPct val="90000"/>
-        </a:lnSpc>
-        <a:spcBef>
-          <a:spcPct val="0"/>
-        </a:spcBef>
-        <a:buNone/>
-        <a:defRPr sz="4400" kern="1200">
-          <a:solidFill>
-            <a:schemeClr val="tx1"/>
-          </a:solidFill>
-          <a:latin typeface="+mj-lt"/>
-          <a:ea typeface="+mj-ea"/>
-          <a:cs typeface="+mj-cs"/>
-        </a:defRPr>
-      </a:lvl1pPr>
-    </p:titleStyle>
-    <p:bodyStyle>
-      <a:lvl1pPr marL="228600" indent="-228600" algn="l" defTabSz="914400" rtl="0" eaLnBrk="1" latinLnBrk="0" hangingPunct="1">
-        <a:lnSpc>
-          <a:spcPct val="90000"/>
-        </a:lnSpc>
-        <a:spcBef>
-          <a:spcPts val="1000"/>
-        </a:spcBef>
-        <a:buFont typeface="Arial" panose="020B0604020202020204" pitchFamily="34" charset="0"/>
-        <a:buChar char="•"/>
-        <a:defRPr sz="2800" kern="1200">
-          <a:solidFill>
-            <a:schemeClr val="tx1"/>
-          </a:solidFill>
-          <a:latin typeface="+mn-lt"/>
-          <a:ea typeface="+mn-ea"/>
-          <a:cs typeface="+mn-cs"/>
-        </a:defRPr>
-      </a:lvl1pPr>
-      <a:lvl2pPr marL="685800" indent="-228600" algn="l" defTabSz="914400" rtl="0" eaLnBrk="1" latinLnBrk="0" hangingPunct="1">
-        <a:lnSpc>
-          <a:spcPct val="90000"/>
-        </a:lnSpc>
-        <a:spcBef>
-          <a:spcPts val="500"/>
-        </a:spcBef>
-        <a:buFont typeface="Arial" panose="020B0604020202020204" pitchFamily="34" charset="0"/>
-        <a:buChar char="•"/>
-        <a:defRPr sz="2400" kern="1200">
-          <a:solidFill>
-            <a:schemeClr val="tx1"/>
-          </a:solidFill>
-          <a:latin typeface="+mn-lt"/>
-          <a:ea typeface="+mn-ea"/>
-          <a:cs typeface="+mn-cs"/>
-        </a:defRPr>
-      </a:lvl2pPr>
-      <a:lvl3pPr marL="1143000" indent="-228600" algn="l" defTabSz="914400" rtl="0" eaLnBrk="1" latinLnBrk="0" hangingPunct="1">
-        <a:lnSpc>
-          <a:spcPct val="90000"/>
-        </a:lnSpc>
-        <a:spcBef>
-          <a:spcPts val="500"/>
-        </a:spcBef>
-        <a:buFont typeface="Arial" panose="020B0604020202020204" pitchFamily="34" charset="0"/>
-        <a:buChar char="•"/>
-        <a:defRPr sz="2000" kern="1200">
-          <a:solidFill>
-            <a:schemeClr val="tx1"/>
-          </a:solidFill>
-          <a:latin typeface="+mn-lt"/>
-          <a:ea typeface="+mn-ea"/>
-          <a:cs typeface="+mn-cs"/>
-        </a:defRPr>
-      </a:lvl3pPr>
-      <a:lvl4pPr marL="1600200" indent="-228600" algn="l" defTabSz="914400" rtl="0" eaLnBrk="1" latinLnBrk="0" hangingPunct="1">
-        <a:lnSpc>
-          <a:spcPct val="90000"/>
-        </a:lnSpc>
-        <a:spcBef>
-          <a:spcPts val="500"/>
-        </a:spcBef>
-        <a:buFont typeface="Arial" panose="020B0604020202020204" pitchFamily="34" charset="0"/>
-        <a:buChar char="•"/>
-        <a:defRPr sz="1800" kern="1200">
-          <a:solidFill>
-            <a:schemeClr val="tx1"/>
-          </a:solidFill>
-          <a:latin typeface="+mn-lt"/>
-          <a:ea typeface="+mn-ea"/>
-          <a:cs typeface="+mn-cs"/>
-        </a:defRPr>
-      </a:lvl4pPr>
-      <a:lvl5pPr marL="2057400" indent="-228600" algn="l" defTabSz="914400" rtl="0" eaLnBrk="1" latinLnBrk="0" hangingPunct="1">
-        <a:lnSpc>
-          <a:spcPct val="90000"/>
-        </a:lnSpc>
-        <a:spcBef>
-          <a:spcPts val="500"/>
-        </a:spcBef>
-        <a:buFont typeface="Arial" panose="020B0604020202020204" pitchFamily="34" charset="0"/>
-        <a:buChar char="•"/>
-        <a:defRPr sz="1800" kern="1200">
-          <a:solidFill>
-            <a:schemeClr val="tx1"/>
-          </a:solidFill>
-          <a:latin typeface="+mn-lt"/>
-          <a:ea typeface="+mn-ea"/>
-          <a:cs typeface="+mn-cs"/>
-        </a:defRPr>
-      </a:lvl5pPr>
-      <a:lvl6pPr marL="2514600" indent="-228600" algn="l" defTabSz="914400" rtl="0" eaLnBrk="1" latinLnBrk="0" hangingPunct="1">
-        <a:lnSpc>
-          <a:spcPct val="90000"/>
-        </a:lnSpc>
-        <a:spcBef>
-          <a:spcPts val="500"/>
-        </a:spcBef>
-        <a:buFont typeface="Arial" panose="020B0604020202020204" pitchFamily="34" charset="0"/>
-        <a:buChar char="•"/>
-        <a:defRPr sz="1800" kern="1200">
-          <a:solidFill>
-            <a:schemeClr val="tx1"/>
-          </a:solidFill>
-          <a:latin typeface="+mn-lt"/>
-          <a:ea typeface="+mn-ea"/>
-          <a:cs typeface="+mn-cs"/>
-        </a:defRPr>
-      </a:lvl6pPr>
-      <a:lvl7pPr marL="2971800" indent="-228600" algn="l" defTabSz="914400" rtl="0" eaLnBrk="1" latinLnBrk="0" hangingPunct="1">
-        <a:lnSpc>
-          <a:spcPct val="90000"/>
-        </a:lnSpc>
-        <a:spcBef>
-          <a:spcPts val="500"/>
-        </a:spcBef>
-        <a:buFont typeface="Arial" panose="020B0604020202020204" pitchFamily="34" charset="0"/>
-        <a:buChar char="•"/>
-        <a:defRPr sz="1800" kern="1200">
-          <a:solidFill>
-            <a:schemeClr val="tx1"/>
-          </a:solidFill>
-          <a:latin typeface="+mn-lt"/>
-          <a:ea typeface="+mn-ea"/>
-          <a:cs typeface="+mn-cs"/>
-        </a:defRPr>
-      </a:lvl7pPr>
-      <a:lvl8pPr marL="3429000" indent="-228600" algn="l" defTabSz="914400" rtl="0" eaLnBrk="1" latinLnBrk="0" hangingPunct="1">
-        <a:lnSpc>
-          <a:spcPct val="90000"/>
-        </a:lnSpc>
-        <a:spcBef>
-          <a:spcPts val="500"/>
-        </a:spcBef>
-        <a:buFont typeface="Arial" panose="020B0604020202020204" pitchFamily="34" charset="0"/>
-        <a:buChar char="•"/>
-        <a:defRPr sz="1800" kern="1200">
-          <a:solidFill>
-            <a:schemeClr val="tx1"/>
-          </a:solidFill>
-          <a:latin typeface="+mn-lt"/>
-          <a:ea typeface="+mn-ea"/>
-          <a:cs typeface="+mn-cs"/>
-        </a:defRPr>
-      </a:lvl8pPr>
-      <a:lvl9pPr marL="3886200" indent="-228600" algn="l" defTabSz="914400" rtl="0" eaLnBrk="1" latinLnBrk="0" hangingPunct="1">
-        <a:lnSpc>
-          <a:spcPct val="90000"/>
-        </a:lnSpc>
-        <a:spcBef>
-          <a:spcPts val="500"/>
-        </a:spcBef>
-        <a:buFont typeface="Arial" panose="020B0604020202020204" pitchFamily="34" charset="0"/>
-        <a:buChar char="•"/>
-        <a:defRPr sz="1800" kern="1200">
-          <a:solidFill>
-            <a:schemeClr val="tx1"/>
-          </a:solidFill>
-          <a:latin typeface="+mn-lt"/>
-          <a:ea typeface="+mn-ea"/>
-          <a:cs typeface="+mn-cs"/>
-        </a:defRPr>
-      </a:lvl9pPr>
-    </p:bodyStyle>
-    <p:otherStyle>
-      <a:defPPr>
-        <a:defRPr lang="it-IT"/>
-      </a:defPPr>
-      <a:lvl1pPr marL="0" algn="l" defTabSz="914400" rtl="0" eaLnBrk="1" latinLnBrk="0" hangingPunct="1">
-        <a:defRPr sz="1800" kern="1200">
-          <a:solidFill>
-            <a:schemeClr val="tx1"/>
-          </a:solidFill>
-          <a:latin typeface="+mn-lt"/>
-          <a:ea typeface="+mn-ea"/>
-          <a:cs typeface="+mn-cs"/>
-        </a:defRPr>
-      </a:lvl1pPr>
-      <a:lvl2pPr marL="457200" algn="l" defTabSz="914400" rtl="0" eaLnBrk="1" latinLnBrk="0" hangingPunct="1">
-        <a:defRPr sz="1800" kern="1200">
-          <a:solidFill>
-            <a:schemeClr val="tx1"/>
-          </a:solidFill>
-          <a:latin typeface="+mn-lt"/>
-          <a:ea typeface="+mn-ea"/>
-          <a:cs typeface="+mn-cs"/>
-        </a:defRPr>
-      </a:lvl2pPr>
-      <a:lvl3pPr marL="914400" algn="l" defTabSz="914400" rtl="0" eaLnBrk="1" latinLnBrk="0" hangingPunct="1">
-        <a:defRPr sz="1800" kern="1200">
-          <a:solidFill>
-            <a:schemeClr val="tx1"/>
-          </a:solidFill>
-          <a:latin typeface="+mn-lt"/>
-          <a:ea typeface="+mn-ea"/>
-          <a:cs typeface="+mn-cs"/>
-        </a:defRPr>
-      </a:lvl3pPr>
-      <a:lvl4pPr marL="1371600" algn="l" defTabSz="914400" rtl="0" eaLnBrk="1" latinLnBrk="0" hangingPunct="1">
-        <a:defRPr sz="1800" kern="1200">
-          <a:solidFill>
-            <a:schemeClr val="tx1"/>
-          </a:solidFill>
-          <a:latin typeface="+mn-lt"/>
-          <a:ea typeface="+mn-ea"/>
-          <a:cs typeface="+mn-cs"/>
-        </a:defRPr>
-      </a:lvl4pPr>
-      <a:lvl5pPr marL="1828800" algn="l" defTabSz="914400" rtl="0" eaLnBrk="1" latinLnBrk="0" hangingPunct="1">
-        <a:defRPr sz="1800" kern="1200">
-          <a:solidFill>
-            <a:schemeClr val="tx1"/>
-          </a:solidFill>
-          <a:latin typeface="+mn-lt"/>
-          <a:ea typeface="+mn-ea"/>
-          <a:cs typeface="+mn-cs"/>
-        </a:defRPr>
-      </a:lvl5pPr>
-      <a:lvl6pPr marL="2286000" algn="l" defTabSz="914400" rtl="0" eaLnBrk="1" latinLnBrk="0" hangingPunct="1">
-        <a:defRPr sz="1800" kern="1200">
-          <a:solidFill>
-            <a:schemeClr val="tx1"/>
-          </a:solidFill>
-          <a:latin typeface="+mn-lt"/>
-          <a:ea typeface="+mn-ea"/>
-          <a:cs typeface="+mn-cs"/>
-        </a:defRPr>
-      </a:lvl6pPr>
-      <a:lvl7pPr marL="2743200" algn="l" defTabSz="914400" rtl="0" eaLnBrk="1" latinLnBrk="0" hangingPunct="1">
-        <a:defRPr sz="1800" kern="1200">
-          <a:solidFill>
-            <a:schemeClr val="tx1"/>
-          </a:solidFill>
-          <a:latin typeface="+mn-lt"/>
-          <a:ea typeface="+mn-ea"/>
-          <a:cs typeface="+mn-cs"/>
-        </a:defRPr>
-      </a:lvl7pPr>
-      <a:lvl8pPr marL="3200400" algn="l" defTabSz="914400" rtl="0" eaLnBrk="1" latinLnBrk="0" hangingPunct="1">
-        <a:defRPr sz="1800" kern="1200">
-          <a:solidFill>
-            <a:schemeClr val="tx1"/>
-          </a:solidFill>
-          <a:latin typeface="+mn-lt"/>
-          <a:ea typeface="+mn-ea"/>
-          <a:cs typeface="+mn-cs"/>
-        </a:defRPr>
-      </a:lvl8pPr>
-      <a:lvl9pPr marL="3657600" algn="l" defTabSz="914400" rtl="0" eaLnBrk="1" latinLnBrk="0" hangingPunct="1">
-        <a:defRPr sz="1800" kern="1200">
-          <a:solidFill>
-            <a:schemeClr val="tx1"/>
-          </a:solidFill>
-          <a:latin typeface="+mn-lt"/>
-          <a:ea typeface="+mn-ea"/>
-          <a:cs typeface="+mn-cs"/>
-        </a:defRPr>
-      </a:lvl9pPr>
-    </p:otherStyle>
-  </p:txStyles>
-</p:sldMaster>
-</file>
-
-<file path=ppt/slides/slide1.xml><?xml version="1.0" encoding="utf-8"?>
-<p:sld xmlns:a="http://schemas.openxmlformats.org/drawingml/2006/main" xmlns:r="http://schemas.openxmlformats.org/officeDocument/2006/relationships" xmlns:p="http://schemas.openxmlformats.org/presentationml/2006/main">
-  <p:cSld>
-    <p:spTree>
-      <p:nvGrpSpPr>
-        <p:cNvPr id="1" name=""/>
-        <p:cNvGrpSpPr/>
-        <p:nvPr/>
-      </p:nvGrpSpPr>
-      <p:grpSpPr>
-        <a:xfrm>
-          <a:off x="0" y="0"/>
-          <a:ext cx="0" cy="0"/>
-          <a:chOff x="0" y="0"/>
-          <a:chExt cx="0" cy="0"/>
-        </a:xfrm>
-      </p:grpSpPr>
-      <p:pic>
-        <p:nvPicPr>
-          <p:cNvPr id="9" name="Immagine 8">
-            <a:extLst>
-              <a:ext uri="{FF2B5EF4-FFF2-40B4-BE49-F238E27FC236}">
-                <a16:creationId xmlns:a16="http://schemas.microsoft.com/office/drawing/2014/main" id="{8E8BE686-0E79-14FD-AEFC-ACF36FB6C347}"/>
+                <a16:creationId xmlns:a16="http://schemas.microsoft.com/office/drawing/2014/main" id="{05FD73E7-377D-51F2-9124-68C30A9FF586}"/>
               </a:ext>
             </a:extLst>
           </p:cNvPr>
@@ -3344,14 +2994,20 @@
           <p:nvPr/>
         </p:nvPicPr>
         <p:blipFill rotWithShape="1">
-          <a:blip r:embed="rId2"/>
-          <a:srcRect l="25583" t="21037" r="41000" b="6815"/>
+          <a:blip r:embed="rId2">
+            <a:extLst>
+              <a:ext uri="{28A0092B-C50C-407E-A947-70E740481C1C}">
+                <a14:useLocalDpi xmlns:a14="http://schemas.microsoft.com/office/drawing/2010/main" val="0"/>
+              </a:ext>
+            </a:extLst>
+          </a:blip>
+          <a:srcRect l="6774" r="8339"/>
           <a:stretch/>
         </p:blipFill>
         <p:spPr>
           <a:xfrm>
-            <a:off x="574897" y="487477"/>
-            <a:ext cx="4844150" cy="5883045"/>
+            <a:off x="-1" y="-1"/>
+            <a:ext cx="7199314" cy="5590709"/>
           </a:xfrm>
           <a:prstGeom prst="rect">
             <a:avLst/>
@@ -3360,10 +3016,10 @@
       </p:pic>
       <p:pic>
         <p:nvPicPr>
-          <p:cNvPr id="12" name="Immagine 11">
+          <p:cNvPr id="8" name="Immagine 7" descr="Immagine che contiene testo, diagramma, linea, Diagramma&#10;&#10;Descrizione generata automaticamente">
             <a:extLst>
               <a:ext uri="{FF2B5EF4-FFF2-40B4-BE49-F238E27FC236}">
-                <a16:creationId xmlns:a16="http://schemas.microsoft.com/office/drawing/2014/main" id="{AC43D727-2204-FFCE-C264-F01BC13A147B}"/>
+                <a16:creationId xmlns:a16="http://schemas.microsoft.com/office/drawing/2014/main" id="{949F8968-DB4C-9B51-E1B1-D1B311C89D9F}"/>
               </a:ext>
             </a:extLst>
           </p:cNvPr>
@@ -3373,14 +3029,20 @@
           <p:nvPr/>
         </p:nvPicPr>
         <p:blipFill rotWithShape="1">
-          <a:blip r:embed="rId3"/>
-          <a:srcRect l="26166" t="21630" r="39917" b="7259"/>
+          <a:blip r:embed="rId3">
+            <a:extLst>
+              <a:ext uri="{28A0092B-C50C-407E-A947-70E740481C1C}">
+                <a14:useLocalDpi xmlns:a14="http://schemas.microsoft.com/office/drawing/2010/main" val="0"/>
+              </a:ext>
+            </a:extLst>
+          </a:blip>
+          <a:srcRect l="6563" r="9398"/>
           <a:stretch/>
         </p:blipFill>
         <p:spPr>
           <a:xfrm>
-            <a:off x="6628771" y="487476"/>
-            <a:ext cx="4988332" cy="5883045"/>
+            <a:off x="0" y="5590708"/>
+            <a:ext cx="7199313" cy="5717372"/>
           </a:xfrm>
           <a:prstGeom prst="rect">
             <a:avLst/>
@@ -3389,10 +3051,10 @@
       </p:pic>
       <p:sp>
         <p:nvSpPr>
-          <p:cNvPr id="14" name="Freccia in giù 13">
+          <p:cNvPr id="12" name="Rettangolo con angoli arrotondati 11">
             <a:extLst>
               <a:ext uri="{FF2B5EF4-FFF2-40B4-BE49-F238E27FC236}">
-                <a16:creationId xmlns:a16="http://schemas.microsoft.com/office/drawing/2014/main" id="{168508C1-16C8-27C9-D166-F028C3F6D133}"/>
+                <a16:creationId xmlns:a16="http://schemas.microsoft.com/office/drawing/2014/main" id="{F23AF813-4F3C-BCBA-1B51-257C7A13C785}"/>
               </a:ext>
             </a:extLst>
           </p:cNvPr>
@@ -3400,30 +3062,21 @@
           <p:nvPr/>
         </p:nvSpPr>
         <p:spPr>
-          <a:xfrm rot="16200000">
-            <a:off x="5652881" y="2824136"/>
-            <a:ext cx="742056" cy="1209724"/>
+          <a:xfrm>
+            <a:off x="126705" y="58056"/>
+            <a:ext cx="474330" cy="487680"/>
           </a:xfrm>
-          <a:prstGeom prst="downArrow">
-            <a:avLst/>
+          <a:prstGeom prst="roundRect">
+            <a:avLst>
+              <a:gd name="adj" fmla="val 22727"/>
+            </a:avLst>
           </a:prstGeom>
           <a:solidFill>
-            <a:schemeClr val="bg1">
-              <a:lumMod val="75000"/>
+            <a:schemeClr val="accent4">
+              <a:lumMod val="60000"/>
+              <a:lumOff val="40000"/>
             </a:schemeClr>
           </a:solidFill>
-          <a:ln>
-            <a:solidFill>
-              <a:schemeClr val="tx1"/>
-            </a:solidFill>
-          </a:ln>
-          <a:effectLst>
-            <a:innerShdw blurRad="63500" dist="50800" dir="18900000">
-              <a:prstClr val="black">
-                <a:alpha val="50000"/>
-              </a:prstClr>
-            </a:innerShdw>
-          </a:effectLst>
         </p:spPr>
         <p:style>
           <a:lnRef idx="2">
@@ -3446,16 +3099,23 @@
           <a:lstStyle/>
           <a:p>
             <a:pPr algn="ctr"/>
-            <a:endParaRPr lang="it-IT"/>
-          </a:p>
-        </p:txBody>
-      </p:sp>
-      <p:sp>
-        <p:nvSpPr>
-          <p:cNvPr id="16" name="Rettangolo con angoli arrotondati 15">
+            <a:r>
+              <a:rPr lang="it-IT" sz="4200" dirty="0">
+                <a:solidFill>
+                  <a:schemeClr val="tx1"/>
+                </a:solidFill>
+              </a:rPr>
+              <a:t>a</a:t>
+            </a:r>
+          </a:p>
+        </p:txBody>
+      </p:sp>
+      <p:sp>
+        <p:nvSpPr>
+          <p:cNvPr id="4" name="Rettangolo con angoli arrotondati 3">
             <a:extLst>
               <a:ext uri="{FF2B5EF4-FFF2-40B4-BE49-F238E27FC236}">
-                <a16:creationId xmlns:a16="http://schemas.microsoft.com/office/drawing/2014/main" id="{C08F38A3-06E2-1E7C-7629-6351A06B485B}"/>
+                <a16:creationId xmlns:a16="http://schemas.microsoft.com/office/drawing/2014/main" id="{34071F95-B2B8-9FD3-3974-5AD0D8B6788C}"/>
               </a:ext>
             </a:extLst>
           </p:cNvPr>
@@ -3464,20 +3124,20 @@
         </p:nvSpPr>
         <p:spPr>
           <a:xfrm>
-            <a:off x="719091" y="674703"/>
-            <a:ext cx="390618" cy="372862"/>
+            <a:off x="126705" y="5590708"/>
+            <a:ext cx="474330" cy="487680"/>
           </a:xfrm>
           <a:prstGeom prst="roundRect">
-            <a:avLst/>
+            <a:avLst>
+              <a:gd name="adj" fmla="val 22727"/>
+            </a:avLst>
           </a:prstGeom>
           <a:solidFill>
-            <a:srgbClr val="FFC000"/>
+            <a:schemeClr val="accent4">
+              <a:lumMod val="60000"/>
+              <a:lumOff val="40000"/>
+            </a:schemeClr>
           </a:solidFill>
-          <a:ln>
-            <a:solidFill>
-              <a:schemeClr val="tx1"/>
-            </a:solidFill>
-          </a:ln>
         </p:spPr>
         <p:style>
           <a:lnRef idx="2">
@@ -3501,68 +3161,7 @@
           <a:p>
             <a:pPr algn="ctr"/>
             <a:r>
-              <a:rPr lang="it-IT" dirty="0">
-                <a:solidFill>
-                  <a:schemeClr val="tx1"/>
-                </a:solidFill>
-              </a:rPr>
-              <a:t>a</a:t>
-            </a:r>
-          </a:p>
-        </p:txBody>
-      </p:sp>
-      <p:sp>
-        <p:nvSpPr>
-          <p:cNvPr id="17" name="Rettangolo con angoli arrotondati 16">
-            <a:extLst>
-              <a:ext uri="{FF2B5EF4-FFF2-40B4-BE49-F238E27FC236}">
-                <a16:creationId xmlns:a16="http://schemas.microsoft.com/office/drawing/2014/main" id="{EA251D4C-0BCE-DFC8-8397-E973B483F725}"/>
-              </a:ext>
-            </a:extLst>
-          </p:cNvPr>
-          <p:cNvSpPr/>
-          <p:nvPr/>
-        </p:nvSpPr>
-        <p:spPr>
-          <a:xfrm>
-            <a:off x="6911589" y="608915"/>
-            <a:ext cx="390618" cy="372862"/>
-          </a:xfrm>
-          <a:prstGeom prst="roundRect">
-            <a:avLst/>
-          </a:prstGeom>
-          <a:solidFill>
-            <a:srgbClr val="FFC000"/>
-          </a:solidFill>
-          <a:ln>
-            <a:solidFill>
-              <a:schemeClr val="tx1"/>
-            </a:solidFill>
-          </a:ln>
-        </p:spPr>
-        <p:style>
-          <a:lnRef idx="2">
-            <a:schemeClr val="accent1">
-              <a:shade val="50000"/>
-            </a:schemeClr>
-          </a:lnRef>
-          <a:fillRef idx="1">
-            <a:schemeClr val="accent1"/>
-          </a:fillRef>
-          <a:effectRef idx="0">
-            <a:schemeClr val="accent1"/>
-          </a:effectRef>
-          <a:fontRef idx="minor">
-            <a:schemeClr val="lt1"/>
-          </a:fontRef>
-        </p:style>
-        <p:txBody>
-          <a:bodyPr rtlCol="0" anchor="ctr"/>
-          <a:lstStyle/>
-          <a:p>
-            <a:pPr algn="ctr"/>
-            <a:r>
-              <a:rPr lang="it-IT" dirty="0">
+              <a:rPr lang="it-IT" sz="4200" dirty="0">
                 <a:solidFill>
                   <a:schemeClr val="tx1"/>
                 </a:solidFill>
@@ -3575,7 +3174,7 @@
     </p:spTree>
     <p:extLst>
       <p:ext uri="{BB962C8B-B14F-4D97-AF65-F5344CB8AC3E}">
-        <p14:creationId xmlns:p14="http://schemas.microsoft.com/office/powerpoint/2010/main" val="29811669"/>
+        <p14:creationId xmlns:p14="http://schemas.microsoft.com/office/powerpoint/2010/main" val="3761420501"/>
       </p:ext>
     </p:extLst>
   </p:cSld>
@@ -3588,7 +3187,7 @@
 <file path=ppt/theme/theme1.xml><?xml version="1.0" encoding="utf-8"?>
 <a:theme xmlns:a="http://schemas.openxmlformats.org/drawingml/2006/main" name="Tema di Office">
   <a:themeElements>
-    <a:clrScheme name="Office">
+    <a:clrScheme name="Tema di Office">
       <a:dk1>
         <a:sysClr val="windowText" lastClr="000000"/>
       </a:dk1>
@@ -3626,7 +3225,7 @@
         <a:srgbClr val="954F72"/>
       </a:folHlink>
     </a:clrScheme>
-    <a:fontScheme name="Office">
+    <a:fontScheme name="Tema di Office">
       <a:majorFont>
         <a:latin typeface="Calibri Light" panose="020F0302020204030204"/>
         <a:ea typeface=""/>
@@ -3661,23 +3260,6 @@
         <a:font script="Viet" typeface="Times New Roman"/>
         <a:font script="Uigh" typeface="Microsoft Uighur"/>
         <a:font script="Geor" typeface="Sylfaen"/>
-        <a:font script="Armn" typeface="Arial"/>
-        <a:font script="Bugi" typeface="Leelawadee UI"/>
-        <a:font script="Bopo" typeface="Microsoft JhengHei"/>
-        <a:font script="Java" typeface="Javanese Text"/>
-        <a:font script="Lisu" typeface="Segoe UI"/>
-        <a:font script="Mymr" typeface="Myanmar Text"/>
-        <a:font script="Nkoo" typeface="Ebrima"/>
-        <a:font script="Olck" typeface="Nirmala UI"/>
-        <a:font script="Osma" typeface="Ebrima"/>
-        <a:font script="Phag" typeface="Phagspa"/>
-        <a:font script="Syrn" typeface="Estrangelo Edessa"/>
-        <a:font script="Syrj" typeface="Estrangelo Edessa"/>
-        <a:font script="Syre" typeface="Estrangelo Edessa"/>
-        <a:font script="Sora" typeface="Nirmala UI"/>
-        <a:font script="Tale" typeface="Microsoft Tai Le"/>
-        <a:font script="Talu" typeface="Microsoft New Tai Lue"/>
-        <a:font script="Tfng" typeface="Ebrima"/>
       </a:majorFont>
       <a:minorFont>
         <a:latin typeface="Calibri" panose="020F0502020204030204"/>
@@ -3713,26 +3295,9 @@
         <a:font script="Viet" typeface="Arial"/>
         <a:font script="Uigh" typeface="Microsoft Uighur"/>
         <a:font script="Geor" typeface="Sylfaen"/>
-        <a:font script="Armn" typeface="Arial"/>
-        <a:font script="Bugi" typeface="Leelawadee UI"/>
-        <a:font script="Bopo" typeface="Microsoft JhengHei"/>
-        <a:font script="Java" typeface="Javanese Text"/>
-        <a:font script="Lisu" typeface="Segoe UI"/>
-        <a:font script="Mymr" typeface="Myanmar Text"/>
-        <a:font script="Nkoo" typeface="Ebrima"/>
-        <a:font script="Olck" typeface="Nirmala UI"/>
-        <a:font script="Osma" typeface="Ebrima"/>
-        <a:font script="Phag" typeface="Phagspa"/>
-        <a:font script="Syrn" typeface="Estrangelo Edessa"/>
-        <a:font script="Syrj" typeface="Estrangelo Edessa"/>
-        <a:font script="Syre" typeface="Estrangelo Edessa"/>
-        <a:font script="Sora" typeface="Nirmala UI"/>
-        <a:font script="Tale" typeface="Microsoft Tai Le"/>
-        <a:font script="Talu" typeface="Microsoft New Tai Lue"/>
-        <a:font script="Tfng" typeface="Ebrima"/>
       </a:minorFont>
     </a:fontScheme>
-    <a:fmtScheme name="Office">
+    <a:fmtScheme name="Tema di Office">
       <a:fillStyleLst>
         <a:solidFill>
           <a:schemeClr val="phClr"/>
@@ -3874,197 +3439,8 @@
   <a:extraClrSchemeLst/>
   <a:extLst>
     <a:ext uri="{05A4C25C-085E-4340-85A3-A5531E510DB2}">
-      <thm15:themeFamily xmlns:thm15="http://schemas.microsoft.com/office/thememl/2012/main" name="Office Theme" id="{62F939B6-93AF-4DB8-9C6B-D6C7DFDC589F}" vid="{4A3C46E8-61CC-4603-A589-7422A47A8E4A}"/>
+      <thm15:themeFamily xmlns:thm15="http://schemas.microsoft.com/office/thememl/2012/main" name="Office Theme 2013 - 2022" id="{62F939B6-93AF-4DB8-9C6B-D6C7DFDC589F}" vid="{4A3C46E8-61CC-4603-A589-7422A47A8E4A}"/>
     </a:ext>
   </a:extLst>
 </a:theme>
-</file>
-
-<file path=customXml/item1.xml><?xml version="1.0" encoding="utf-8"?>
-<p:properties xmlns:p="http://schemas.microsoft.com/office/2006/metadata/properties" xmlns:xsi="http://www.w3.org/2001/XMLSchema-instance" xmlns:pc="http://schemas.microsoft.com/office/infopath/2007/PartnerControls">
-  <documentManagement/>
-</p:properties>
-</file>
-
-<file path=customXml/item2.xml><?xml version="1.0" encoding="utf-8"?>
-<ct:contentTypeSchema xmlns:ct="http://schemas.microsoft.com/office/2006/metadata/contentType" xmlns:ma="http://schemas.microsoft.com/office/2006/metadata/properties/metaAttributes" ct:_="" ma:_="" ma:contentTypeName="Documento" ma:contentTypeID="0x010100F85318A7CBD6F147BFB0D71BC496FB83" ma:contentTypeVersion="2" ma:contentTypeDescription="Creare un nuovo documento." ma:contentTypeScope="" ma:versionID="607ff87decb6b1233dff704e6efd7bcc">
-  <xsd:schema xmlns:xsd="http://www.w3.org/2001/XMLSchema" xmlns:xs="http://www.w3.org/2001/XMLSchema" xmlns:p="http://schemas.microsoft.com/office/2006/metadata/properties" xmlns:ns3="edfce47a-b68d-423b-b051-eec80be2c8f5" targetNamespace="http://schemas.microsoft.com/office/2006/metadata/properties" ma:root="true" ma:fieldsID="1260e0b32ddcee4d00eb464bbac67675" ns3:_="">
-    <xsd:import namespace="edfce47a-b68d-423b-b051-eec80be2c8f5"/>
-    <xsd:element name="properties">
-      <xsd:complexType>
-        <xsd:sequence>
-          <xsd:element name="documentManagement">
-            <xsd:complexType>
-              <xsd:all>
-                <xsd:element ref="ns3:MediaServiceMetadata" minOccurs="0"/>
-                <xsd:element ref="ns3:MediaServiceFastMetadata" minOccurs="0"/>
-              </xsd:all>
-            </xsd:complexType>
-          </xsd:element>
-        </xsd:sequence>
-      </xsd:complexType>
-    </xsd:element>
-  </xsd:schema>
-  <xsd:schema xmlns:xsd="http://www.w3.org/2001/XMLSchema" xmlns:xs="http://www.w3.org/2001/XMLSchema" xmlns:dms="http://schemas.microsoft.com/office/2006/documentManagement/types" xmlns:pc="http://schemas.microsoft.com/office/infopath/2007/PartnerControls" targetNamespace="edfce47a-b68d-423b-b051-eec80be2c8f5" elementFormDefault="qualified">
-    <xsd:import namespace="http://schemas.microsoft.com/office/2006/documentManagement/types"/>
-    <xsd:import namespace="http://schemas.microsoft.com/office/infopath/2007/PartnerControls"/>
-    <xsd:element name="MediaServiceMetadata" ma:index="8" nillable="true" ma:displayName="MediaServiceMetadata" ma:hidden="true" ma:internalName="MediaServiceMetadata" ma:readOnly="true">
-      <xsd:simpleType>
-        <xsd:restriction base="dms:Note"/>
-      </xsd:simpleType>
-    </xsd:element>
-    <xsd:element name="MediaServiceFastMetadata" ma:index="9" nillable="true" ma:displayName="MediaServiceFastMetadata" ma:hidden="true" ma:internalName="MediaServiceFastMetadata" ma:readOnly="true">
-      <xsd:simpleType>
-        <xsd:restriction base="dms:Note"/>
-      </xsd:simpleType>
-    </xsd:element>
-  </xsd:schema>
-  <xsd:schema xmlns="http://schemas.openxmlformats.org/package/2006/metadata/core-properties" xmlns:xsd="http://www.w3.org/2001/XMLSchema" xmlns:xsi="http://www.w3.org/2001/XMLSchema-instance" xmlns:dc="http://purl.org/dc/elements/1.1/" xmlns:dcterms="http://purl.org/dc/terms/" xmlns:odoc="http://schemas.microsoft.com/internal/obd" targetNamespace="http://schemas.openxmlformats.org/package/2006/metadata/core-properties" elementFormDefault="qualified" attributeFormDefault="unqualified" blockDefault="#all">
-    <xsd:import namespace="http://purl.org/dc/elements/1.1/" schemaLocation="http://dublincore.org/schemas/xmls/qdc/2003/04/02/dc.xsd"/>
-    <xsd:import namespace="http://purl.org/dc/terms/" schemaLocation="http://dublincore.org/schemas/xmls/qdc/2003/04/02/dcterms.xsd"/>
-    <xsd:element name="coreProperties" type="CT_coreProperties"/>
-    <xsd:complexType name="CT_coreProperties">
-      <xsd:all>
-        <xsd:element ref="dc:creator" minOccurs="0" maxOccurs="1"/>
-        <xsd:element ref="dcterms:created" minOccurs="0" maxOccurs="1"/>
-        <xsd:element ref="dc:identifier" minOccurs="0" maxOccurs="1"/>
-        <xsd:element name="contentType" minOccurs="0" maxOccurs="1" type="xsd:string" ma:index="0" ma:displayName="Tipo di contenuto"/>
-        <xsd:element ref="dc:title" minOccurs="0" maxOccurs="1" ma:index="4" ma:displayName="Titolo"/>
-        <xsd:element ref="dc:subject" minOccurs="0" maxOccurs="1"/>
-        <xsd:element ref="dc:description" minOccurs="0" maxOccurs="1"/>
-        <xsd:element name="keywords" minOccurs="0" maxOccurs="1" type="xsd:string"/>
-        <xsd:element ref="dc:language" minOccurs="0" maxOccurs="1"/>
-        <xsd:element name="category" minOccurs="0" maxOccurs="1" type="xsd:string"/>
-        <xsd:element name="version" minOccurs="0" maxOccurs="1" type="xsd:string"/>
-        <xsd:element name="revision" minOccurs="0" maxOccurs="1" type="xsd:string">
-          <xsd:annotation>
-            <xsd:documentation>
-                        This value indicates the number of saves or revisions. The application is responsible for updating this value after each revision.
-                    </xsd:documentation>
-          </xsd:annotation>
-        </xsd:element>
-        <xsd:element name="lastModifiedBy" minOccurs="0" maxOccurs="1" type="xsd:string"/>
-        <xsd:element ref="dcterms:modified" minOccurs="0" maxOccurs="1"/>
-        <xsd:element name="contentStatus" minOccurs="0" maxOccurs="1" type="xsd:string"/>
-      </xsd:all>
-    </xsd:complexType>
-  </xsd:schema>
-  <xs:schema xmlns:pc="http://schemas.microsoft.com/office/infopath/2007/PartnerControls" xmlns:xs="http://www.w3.org/2001/XMLSchema" targetNamespace="http://schemas.microsoft.com/office/infopath/2007/PartnerControls" elementFormDefault="qualified" attributeFormDefault="unqualified">
-    <xs:element name="Person">
-      <xs:complexType>
-        <xs:sequence>
-          <xs:element ref="pc:DisplayName" minOccurs="0"/>
-          <xs:element ref="pc:AccountId" minOccurs="0"/>
-          <xs:element ref="pc:AccountType" minOccurs="0"/>
-        </xs:sequence>
-      </xs:complexType>
-    </xs:element>
-    <xs:element name="DisplayName" type="xs:string"/>
-    <xs:element name="AccountId" type="xs:string"/>
-    <xs:element name="AccountType" type="xs:string"/>
-    <xs:element name="BDCAssociatedEntity">
-      <xs:complexType>
-        <xs:sequence>
-          <xs:element ref="pc:BDCEntity" minOccurs="0" maxOccurs="unbounded"/>
-        </xs:sequence>
-        <xs:attribute ref="pc:EntityNamespace"/>
-        <xs:attribute ref="pc:EntityName"/>
-        <xs:attribute ref="pc:SystemInstanceName"/>
-        <xs:attribute ref="pc:AssociationName"/>
-      </xs:complexType>
-    </xs:element>
-    <xs:attribute name="EntityNamespace" type="xs:string"/>
-    <xs:attribute name="EntityName" type="xs:string"/>
-    <xs:attribute name="SystemInstanceName" type="xs:string"/>
-    <xs:attribute name="AssociationName" type="xs:string"/>
-    <xs:element name="BDCEntity">
-      <xs:complexType>
-        <xs:sequence>
-          <xs:element ref="pc:EntityDisplayName" minOccurs="0"/>
-          <xs:element ref="pc:EntityInstanceReference" minOccurs="0"/>
-          <xs:element ref="pc:EntityId1" minOccurs="0"/>
-          <xs:element ref="pc:EntityId2" minOccurs="0"/>
-          <xs:element ref="pc:EntityId3" minOccurs="0"/>
-          <xs:element ref="pc:EntityId4" minOccurs="0"/>
-          <xs:element ref="pc:EntityId5" minOccurs="0"/>
-        </xs:sequence>
-      </xs:complexType>
-    </xs:element>
-    <xs:element name="EntityDisplayName" type="xs:string"/>
-    <xs:element name="EntityInstanceReference" type="xs:string"/>
-    <xs:element name="EntityId1" type="xs:string"/>
-    <xs:element name="EntityId2" type="xs:string"/>
-    <xs:element name="EntityId3" type="xs:string"/>
-    <xs:element name="EntityId4" type="xs:string"/>
-    <xs:element name="EntityId5" type="xs:string"/>
-    <xs:element name="Terms">
-      <xs:complexType>
-        <xs:sequence>
-          <xs:element ref="pc:TermInfo" minOccurs="0" maxOccurs="unbounded"/>
-        </xs:sequence>
-      </xs:complexType>
-    </xs:element>
-    <xs:element name="TermInfo">
-      <xs:complexType>
-        <xs:sequence>
-          <xs:element ref="pc:TermName" minOccurs="0"/>
-          <xs:element ref="pc:TermId" minOccurs="0"/>
-        </xs:sequence>
-      </xs:complexType>
-    </xs:element>
-    <xs:element name="TermName" type="xs:string"/>
-    <xs:element name="TermId" type="xs:string"/>
-  </xs:schema>
-</ct:contentTypeSchema>
-</file>
-
-<file path=customXml/item3.xml><?xml version="1.0" encoding="utf-8"?>
-<?mso-contentType ?>
-<FormTemplates xmlns="http://schemas.microsoft.com/sharepoint/v3/contenttype/forms">
-  <Display>DocumentLibraryForm</Display>
-  <Edit>DocumentLibraryForm</Edit>
-  <New>DocumentLibraryForm</New>
-</FormTemplates>
-</file>
-
-<file path=customXml/itemProps1.xml><?xml version="1.0" encoding="utf-8"?>
-<ds:datastoreItem xmlns:ds="http://schemas.openxmlformats.org/officeDocument/2006/customXml" ds:itemID="{DBF836A3-1458-4151-8D24-93F6E9BE5EBA}">
-  <ds:schemaRefs>
-    <ds:schemaRef ds:uri="http://purl.org/dc/elements/1.1/"/>
-    <ds:schemaRef ds:uri="http://purl.org/dc/terms/"/>
-    <ds:schemaRef ds:uri="http://schemas.microsoft.com/office/2006/metadata/properties"/>
-    <ds:schemaRef ds:uri="http://schemas.microsoft.com/office/infopath/2007/PartnerControls"/>
-    <ds:schemaRef ds:uri="http://www.w3.org/XML/1998/namespace"/>
-    <ds:schemaRef ds:uri="http://schemas.microsoft.com/office/2006/documentManagement/types"/>
-    <ds:schemaRef ds:uri="http://schemas.openxmlformats.org/package/2006/metadata/core-properties"/>
-    <ds:schemaRef ds:uri="edfce47a-b68d-423b-b051-eec80be2c8f5"/>
-    <ds:schemaRef ds:uri="http://purl.org/dc/dcmitype/"/>
-  </ds:schemaRefs>
-</ds:datastoreItem>
-</file>
-
-<file path=customXml/itemProps2.xml><?xml version="1.0" encoding="utf-8"?>
-<ds:datastoreItem xmlns:ds="http://schemas.openxmlformats.org/officeDocument/2006/customXml" ds:itemID="{0AED1F90-DBCE-4206-8513-9B1B9FD0EE5D}">
-  <ds:schemaRefs>
-    <ds:schemaRef ds:uri="http://schemas.microsoft.com/office/2006/metadata/contentType"/>
-    <ds:schemaRef ds:uri="http://schemas.microsoft.com/office/2006/metadata/properties/metaAttributes"/>
-    <ds:schemaRef ds:uri="http://www.w3.org/2001/XMLSchema"/>
-    <ds:schemaRef ds:uri="http://schemas.microsoft.com/office/2006/metadata/properties"/>
-    <ds:schemaRef ds:uri="edfce47a-b68d-423b-b051-eec80be2c8f5"/>
-    <ds:schemaRef ds:uri="http://schemas.microsoft.com/office/2006/documentManagement/types"/>
-    <ds:schemaRef ds:uri="http://schemas.microsoft.com/office/infopath/2007/PartnerControls"/>
-    <ds:schemaRef ds:uri="http://schemas.openxmlformats.org/package/2006/metadata/core-properties"/>
-    <ds:schemaRef ds:uri="http://purl.org/dc/elements/1.1/"/>
-    <ds:schemaRef ds:uri="http://purl.org/dc/terms/"/>
-    <ds:schemaRef ds:uri="http://schemas.microsoft.com/internal/obd"/>
-  </ds:schemaRefs>
-</ds:datastoreItem>
-</file>
-
-<file path=customXml/itemProps3.xml><?xml version="1.0" encoding="utf-8"?>
-<ds:datastoreItem xmlns:ds="http://schemas.openxmlformats.org/officeDocument/2006/customXml" ds:itemID="{B007C3B4-20E1-428E-B941-3F9834419A21}">
-  <ds:schemaRefs>
-    <ds:schemaRef ds:uri="http://schemas.microsoft.com/sharepoint/v3/contenttype/forms"/>
-  </ds:schemaRefs>
-</ds:datastoreItem>
 </file>